--- a/docs/images/cisco-meraki-sd-wan-vmx-architecture-diagram.pptx
+++ b/docs/images/cisco-meraki-sd-wan-vmx-architecture-diagram.pptx
@@ -8,6 +8,7 @@
     <p:sldId id="258" r:id="rId2"/>
     <p:sldId id="259" r:id="rId3"/>
     <p:sldId id="260" r:id="rId4"/>
+    <p:sldId id="261" r:id="rId5"/>
   </p:sldIdLst>
   <p:sldSz cx="14630400" cy="10058400"/>
   <p:notesSz cx="6858000" cy="9144000"/>
@@ -257,7 +258,7 @@
           <a:p>
             <a:fld id="{66A1C720-F646-4663-BA47-18BA1F80B731}" type="datetimeFigureOut">
               <a:rPr lang="en-US" smtClean="0"/>
-              <a:t>11/4/2021</a:t>
+              <a:t>11/8/2021</a:t>
             </a:fld>
             <a:endParaRPr lang="en-US"/>
           </a:p>
@@ -427,7 +428,7 @@
           <a:p>
             <a:fld id="{66A1C720-F646-4663-BA47-18BA1F80B731}" type="datetimeFigureOut">
               <a:rPr lang="en-US" smtClean="0"/>
-              <a:t>11/4/2021</a:t>
+              <a:t>11/8/2021</a:t>
             </a:fld>
             <a:endParaRPr lang="en-US"/>
           </a:p>
@@ -607,7 +608,7 @@
           <a:p>
             <a:fld id="{66A1C720-F646-4663-BA47-18BA1F80B731}" type="datetimeFigureOut">
               <a:rPr lang="en-US" smtClean="0"/>
-              <a:t>11/4/2021</a:t>
+              <a:t>11/8/2021</a:t>
             </a:fld>
             <a:endParaRPr lang="en-US"/>
           </a:p>
@@ -777,7 +778,7 @@
           <a:p>
             <a:fld id="{66A1C720-F646-4663-BA47-18BA1F80B731}" type="datetimeFigureOut">
               <a:rPr lang="en-US" smtClean="0"/>
-              <a:t>11/4/2021</a:t>
+              <a:t>11/8/2021</a:t>
             </a:fld>
             <a:endParaRPr lang="en-US"/>
           </a:p>
@@ -1021,7 +1022,7 @@
           <a:p>
             <a:fld id="{66A1C720-F646-4663-BA47-18BA1F80B731}" type="datetimeFigureOut">
               <a:rPr lang="en-US" smtClean="0"/>
-              <a:t>11/4/2021</a:t>
+              <a:t>11/8/2021</a:t>
             </a:fld>
             <a:endParaRPr lang="en-US"/>
           </a:p>
@@ -1253,7 +1254,7 @@
           <a:p>
             <a:fld id="{66A1C720-F646-4663-BA47-18BA1F80B731}" type="datetimeFigureOut">
               <a:rPr lang="en-US" smtClean="0"/>
-              <a:t>11/4/2021</a:t>
+              <a:t>11/8/2021</a:t>
             </a:fld>
             <a:endParaRPr lang="en-US"/>
           </a:p>
@@ -1620,7 +1621,7 @@
           <a:p>
             <a:fld id="{66A1C720-F646-4663-BA47-18BA1F80B731}" type="datetimeFigureOut">
               <a:rPr lang="en-US" smtClean="0"/>
-              <a:t>11/4/2021</a:t>
+              <a:t>11/8/2021</a:t>
             </a:fld>
             <a:endParaRPr lang="en-US"/>
           </a:p>
@@ -1738,7 +1739,7 @@
           <a:p>
             <a:fld id="{66A1C720-F646-4663-BA47-18BA1F80B731}" type="datetimeFigureOut">
               <a:rPr lang="en-US" smtClean="0"/>
-              <a:t>11/4/2021</a:t>
+              <a:t>11/8/2021</a:t>
             </a:fld>
             <a:endParaRPr lang="en-US"/>
           </a:p>
@@ -1833,7 +1834,7 @@
           <a:p>
             <a:fld id="{66A1C720-F646-4663-BA47-18BA1F80B731}" type="datetimeFigureOut">
               <a:rPr lang="en-US" smtClean="0"/>
-              <a:t>11/4/2021</a:t>
+              <a:t>11/8/2021</a:t>
             </a:fld>
             <a:endParaRPr lang="en-US"/>
           </a:p>
@@ -2110,7 +2111,7 @@
           <a:p>
             <a:fld id="{66A1C720-F646-4663-BA47-18BA1F80B731}" type="datetimeFigureOut">
               <a:rPr lang="en-US" smtClean="0"/>
-              <a:t>11/4/2021</a:t>
+              <a:t>11/8/2021</a:t>
             </a:fld>
             <a:endParaRPr lang="en-US"/>
           </a:p>
@@ -2367,7 +2368,7 @@
           <a:p>
             <a:fld id="{66A1C720-F646-4663-BA47-18BA1F80B731}" type="datetimeFigureOut">
               <a:rPr lang="en-US" smtClean="0"/>
-              <a:t>11/4/2021</a:t>
+              <a:t>11/8/2021</a:t>
             </a:fld>
             <a:endParaRPr lang="en-US"/>
           </a:p>
@@ -2580,7 +2581,7 @@
           <a:p>
             <a:fld id="{66A1C720-F646-4663-BA47-18BA1F80B731}" type="datetimeFigureOut">
               <a:rPr lang="en-US" smtClean="0"/>
-              <a:t>11/4/2021</a:t>
+              <a:t>11/8/2021</a:t>
             </a:fld>
             <a:endParaRPr lang="en-US"/>
           </a:p>
@@ -11693,8 +11694,8 @@
         </p:nvSpPr>
         <p:spPr bwMode="auto">
           <a:xfrm>
-            <a:off x="3459394" y="1270003"/>
-            <a:ext cx="8222776" cy="6314704"/>
+            <a:off x="3459394" y="1176870"/>
+            <a:ext cx="8222776" cy="6163731"/>
           </a:xfrm>
           <a:prstGeom prst="rect">
             <a:avLst/>
@@ -12335,7 +12336,7 @@
         </p:blipFill>
         <p:spPr>
           <a:xfrm>
-            <a:off x="3459394" y="1270003"/>
+            <a:off x="3459394" y="1176870"/>
             <a:ext cx="381000" cy="381000"/>
           </a:xfrm>
           <a:prstGeom prst="rect">
@@ -13476,7 +13477,7 @@
         </p:nvSpPr>
         <p:spPr bwMode="auto">
           <a:xfrm>
-            <a:off x="6254557" y="2075269"/>
+            <a:off x="6254557" y="2024467"/>
             <a:ext cx="1315300" cy="276999"/>
           </a:xfrm>
           <a:prstGeom prst="rect">
@@ -13650,7 +13651,7 @@
         </p:blipFill>
         <p:spPr bwMode="auto">
           <a:xfrm>
-            <a:off x="6679037" y="1674324"/>
+            <a:off x="6679037" y="1606588"/>
             <a:ext cx="457200" cy="457200"/>
           </a:xfrm>
           <a:prstGeom prst="rect">
@@ -13694,7 +13695,7 @@
         </p:blipFill>
         <p:spPr bwMode="auto">
           <a:xfrm>
-            <a:off x="2789250" y="1667974"/>
+            <a:off x="2789250" y="1600238"/>
             <a:ext cx="469900" cy="469900"/>
           </a:xfrm>
           <a:prstGeom prst="rect">
@@ -13741,7 +13742,7 @@
         </p:nvSpPr>
         <p:spPr bwMode="auto">
           <a:xfrm>
-            <a:off x="2478500" y="2104144"/>
+            <a:off x="2478500" y="2024467"/>
             <a:ext cx="1073150" cy="461665"/>
           </a:xfrm>
           <a:prstGeom prst="rect">
@@ -13917,7 +13918,7 @@
         </p:blipFill>
         <p:spPr bwMode="auto">
           <a:xfrm>
-            <a:off x="1783038" y="1667974"/>
+            <a:off x="1783038" y="1600238"/>
             <a:ext cx="469900" cy="469900"/>
           </a:xfrm>
           <a:prstGeom prst="rect">
@@ -13964,7 +13965,7 @@
         </p:nvSpPr>
         <p:spPr bwMode="auto">
           <a:xfrm>
-            <a:off x="1481413" y="2104144"/>
+            <a:off x="1481413" y="2024467"/>
             <a:ext cx="1073150" cy="461665"/>
           </a:xfrm>
           <a:prstGeom prst="rect">
@@ -14129,7 +14130,7 @@
         </p:nvCxnSpPr>
         <p:spPr>
           <a:xfrm flipH="1">
-            <a:off x="3259150" y="1902924"/>
+            <a:off x="3259150" y="1835188"/>
             <a:ext cx="3419887" cy="0"/>
           </a:xfrm>
           <a:prstGeom prst="straightConnector1">
@@ -14176,7 +14177,7 @@
         </p:nvCxnSpPr>
         <p:spPr>
           <a:xfrm>
-            <a:off x="2252938" y="1902924"/>
+            <a:off x="2252938" y="1835188"/>
             <a:ext cx="536312" cy="0"/>
           </a:xfrm>
           <a:prstGeom prst="straightConnector1">
@@ -14234,7 +14235,7 @@
         </p:blipFill>
         <p:spPr bwMode="auto">
           <a:xfrm>
-            <a:off x="11912142" y="1667974"/>
+            <a:off x="11912142" y="1600238"/>
             <a:ext cx="469900" cy="469900"/>
           </a:xfrm>
           <a:prstGeom prst="rect">
@@ -14281,7 +14282,7 @@
         </p:nvSpPr>
         <p:spPr bwMode="auto">
           <a:xfrm>
-            <a:off x="11610517" y="2104144"/>
+            <a:off x="11610517" y="2024467"/>
             <a:ext cx="1073150" cy="461665"/>
           </a:xfrm>
           <a:prstGeom prst="rect">
@@ -14439,15 +14440,15 @@
           </p:cNvPr>
           <p:cNvCxnSpPr>
             <a:cxnSpLocks/>
-            <a:stCxn id="42" idx="3"/>
-            <a:endCxn id="62" idx="1"/>
+            <a:stCxn id="50" idx="3"/>
+            <a:endCxn id="29" idx="1"/>
           </p:cNvCxnSpPr>
           <p:nvPr/>
         </p:nvCxnSpPr>
         <p:spPr>
           <a:xfrm>
-            <a:off x="7136237" y="1902924"/>
-            <a:ext cx="4775905" cy="0"/>
+            <a:off x="7133668" y="6523945"/>
+            <a:ext cx="3364311" cy="0"/>
           </a:xfrm>
           <a:prstGeom prst="straightConnector1">
             <a:avLst/>
@@ -14456,7 +14457,7 @@
             <a:solidFill>
               <a:srgbClr val="545B64"/>
             </a:solidFill>
-            <a:headEnd type="arrow" w="med" len="sm"/>
+            <a:headEnd type="none" w="med" len="sm"/>
             <a:tailEnd type="arrow" w="med" len="sm"/>
           </a:ln>
         </p:spPr>
@@ -14475,645 +14476,603 @@
           </a:fontRef>
         </p:style>
       </p:cxnSp>
-      <p:grpSp>
-        <p:nvGrpSpPr>
-          <p:cNvPr id="43" name="Group 42">
+      <p:pic>
+        <p:nvPicPr>
+          <p:cNvPr id="29" name="Graphic 7">
             <a:extLst>
               <a:ext uri="{FF2B5EF4-FFF2-40B4-BE49-F238E27FC236}">
-                <a16:creationId xmlns:a16="http://schemas.microsoft.com/office/drawing/2014/main" id="{C0FD69E3-F5B3-4F52-ACB8-F4AA6BF1CCE7}"/>
+                <a16:creationId xmlns:a16="http://schemas.microsoft.com/office/drawing/2014/main" id="{FA36765F-5CCD-4B68-A868-C72C5D7B719B}"/>
               </a:ext>
             </a:extLst>
           </p:cNvPr>
-          <p:cNvGrpSpPr/>
+          <p:cNvPicPr>
+            <a:picLocks noChangeAspect="1" noChangeArrowheads="1"/>
+          </p:cNvPicPr>
           <p:nvPr/>
-        </p:nvGrpSpPr>
-        <p:grpSpPr>
+        </p:nvPicPr>
+        <p:blipFill>
+          <a:blip r:embed="rId17">
+            <a:extLst>
+              <a:ext uri="{28A0092B-C50C-407E-A947-70E740481C1C}">
+                <a14:useLocalDpi xmlns:a14="http://schemas.microsoft.com/office/drawing/2010/main" val="0"/>
+              </a:ext>
+            </a:extLst>
+          </a:blip>
+          <a:srcRect/>
+          <a:stretch>
+            <a:fillRect/>
+          </a:stretch>
+        </p:blipFill>
+        <p:spPr bwMode="auto">
           <a:xfrm>
-            <a:off x="6053099" y="6354508"/>
-            <a:ext cx="2864067" cy="1160076"/>
-            <a:chOff x="5322904" y="6729273"/>
-            <a:chExt cx="2864067" cy="1160076"/>
+            <a:off x="10497979" y="6181045"/>
+            <a:ext cx="685800" cy="685800"/>
           </a:xfrm>
-        </p:grpSpPr>
-        <p:pic>
-          <p:nvPicPr>
-            <p:cNvPr id="29" name="Graphic 7">
-              <a:extLst>
-                <a:ext uri="{FF2B5EF4-FFF2-40B4-BE49-F238E27FC236}">
-                  <a16:creationId xmlns:a16="http://schemas.microsoft.com/office/drawing/2014/main" id="{FA36765F-5CCD-4B68-A868-C72C5D7B719B}"/>
-                </a:ext>
-              </a:extLst>
-            </p:cNvPr>
-            <p:cNvPicPr>
-              <a:picLocks noChangeAspect="1" noChangeArrowheads="1"/>
-            </p:cNvPicPr>
-            <p:nvPr/>
-          </p:nvPicPr>
-          <p:blipFill>
-            <a:blip r:embed="rId17">
-              <a:extLst>
-                <a:ext uri="{28A0092B-C50C-407E-A947-70E740481C1C}">
-                  <a14:useLocalDpi xmlns:a14="http://schemas.microsoft.com/office/drawing/2010/main" val="0"/>
-                </a:ext>
-              </a:extLst>
-            </a:blip>
-            <a:srcRect/>
-            <a:stretch>
-              <a:fillRect/>
-            </a:stretch>
-          </p:blipFill>
-          <p:spPr bwMode="auto">
-            <a:xfrm>
-              <a:off x="5849372" y="6729273"/>
-              <a:ext cx="685800" cy="685800"/>
-            </a:xfrm>
-            <a:prstGeom prst="rect">
-              <a:avLst/>
-            </a:prstGeom>
+          <a:prstGeom prst="rect">
+            <a:avLst/>
+          </a:prstGeom>
+          <a:noFill/>
+          <a:ln>
             <a:noFill/>
-            <a:ln>
-              <a:noFill/>
-            </a:ln>
-            <a:extLst>
-              <a:ext uri="{909E8E84-426E-40DD-AFC4-6F175D3DCCD1}">
-                <a14:hiddenFill xmlns:a14="http://schemas.microsoft.com/office/drawing/2010/main">
-                  <a:solidFill>
-                    <a:srgbClr val="FFFFFF"/>
-                  </a:solidFill>
-                </a14:hiddenFill>
-              </a:ext>
-              <a:ext uri="{91240B29-F687-4F45-9708-019B960494DF}">
-                <a14:hiddenLine xmlns:a14="http://schemas.microsoft.com/office/drawing/2010/main" w="9525">
-                  <a:solidFill>
-                    <a:srgbClr val="000000"/>
-                  </a:solidFill>
-                  <a:miter lim="800000"/>
-                  <a:headEnd/>
-                  <a:tailEnd/>
-                </a14:hiddenLine>
-              </a:ext>
-            </a:extLst>
-          </p:spPr>
-        </p:pic>
-        <p:sp>
-          <p:nvSpPr>
-            <p:cNvPr id="30" name="TextBox 9">
-              <a:extLst>
-                <a:ext uri="{FF2B5EF4-FFF2-40B4-BE49-F238E27FC236}">
-                  <a16:creationId xmlns:a16="http://schemas.microsoft.com/office/drawing/2014/main" id="{CE85C5B2-97E7-4656-82D7-DBF37A5D7556}"/>
-                </a:ext>
-              </a:extLst>
-            </p:cNvPr>
-            <p:cNvSpPr txBox="1">
-              <a:spLocks noChangeArrowheads="1"/>
-            </p:cNvSpPr>
-            <p:nvPr/>
-          </p:nvSpPr>
-          <p:spPr bwMode="auto">
-            <a:xfrm>
-              <a:off x="5322904" y="7427684"/>
-              <a:ext cx="1698396" cy="276999"/>
-            </a:xfrm>
-            <a:prstGeom prst="rect">
-              <a:avLst/>
-            </a:prstGeom>
+          </a:ln>
+          <a:extLst>
+            <a:ext uri="{909E8E84-426E-40DD-AFC4-6F175D3DCCD1}">
+              <a14:hiddenFill xmlns:a14="http://schemas.microsoft.com/office/drawing/2010/main">
+                <a:solidFill>
+                  <a:srgbClr val="FFFFFF"/>
+                </a:solidFill>
+              </a14:hiddenFill>
+            </a:ext>
+            <a:ext uri="{91240B29-F687-4F45-9708-019B960494DF}">
+              <a14:hiddenLine xmlns:a14="http://schemas.microsoft.com/office/drawing/2010/main" w="9525">
+                <a:solidFill>
+                  <a:srgbClr val="000000"/>
+                </a:solidFill>
+                <a:miter lim="800000"/>
+                <a:headEnd/>
+                <a:tailEnd/>
+              </a14:hiddenLine>
+            </a:ext>
+          </a:extLst>
+        </p:spPr>
+      </p:pic>
+      <p:sp>
+        <p:nvSpPr>
+          <p:cNvPr id="30" name="TextBox 9">
+            <a:extLst>
+              <a:ext uri="{FF2B5EF4-FFF2-40B4-BE49-F238E27FC236}">
+                <a16:creationId xmlns:a16="http://schemas.microsoft.com/office/drawing/2014/main" id="{CE85C5B2-97E7-4656-82D7-DBF37A5D7556}"/>
+              </a:ext>
+            </a:extLst>
+          </p:cNvPr>
+          <p:cNvSpPr txBox="1">
+            <a:spLocks noChangeArrowheads="1"/>
+          </p:cNvSpPr>
+          <p:nvPr/>
+        </p:nvSpPr>
+        <p:spPr bwMode="auto">
+          <a:xfrm>
+            <a:off x="9971511" y="6879456"/>
+            <a:ext cx="1698396" cy="276999"/>
+          </a:xfrm>
+          <a:prstGeom prst="rect">
+            <a:avLst/>
+          </a:prstGeom>
+          <a:noFill/>
+          <a:ln>
             <a:noFill/>
-            <a:ln>
-              <a:noFill/>
-            </a:ln>
-            <a:extLst>
-              <a:ext uri="{909E8E84-426E-40DD-AFC4-6F175D3DCCD1}">
-                <a14:hiddenFill xmlns:a14="http://schemas.microsoft.com/office/drawing/2010/main">
-                  <a:solidFill>
-                    <a:srgbClr val="FFFFFF"/>
-                  </a:solidFill>
-                </a14:hiddenFill>
-              </a:ext>
-              <a:ext uri="{91240B29-F687-4F45-9708-019B960494DF}">
-                <a14:hiddenLine xmlns:a14="http://schemas.microsoft.com/office/drawing/2010/main" w="9525">
-                  <a:solidFill>
-                    <a:srgbClr val="000000"/>
-                  </a:solidFill>
-                  <a:miter lim="800000"/>
-                  <a:headEnd/>
-                  <a:tailEnd/>
-                </a14:hiddenLine>
-              </a:ext>
-            </a:extLst>
-          </p:spPr>
-          <p:txBody>
-            <a:bodyPr wrap="square">
-              <a:spAutoFit/>
-            </a:bodyPr>
-            <a:lstStyle>
-              <a:lvl1pPr>
-                <a:defRPr>
-                  <a:solidFill>
-                    <a:schemeClr val="tx1"/>
-                  </a:solidFill>
-                  <a:latin typeface="Calibri" panose="020F0502020204030204" pitchFamily="34" charset="0"/>
-                </a:defRPr>
-              </a:lvl1pPr>
-              <a:lvl2pPr marL="742950" indent="-285750">
-                <a:defRPr>
-                  <a:solidFill>
-                    <a:schemeClr val="tx1"/>
-                  </a:solidFill>
-                  <a:latin typeface="Calibri" panose="020F0502020204030204" pitchFamily="34" charset="0"/>
-                </a:defRPr>
-              </a:lvl2pPr>
-              <a:lvl3pPr marL="1143000" indent="-228600">
-                <a:defRPr>
-                  <a:solidFill>
-                    <a:schemeClr val="tx1"/>
-                  </a:solidFill>
-                  <a:latin typeface="Calibri" panose="020F0502020204030204" pitchFamily="34" charset="0"/>
-                </a:defRPr>
-              </a:lvl3pPr>
-              <a:lvl4pPr marL="1600200" indent="-228600">
-                <a:defRPr>
-                  <a:solidFill>
-                    <a:schemeClr val="tx1"/>
-                  </a:solidFill>
-                  <a:latin typeface="Calibri" panose="020F0502020204030204" pitchFamily="34" charset="0"/>
-                </a:defRPr>
-              </a:lvl4pPr>
-              <a:lvl5pPr marL="2057400" indent="-228600">
-                <a:defRPr>
-                  <a:solidFill>
-                    <a:schemeClr val="tx1"/>
-                  </a:solidFill>
-                  <a:latin typeface="Calibri" panose="020F0502020204030204" pitchFamily="34" charset="0"/>
-                </a:defRPr>
-              </a:lvl5pPr>
-              <a:lvl6pPr marL="2514600" indent="-228600" eaLnBrk="0" fontAlgn="base" hangingPunct="0">
-                <a:spcBef>
-                  <a:spcPct val="0"/>
-                </a:spcBef>
-                <a:spcAft>
-                  <a:spcPct val="0"/>
-                </a:spcAft>
-                <a:defRPr>
-                  <a:solidFill>
-                    <a:schemeClr val="tx1"/>
-                  </a:solidFill>
-                  <a:latin typeface="Calibri" panose="020F0502020204030204" pitchFamily="34" charset="0"/>
-                </a:defRPr>
-              </a:lvl6pPr>
-              <a:lvl7pPr marL="2971800" indent="-228600" eaLnBrk="0" fontAlgn="base" hangingPunct="0">
-                <a:spcBef>
-                  <a:spcPct val="0"/>
-                </a:spcBef>
-                <a:spcAft>
-                  <a:spcPct val="0"/>
-                </a:spcAft>
-                <a:defRPr>
-                  <a:solidFill>
-                    <a:schemeClr val="tx1"/>
-                  </a:solidFill>
-                  <a:latin typeface="Calibri" panose="020F0502020204030204" pitchFamily="34" charset="0"/>
-                </a:defRPr>
-              </a:lvl7pPr>
-              <a:lvl8pPr marL="3429000" indent="-228600" eaLnBrk="0" fontAlgn="base" hangingPunct="0">
-                <a:spcBef>
-                  <a:spcPct val="0"/>
-                </a:spcBef>
-                <a:spcAft>
-                  <a:spcPct val="0"/>
-                </a:spcAft>
-                <a:defRPr>
-                  <a:solidFill>
-                    <a:schemeClr val="tx1"/>
-                  </a:solidFill>
-                  <a:latin typeface="Calibri" panose="020F0502020204030204" pitchFamily="34" charset="0"/>
-                </a:defRPr>
-              </a:lvl8pPr>
-              <a:lvl9pPr marL="3886200" indent="-228600" eaLnBrk="0" fontAlgn="base" hangingPunct="0">
-                <a:spcBef>
-                  <a:spcPct val="0"/>
-                </a:spcBef>
-                <a:spcAft>
-                  <a:spcPct val="0"/>
-                </a:spcAft>
-                <a:defRPr>
-                  <a:solidFill>
-                    <a:schemeClr val="tx1"/>
-                  </a:solidFill>
-                  <a:latin typeface="Calibri" panose="020F0502020204030204" pitchFamily="34" charset="0"/>
-                </a:defRPr>
-              </a:lvl9pPr>
-            </a:lstStyle>
-            <a:p>
-              <a:pPr algn="ctr" eaLnBrk="1" hangingPunct="1"/>
-              <a:r>
-                <a:rPr lang="en-US" altLang="en-US" sz="1200" dirty="0">
-                  <a:latin typeface="Arial" panose="020B0604020202020204" pitchFamily="34" charset="0"/>
-                  <a:ea typeface="Amazon Ember" panose="020B0603020204020204" pitchFamily="34" charset="0"/>
-                  <a:cs typeface="Arial" panose="020B0604020202020204" pitchFamily="34" charset="0"/>
-                </a:rPr>
-                <a:t>AWS Transit Gateway</a:t>
-              </a:r>
-            </a:p>
-          </p:txBody>
-        </p:sp>
-        <p:sp>
-          <p:nvSpPr>
-            <p:cNvPr id="49" name="TextBox 26">
-              <a:extLst>
-                <a:ext uri="{FF2B5EF4-FFF2-40B4-BE49-F238E27FC236}">
-                  <a16:creationId xmlns:a16="http://schemas.microsoft.com/office/drawing/2014/main" id="{F70419FA-8338-48D3-B5BB-38775FA396CD}"/>
-                </a:ext>
-              </a:extLst>
-            </p:cNvPr>
-            <p:cNvSpPr txBox="1">
-              <a:spLocks noChangeArrowheads="1"/>
-            </p:cNvSpPr>
-            <p:nvPr/>
-          </p:nvSpPr>
-          <p:spPr bwMode="auto">
-            <a:xfrm>
-              <a:off x="6873617" y="7427684"/>
-              <a:ext cx="1313354" cy="461665"/>
-            </a:xfrm>
-            <a:prstGeom prst="rect">
-              <a:avLst/>
-            </a:prstGeom>
+          </a:ln>
+          <a:extLst>
+            <a:ext uri="{909E8E84-426E-40DD-AFC4-6F175D3DCCD1}">
+              <a14:hiddenFill xmlns:a14="http://schemas.microsoft.com/office/drawing/2010/main">
+                <a:solidFill>
+                  <a:srgbClr val="FFFFFF"/>
+                </a:solidFill>
+              </a14:hiddenFill>
+            </a:ext>
+            <a:ext uri="{91240B29-F687-4F45-9708-019B960494DF}">
+              <a14:hiddenLine xmlns:a14="http://schemas.microsoft.com/office/drawing/2010/main" w="9525">
+                <a:solidFill>
+                  <a:srgbClr val="000000"/>
+                </a:solidFill>
+                <a:miter lim="800000"/>
+                <a:headEnd/>
+                <a:tailEnd/>
+              </a14:hiddenLine>
+            </a:ext>
+          </a:extLst>
+        </p:spPr>
+        <p:txBody>
+          <a:bodyPr wrap="square">
+            <a:spAutoFit/>
+          </a:bodyPr>
+          <a:lstStyle>
+            <a:lvl1pPr>
+              <a:defRPr>
+                <a:solidFill>
+                  <a:schemeClr val="tx1"/>
+                </a:solidFill>
+                <a:latin typeface="Calibri" panose="020F0502020204030204" pitchFamily="34" charset="0"/>
+              </a:defRPr>
+            </a:lvl1pPr>
+            <a:lvl2pPr marL="742950" indent="-285750">
+              <a:defRPr>
+                <a:solidFill>
+                  <a:schemeClr val="tx1"/>
+                </a:solidFill>
+                <a:latin typeface="Calibri" panose="020F0502020204030204" pitchFamily="34" charset="0"/>
+              </a:defRPr>
+            </a:lvl2pPr>
+            <a:lvl3pPr marL="1143000" indent="-228600">
+              <a:defRPr>
+                <a:solidFill>
+                  <a:schemeClr val="tx1"/>
+                </a:solidFill>
+                <a:latin typeface="Calibri" panose="020F0502020204030204" pitchFamily="34" charset="0"/>
+              </a:defRPr>
+            </a:lvl3pPr>
+            <a:lvl4pPr marL="1600200" indent="-228600">
+              <a:defRPr>
+                <a:solidFill>
+                  <a:schemeClr val="tx1"/>
+                </a:solidFill>
+                <a:latin typeface="Calibri" panose="020F0502020204030204" pitchFamily="34" charset="0"/>
+              </a:defRPr>
+            </a:lvl4pPr>
+            <a:lvl5pPr marL="2057400" indent="-228600">
+              <a:defRPr>
+                <a:solidFill>
+                  <a:schemeClr val="tx1"/>
+                </a:solidFill>
+                <a:latin typeface="Calibri" panose="020F0502020204030204" pitchFamily="34" charset="0"/>
+              </a:defRPr>
+            </a:lvl5pPr>
+            <a:lvl6pPr marL="2514600" indent="-228600" eaLnBrk="0" fontAlgn="base" hangingPunct="0">
+              <a:spcBef>
+                <a:spcPct val="0"/>
+              </a:spcBef>
+              <a:spcAft>
+                <a:spcPct val="0"/>
+              </a:spcAft>
+              <a:defRPr>
+                <a:solidFill>
+                  <a:schemeClr val="tx1"/>
+                </a:solidFill>
+                <a:latin typeface="Calibri" panose="020F0502020204030204" pitchFamily="34" charset="0"/>
+              </a:defRPr>
+            </a:lvl6pPr>
+            <a:lvl7pPr marL="2971800" indent="-228600" eaLnBrk="0" fontAlgn="base" hangingPunct="0">
+              <a:spcBef>
+                <a:spcPct val="0"/>
+              </a:spcBef>
+              <a:spcAft>
+                <a:spcPct val="0"/>
+              </a:spcAft>
+              <a:defRPr>
+                <a:solidFill>
+                  <a:schemeClr val="tx1"/>
+                </a:solidFill>
+                <a:latin typeface="Calibri" panose="020F0502020204030204" pitchFamily="34" charset="0"/>
+              </a:defRPr>
+            </a:lvl7pPr>
+            <a:lvl8pPr marL="3429000" indent="-228600" eaLnBrk="0" fontAlgn="base" hangingPunct="0">
+              <a:spcBef>
+                <a:spcPct val="0"/>
+              </a:spcBef>
+              <a:spcAft>
+                <a:spcPct val="0"/>
+              </a:spcAft>
+              <a:defRPr>
+                <a:solidFill>
+                  <a:schemeClr val="tx1"/>
+                </a:solidFill>
+                <a:latin typeface="Calibri" panose="020F0502020204030204" pitchFamily="34" charset="0"/>
+              </a:defRPr>
+            </a:lvl8pPr>
+            <a:lvl9pPr marL="3886200" indent="-228600" eaLnBrk="0" fontAlgn="base" hangingPunct="0">
+              <a:spcBef>
+                <a:spcPct val="0"/>
+              </a:spcBef>
+              <a:spcAft>
+                <a:spcPct val="0"/>
+              </a:spcAft>
+              <a:defRPr>
+                <a:solidFill>
+                  <a:schemeClr val="tx1"/>
+                </a:solidFill>
+                <a:latin typeface="Calibri" panose="020F0502020204030204" pitchFamily="34" charset="0"/>
+              </a:defRPr>
+            </a:lvl9pPr>
+          </a:lstStyle>
+          <a:p>
+            <a:pPr algn="ctr" eaLnBrk="1" hangingPunct="1"/>
+            <a:r>
+              <a:rPr lang="en-US" altLang="en-US" sz="1200" dirty="0">
+                <a:latin typeface="Arial" panose="020B0604020202020204" pitchFamily="34" charset="0"/>
+                <a:ea typeface="Amazon Ember" panose="020B0603020204020204" pitchFamily="34" charset="0"/>
+                <a:cs typeface="Arial" panose="020B0604020202020204" pitchFamily="34" charset="0"/>
+              </a:rPr>
+              <a:t>AWS Transit Gateway</a:t>
+            </a:r>
+          </a:p>
+        </p:txBody>
+      </p:sp>
+      <p:sp>
+        <p:nvSpPr>
+          <p:cNvPr id="49" name="TextBox 26">
+            <a:extLst>
+              <a:ext uri="{FF2B5EF4-FFF2-40B4-BE49-F238E27FC236}">
+                <a16:creationId xmlns:a16="http://schemas.microsoft.com/office/drawing/2014/main" id="{F70419FA-8338-48D3-B5BB-38775FA396CD}"/>
+              </a:ext>
+            </a:extLst>
+          </p:cNvPr>
+          <p:cNvSpPr txBox="1">
+            <a:spLocks noChangeArrowheads="1"/>
+          </p:cNvSpPr>
+          <p:nvPr/>
+        </p:nvSpPr>
+        <p:spPr bwMode="auto">
+          <a:xfrm>
+            <a:off x="6246217" y="6765404"/>
+            <a:ext cx="1313354" cy="461665"/>
+          </a:xfrm>
+          <a:prstGeom prst="rect">
+            <a:avLst/>
+          </a:prstGeom>
+          <a:noFill/>
+          <a:ln>
             <a:noFill/>
-            <a:ln>
-              <a:noFill/>
-            </a:ln>
-            <a:extLst>
-              <a:ext uri="{909E8E84-426E-40DD-AFC4-6F175D3DCCD1}">
-                <a14:hiddenFill xmlns:a14="http://schemas.microsoft.com/office/drawing/2010/main">
-                  <a:solidFill>
-                    <a:srgbClr val="FFFFFF"/>
-                  </a:solidFill>
-                </a14:hiddenFill>
-              </a:ext>
-              <a:ext uri="{91240B29-F687-4F45-9708-019B960494DF}">
-                <a14:hiddenLine xmlns:a14="http://schemas.microsoft.com/office/drawing/2010/main" w="9525">
-                  <a:solidFill>
-                    <a:srgbClr val="000000"/>
-                  </a:solidFill>
-                  <a:miter lim="800000"/>
-                  <a:headEnd/>
-                  <a:tailEnd/>
-                </a14:hiddenLine>
-              </a:ext>
-            </a:extLst>
-          </p:spPr>
-          <p:txBody>
-            <a:bodyPr wrap="square">
-              <a:spAutoFit/>
-            </a:bodyPr>
-            <a:lstStyle>
-              <a:lvl1pPr>
-                <a:defRPr>
-                  <a:solidFill>
-                    <a:schemeClr val="tx1"/>
-                  </a:solidFill>
-                  <a:latin typeface="Calibri" panose="020F0502020204030204" pitchFamily="34" charset="0"/>
-                </a:defRPr>
-              </a:lvl1pPr>
-              <a:lvl2pPr marL="742950" indent="-285750">
-                <a:defRPr>
-                  <a:solidFill>
-                    <a:schemeClr val="tx1"/>
-                  </a:solidFill>
-                  <a:latin typeface="Calibri" panose="020F0502020204030204" pitchFamily="34" charset="0"/>
-                </a:defRPr>
-              </a:lvl2pPr>
-              <a:lvl3pPr marL="1143000" indent="-228600">
-                <a:defRPr>
-                  <a:solidFill>
-                    <a:schemeClr val="tx1"/>
-                  </a:solidFill>
-                  <a:latin typeface="Calibri" panose="020F0502020204030204" pitchFamily="34" charset="0"/>
-                </a:defRPr>
-              </a:lvl3pPr>
-              <a:lvl4pPr marL="1600200" indent="-228600">
-                <a:defRPr>
-                  <a:solidFill>
-                    <a:schemeClr val="tx1"/>
-                  </a:solidFill>
-                  <a:latin typeface="Calibri" panose="020F0502020204030204" pitchFamily="34" charset="0"/>
-                </a:defRPr>
-              </a:lvl4pPr>
-              <a:lvl5pPr marL="2057400" indent="-228600">
-                <a:defRPr>
-                  <a:solidFill>
-                    <a:schemeClr val="tx1"/>
-                  </a:solidFill>
-                  <a:latin typeface="Calibri" panose="020F0502020204030204" pitchFamily="34" charset="0"/>
-                </a:defRPr>
-              </a:lvl5pPr>
-              <a:lvl6pPr marL="2514600" indent="-228600" eaLnBrk="0" fontAlgn="base" hangingPunct="0">
-                <a:spcBef>
-                  <a:spcPct val="0"/>
-                </a:spcBef>
-                <a:spcAft>
-                  <a:spcPct val="0"/>
-                </a:spcAft>
-                <a:defRPr>
-                  <a:solidFill>
-                    <a:schemeClr val="tx1"/>
-                  </a:solidFill>
-                  <a:latin typeface="Calibri" panose="020F0502020204030204" pitchFamily="34" charset="0"/>
-                </a:defRPr>
-              </a:lvl6pPr>
-              <a:lvl7pPr marL="2971800" indent="-228600" eaLnBrk="0" fontAlgn="base" hangingPunct="0">
-                <a:spcBef>
-                  <a:spcPct val="0"/>
-                </a:spcBef>
-                <a:spcAft>
-                  <a:spcPct val="0"/>
-                </a:spcAft>
-                <a:defRPr>
-                  <a:solidFill>
-                    <a:schemeClr val="tx1"/>
-                  </a:solidFill>
-                  <a:latin typeface="Calibri" panose="020F0502020204030204" pitchFamily="34" charset="0"/>
-                </a:defRPr>
-              </a:lvl7pPr>
-              <a:lvl8pPr marL="3429000" indent="-228600" eaLnBrk="0" fontAlgn="base" hangingPunct="0">
-                <a:spcBef>
-                  <a:spcPct val="0"/>
-                </a:spcBef>
-                <a:spcAft>
-                  <a:spcPct val="0"/>
-                </a:spcAft>
-                <a:defRPr>
-                  <a:solidFill>
-                    <a:schemeClr val="tx1"/>
-                  </a:solidFill>
-                  <a:latin typeface="Calibri" panose="020F0502020204030204" pitchFamily="34" charset="0"/>
-                </a:defRPr>
-              </a:lvl8pPr>
-              <a:lvl9pPr marL="3886200" indent="-228600" eaLnBrk="0" fontAlgn="base" hangingPunct="0">
-                <a:spcBef>
-                  <a:spcPct val="0"/>
-                </a:spcBef>
-                <a:spcAft>
-                  <a:spcPct val="0"/>
-                </a:spcAft>
-                <a:defRPr>
-                  <a:solidFill>
-                    <a:schemeClr val="tx1"/>
-                  </a:solidFill>
-                  <a:latin typeface="Calibri" panose="020F0502020204030204" pitchFamily="34" charset="0"/>
-                </a:defRPr>
-              </a:lvl9pPr>
-            </a:lstStyle>
-            <a:p>
-              <a:pPr algn="ctr" eaLnBrk="1" hangingPunct="1"/>
-              <a:r>
-                <a:rPr lang="en-US" altLang="en-US" sz="1200" dirty="0">
-                  <a:latin typeface="Arial" panose="020B0604020202020204" pitchFamily="34" charset="0"/>
-                  <a:ea typeface="Amazon Ember" panose="020B0603020204020204" pitchFamily="34" charset="0"/>
-                  <a:cs typeface="Arial" panose="020B0604020202020204" pitchFamily="34" charset="0"/>
-                </a:rPr>
-                <a:t>Transit Gateway route table</a:t>
-              </a:r>
-            </a:p>
-          </p:txBody>
-        </p:sp>
-        <p:pic>
-          <p:nvPicPr>
-            <p:cNvPr id="50" name="Graphic 49">
-              <a:extLst>
-                <a:ext uri="{FF2B5EF4-FFF2-40B4-BE49-F238E27FC236}">
-                  <a16:creationId xmlns:a16="http://schemas.microsoft.com/office/drawing/2014/main" id="{8637D6BC-5ABF-4346-96D6-BB5AA0CECA49}"/>
-                </a:ext>
-              </a:extLst>
-            </p:cNvPr>
-            <p:cNvPicPr>
-              <a:picLocks noChangeAspect="1" noChangeArrowheads="1"/>
-            </p:cNvPicPr>
-            <p:nvPr/>
-          </p:nvPicPr>
-          <p:blipFill>
-            <a:blip r:embed="rId12">
-              <a:extLst>
-                <a:ext uri="{96DAC541-7B7A-43D3-8B79-37D633B846F1}">
-                  <asvg:svgBlip xmlns:asvg="http://schemas.microsoft.com/office/drawing/2016/SVG/main" r:embed="rId13"/>
-                </a:ext>
-              </a:extLst>
-            </a:blip>
-            <a:srcRect/>
-            <a:stretch/>
-          </p:blipFill>
-          <p:spPr bwMode="auto">
-            <a:xfrm>
-              <a:off x="7320802" y="6881673"/>
-              <a:ext cx="457200" cy="457200"/>
-            </a:xfrm>
-            <a:prstGeom prst="rect">
-              <a:avLst/>
-            </a:prstGeom>
+          </a:ln>
+          <a:extLst>
+            <a:ext uri="{909E8E84-426E-40DD-AFC4-6F175D3DCCD1}">
+              <a14:hiddenFill xmlns:a14="http://schemas.microsoft.com/office/drawing/2010/main">
+                <a:solidFill>
+                  <a:srgbClr val="FFFFFF"/>
+                </a:solidFill>
+              </a14:hiddenFill>
+            </a:ext>
+            <a:ext uri="{91240B29-F687-4F45-9708-019B960494DF}">
+              <a14:hiddenLine xmlns:a14="http://schemas.microsoft.com/office/drawing/2010/main" w="9525">
+                <a:solidFill>
+                  <a:srgbClr val="000000"/>
+                </a:solidFill>
+                <a:miter lim="800000"/>
+                <a:headEnd/>
+                <a:tailEnd/>
+              </a14:hiddenLine>
+            </a:ext>
+          </a:extLst>
+        </p:spPr>
+        <p:txBody>
+          <a:bodyPr wrap="square">
+            <a:spAutoFit/>
+          </a:bodyPr>
+          <a:lstStyle>
+            <a:lvl1pPr>
+              <a:defRPr>
+                <a:solidFill>
+                  <a:schemeClr val="tx1"/>
+                </a:solidFill>
+                <a:latin typeface="Calibri" panose="020F0502020204030204" pitchFamily="34" charset="0"/>
+              </a:defRPr>
+            </a:lvl1pPr>
+            <a:lvl2pPr marL="742950" indent="-285750">
+              <a:defRPr>
+                <a:solidFill>
+                  <a:schemeClr val="tx1"/>
+                </a:solidFill>
+                <a:latin typeface="Calibri" panose="020F0502020204030204" pitchFamily="34" charset="0"/>
+              </a:defRPr>
+            </a:lvl2pPr>
+            <a:lvl3pPr marL="1143000" indent="-228600">
+              <a:defRPr>
+                <a:solidFill>
+                  <a:schemeClr val="tx1"/>
+                </a:solidFill>
+                <a:latin typeface="Calibri" panose="020F0502020204030204" pitchFamily="34" charset="0"/>
+              </a:defRPr>
+            </a:lvl3pPr>
+            <a:lvl4pPr marL="1600200" indent="-228600">
+              <a:defRPr>
+                <a:solidFill>
+                  <a:schemeClr val="tx1"/>
+                </a:solidFill>
+                <a:latin typeface="Calibri" panose="020F0502020204030204" pitchFamily="34" charset="0"/>
+              </a:defRPr>
+            </a:lvl4pPr>
+            <a:lvl5pPr marL="2057400" indent="-228600">
+              <a:defRPr>
+                <a:solidFill>
+                  <a:schemeClr val="tx1"/>
+                </a:solidFill>
+                <a:latin typeface="Calibri" panose="020F0502020204030204" pitchFamily="34" charset="0"/>
+              </a:defRPr>
+            </a:lvl5pPr>
+            <a:lvl6pPr marL="2514600" indent="-228600" eaLnBrk="0" fontAlgn="base" hangingPunct="0">
+              <a:spcBef>
+                <a:spcPct val="0"/>
+              </a:spcBef>
+              <a:spcAft>
+                <a:spcPct val="0"/>
+              </a:spcAft>
+              <a:defRPr>
+                <a:solidFill>
+                  <a:schemeClr val="tx1"/>
+                </a:solidFill>
+                <a:latin typeface="Calibri" panose="020F0502020204030204" pitchFamily="34" charset="0"/>
+              </a:defRPr>
+            </a:lvl6pPr>
+            <a:lvl7pPr marL="2971800" indent="-228600" eaLnBrk="0" fontAlgn="base" hangingPunct="0">
+              <a:spcBef>
+                <a:spcPct val="0"/>
+              </a:spcBef>
+              <a:spcAft>
+                <a:spcPct val="0"/>
+              </a:spcAft>
+              <a:defRPr>
+                <a:solidFill>
+                  <a:schemeClr val="tx1"/>
+                </a:solidFill>
+                <a:latin typeface="Calibri" panose="020F0502020204030204" pitchFamily="34" charset="0"/>
+              </a:defRPr>
+            </a:lvl7pPr>
+            <a:lvl8pPr marL="3429000" indent="-228600" eaLnBrk="0" fontAlgn="base" hangingPunct="0">
+              <a:spcBef>
+                <a:spcPct val="0"/>
+              </a:spcBef>
+              <a:spcAft>
+                <a:spcPct val="0"/>
+              </a:spcAft>
+              <a:defRPr>
+                <a:solidFill>
+                  <a:schemeClr val="tx1"/>
+                </a:solidFill>
+                <a:latin typeface="Calibri" panose="020F0502020204030204" pitchFamily="34" charset="0"/>
+              </a:defRPr>
+            </a:lvl8pPr>
+            <a:lvl9pPr marL="3886200" indent="-228600" eaLnBrk="0" fontAlgn="base" hangingPunct="0">
+              <a:spcBef>
+                <a:spcPct val="0"/>
+              </a:spcBef>
+              <a:spcAft>
+                <a:spcPct val="0"/>
+              </a:spcAft>
+              <a:defRPr>
+                <a:solidFill>
+                  <a:schemeClr val="tx1"/>
+                </a:solidFill>
+                <a:latin typeface="Calibri" panose="020F0502020204030204" pitchFamily="34" charset="0"/>
+              </a:defRPr>
+            </a:lvl9pPr>
+          </a:lstStyle>
+          <a:p>
+            <a:pPr algn="ctr" eaLnBrk="1" hangingPunct="1"/>
+            <a:r>
+              <a:rPr lang="en-US" altLang="en-US" sz="1200" dirty="0">
+                <a:latin typeface="Arial" panose="020B0604020202020204" pitchFamily="34" charset="0"/>
+                <a:ea typeface="Amazon Ember" panose="020B0603020204020204" pitchFamily="34" charset="0"/>
+                <a:cs typeface="Arial" panose="020B0604020202020204" pitchFamily="34" charset="0"/>
+              </a:rPr>
+              <a:t>Transit Gateway route table</a:t>
+            </a:r>
+          </a:p>
+        </p:txBody>
+      </p:sp>
+      <p:pic>
+        <p:nvPicPr>
+          <p:cNvPr id="50" name="Graphic 49">
+            <a:extLst>
+              <a:ext uri="{FF2B5EF4-FFF2-40B4-BE49-F238E27FC236}">
+                <a16:creationId xmlns:a16="http://schemas.microsoft.com/office/drawing/2014/main" id="{8637D6BC-5ABF-4346-96D6-BB5AA0CECA49}"/>
+              </a:ext>
+            </a:extLst>
+          </p:cNvPr>
+          <p:cNvPicPr>
+            <a:picLocks noChangeAspect="1" noChangeArrowheads="1"/>
+          </p:cNvPicPr>
+          <p:nvPr/>
+        </p:nvPicPr>
+        <p:blipFill>
+          <a:blip r:embed="rId12">
+            <a:extLst>
+              <a:ext uri="{96DAC541-7B7A-43D3-8B79-37D633B846F1}">
+                <asvg:svgBlip xmlns:asvg="http://schemas.microsoft.com/office/drawing/2016/SVG/main" r:embed="rId13"/>
+              </a:ext>
+            </a:extLst>
+          </a:blip>
+          <a:srcRect/>
+          <a:stretch/>
+        </p:blipFill>
+        <p:spPr bwMode="auto">
+          <a:xfrm>
+            <a:off x="6676468" y="6295345"/>
+            <a:ext cx="457200" cy="457200"/>
+          </a:xfrm>
+          <a:prstGeom prst="rect">
+            <a:avLst/>
+          </a:prstGeom>
+          <a:noFill/>
+          <a:ln>
             <a:noFill/>
-            <a:ln>
-              <a:noFill/>
-            </a:ln>
-            <a:extLst>
-              <a:ext uri="{909E8E84-426E-40DD-AFC4-6F175D3DCCD1}">
-                <a14:hiddenFill xmlns:a14="http://schemas.microsoft.com/office/drawing/2010/main">
-                  <a:solidFill>
-                    <a:srgbClr val="FFFFFF"/>
-                  </a:solidFill>
-                </a14:hiddenFill>
-              </a:ext>
-              <a:ext uri="{91240B29-F687-4F45-9708-019B960494DF}">
-                <a14:hiddenLine xmlns:a14="http://schemas.microsoft.com/office/drawing/2010/main" w="9525">
-                  <a:solidFill>
-                    <a:srgbClr val="000000"/>
-                  </a:solidFill>
-                  <a:miter lim="800000"/>
-                  <a:headEnd/>
-                  <a:tailEnd/>
-                </a14:hiddenLine>
-              </a:ext>
-            </a:extLst>
-          </p:spPr>
-        </p:pic>
-      </p:grpSp>
-      <p:grpSp>
-        <p:nvGrpSpPr>
-          <p:cNvPr id="6" name="Group 5">
+          </a:ln>
+          <a:extLst>
+            <a:ext uri="{909E8E84-426E-40DD-AFC4-6F175D3DCCD1}">
+              <a14:hiddenFill xmlns:a14="http://schemas.microsoft.com/office/drawing/2010/main">
+                <a:solidFill>
+                  <a:srgbClr val="FFFFFF"/>
+                </a:solidFill>
+              </a14:hiddenFill>
+            </a:ext>
+            <a:ext uri="{91240B29-F687-4F45-9708-019B960494DF}">
+              <a14:hiddenLine xmlns:a14="http://schemas.microsoft.com/office/drawing/2010/main" w="9525">
+                <a:solidFill>
+                  <a:srgbClr val="000000"/>
+                </a:solidFill>
+                <a:miter lim="800000"/>
+                <a:headEnd/>
+                <a:tailEnd/>
+              </a14:hiddenLine>
+            </a:ext>
+          </a:extLst>
+        </p:spPr>
+      </p:pic>
+      <p:sp>
+        <p:nvSpPr>
+          <p:cNvPr id="44" name="Freeform 26">
             <a:extLst>
               <a:ext uri="{FF2B5EF4-FFF2-40B4-BE49-F238E27FC236}">
-                <a16:creationId xmlns:a16="http://schemas.microsoft.com/office/drawing/2014/main" id="{BE9D1C53-F13A-4C90-8184-356644BA82C5}"/>
+                <a16:creationId xmlns:a16="http://schemas.microsoft.com/office/drawing/2014/main" id="{0E035488-ECEA-4FF1-936A-5539C45AA9B9}"/>
               </a:ext>
             </a:extLst>
           </p:cNvPr>
-          <p:cNvGrpSpPr/>
+          <p:cNvSpPr/>
           <p:nvPr/>
-        </p:nvGrpSpPr>
-        <p:grpSpPr>
-          <a:xfrm>
-            <a:off x="5288285" y="2336879"/>
-            <a:ext cx="3266439" cy="1100005"/>
-            <a:chOff x="5288285" y="2336879"/>
-            <a:chExt cx="3266439" cy="1100005"/>
+        </p:nvSpPr>
+        <p:spPr bwMode="auto">
+          <a:xfrm rot="16200000">
+            <a:off x="6692904" y="1575064"/>
+            <a:ext cx="457201" cy="3266439"/>
           </a:xfrm>
-        </p:grpSpPr>
-        <p:sp>
-          <p:nvSpPr>
-            <p:cNvPr id="44" name="Freeform 26">
-              <a:extLst>
-                <a:ext uri="{FF2B5EF4-FFF2-40B4-BE49-F238E27FC236}">
-                  <a16:creationId xmlns:a16="http://schemas.microsoft.com/office/drawing/2014/main" id="{0E035488-ECEA-4FF1-936A-5539C45AA9B9}"/>
-                </a:ext>
-              </a:extLst>
-            </p:cNvPr>
-            <p:cNvSpPr/>
-            <p:nvPr/>
-          </p:nvSpPr>
-          <p:spPr bwMode="auto">
-            <a:xfrm rot="16200000">
-              <a:off x="6692904" y="1575064"/>
-              <a:ext cx="457201" cy="3266439"/>
-            </a:xfrm>
-            <a:custGeom>
-              <a:avLst/>
-              <a:gdLst>
-                <a:gd name="connsiteX0" fmla="*/ 0 w 622300"/>
-                <a:gd name="connsiteY0" fmla="*/ 0 h 1574800"/>
-                <a:gd name="connsiteX1" fmla="*/ 622300 w 622300"/>
-                <a:gd name="connsiteY1" fmla="*/ 0 h 1574800"/>
-                <a:gd name="connsiteX2" fmla="*/ 622300 w 622300"/>
-                <a:gd name="connsiteY2" fmla="*/ 1574800 h 1574800"/>
-                <a:gd name="connsiteX3" fmla="*/ 482600 w 622300"/>
-                <a:gd name="connsiteY3" fmla="*/ 1574800 h 1574800"/>
-                <a:gd name="connsiteX4" fmla="*/ 0 w 622300"/>
-                <a:gd name="connsiteY4" fmla="*/ 1574800 h 1574800"/>
-              </a:gdLst>
-              <a:ahLst/>
-              <a:cxnLst>
-                <a:cxn ang="0">
-                  <a:pos x="connsiteX0" y="connsiteY0"/>
-                </a:cxn>
-                <a:cxn ang="0">
-                  <a:pos x="connsiteX1" y="connsiteY1"/>
-                </a:cxn>
-                <a:cxn ang="0">
-                  <a:pos x="connsiteX2" y="connsiteY2"/>
-                </a:cxn>
-                <a:cxn ang="0">
-                  <a:pos x="connsiteX3" y="connsiteY3"/>
-                </a:cxn>
-                <a:cxn ang="0">
-                  <a:pos x="connsiteX4" y="connsiteY4"/>
-                </a:cxn>
-              </a:cxnLst>
-              <a:rect l="l" t="t" r="r" b="b"/>
-              <a:pathLst>
-                <a:path w="622300" h="1574800">
-                  <a:moveTo>
-                    <a:pt x="0" y="0"/>
-                  </a:moveTo>
-                  <a:lnTo>
-                    <a:pt x="622300" y="0"/>
-                  </a:lnTo>
-                  <a:lnTo>
-                    <a:pt x="622300" y="1574800"/>
-                  </a:lnTo>
-                  <a:lnTo>
-                    <a:pt x="482600" y="1574800"/>
-                  </a:lnTo>
-                  <a:lnTo>
-                    <a:pt x="0" y="1574800"/>
-                  </a:lnTo>
-                </a:path>
-              </a:pathLst>
-            </a:custGeom>
-            <a:noFill/>
-            <a:ln w="12700">
-              <a:solidFill>
-                <a:schemeClr val="tx2"/>
-              </a:solidFill>
-              <a:headEnd type="arrow" w="med" len="sm"/>
-              <a:tailEnd type="arrow" w="med" len="sm"/>
-            </a:ln>
-          </p:spPr>
-          <p:style>
-            <a:lnRef idx="2">
-              <a:schemeClr val="accent1">
-                <a:shade val="50000"/>
-              </a:schemeClr>
-            </a:lnRef>
-            <a:fillRef idx="1">
-              <a:schemeClr val="accent1"/>
-            </a:fillRef>
-            <a:effectRef idx="0">
-              <a:schemeClr val="accent1"/>
-            </a:effectRef>
-            <a:fontRef idx="minor">
-              <a:schemeClr val="lt1"/>
-            </a:fontRef>
-          </p:style>
-          <p:txBody>
-            <a:bodyPr anchor="ctr"/>
-            <a:lstStyle/>
-            <a:p>
-              <a:pPr algn="ctr" eaLnBrk="1" fontAlgn="auto" hangingPunct="1">
-                <a:spcBef>
-                  <a:spcPts val="0"/>
-                </a:spcBef>
-                <a:spcAft>
-                  <a:spcPts val="0"/>
-                </a:spcAft>
-                <a:defRPr/>
-              </a:pPr>
-              <a:endParaRPr lang="en-US" dirty="0"/>
-            </a:p>
-          </p:txBody>
-        </p:sp>
-        <p:cxnSp>
-          <p:nvCxnSpPr>
-            <p:cNvPr id="45" name="Straight Arrow Connector 44">
-              <a:extLst>
-                <a:ext uri="{FF2B5EF4-FFF2-40B4-BE49-F238E27FC236}">
-                  <a16:creationId xmlns:a16="http://schemas.microsoft.com/office/drawing/2014/main" id="{BD4EACE2-05AD-4E97-A3A7-0D6A503E1CA4}"/>
-                </a:ext>
-              </a:extLst>
-            </p:cNvPr>
-            <p:cNvCxnSpPr>
-              <a:cxnSpLocks/>
-            </p:cNvCxnSpPr>
-            <p:nvPr/>
-          </p:nvCxnSpPr>
-          <p:spPr bwMode="auto">
-            <a:xfrm flipV="1">
-              <a:off x="6907637" y="2336879"/>
-              <a:ext cx="0" cy="642803"/>
-            </a:xfrm>
-            <a:prstGeom prst="straightConnector1">
-              <a:avLst/>
-            </a:prstGeom>
-            <a:ln w="12700">
-              <a:solidFill>
-                <a:srgbClr val="545B64"/>
-              </a:solidFill>
-              <a:headEnd type="none" w="med" len="sm"/>
-              <a:tailEnd type="none" w="med" len="sm"/>
-            </a:ln>
-          </p:spPr>
-          <p:style>
-            <a:lnRef idx="1">
-              <a:schemeClr val="accent1"/>
-            </a:lnRef>
-            <a:fillRef idx="0">
-              <a:schemeClr val="accent1"/>
-            </a:fillRef>
-            <a:effectRef idx="0">
-              <a:schemeClr val="accent1"/>
-            </a:effectRef>
-            <a:fontRef idx="minor">
-              <a:schemeClr val="tx1"/>
-            </a:fontRef>
-          </p:style>
-        </p:cxnSp>
-      </p:grpSp>
+          <a:custGeom>
+            <a:avLst/>
+            <a:gdLst>
+              <a:gd name="connsiteX0" fmla="*/ 0 w 622300"/>
+              <a:gd name="connsiteY0" fmla="*/ 0 h 1574800"/>
+              <a:gd name="connsiteX1" fmla="*/ 622300 w 622300"/>
+              <a:gd name="connsiteY1" fmla="*/ 0 h 1574800"/>
+              <a:gd name="connsiteX2" fmla="*/ 622300 w 622300"/>
+              <a:gd name="connsiteY2" fmla="*/ 1574800 h 1574800"/>
+              <a:gd name="connsiteX3" fmla="*/ 482600 w 622300"/>
+              <a:gd name="connsiteY3" fmla="*/ 1574800 h 1574800"/>
+              <a:gd name="connsiteX4" fmla="*/ 0 w 622300"/>
+              <a:gd name="connsiteY4" fmla="*/ 1574800 h 1574800"/>
+            </a:gdLst>
+            <a:ahLst/>
+            <a:cxnLst>
+              <a:cxn ang="0">
+                <a:pos x="connsiteX0" y="connsiteY0"/>
+              </a:cxn>
+              <a:cxn ang="0">
+                <a:pos x="connsiteX1" y="connsiteY1"/>
+              </a:cxn>
+              <a:cxn ang="0">
+                <a:pos x="connsiteX2" y="connsiteY2"/>
+              </a:cxn>
+              <a:cxn ang="0">
+                <a:pos x="connsiteX3" y="connsiteY3"/>
+              </a:cxn>
+              <a:cxn ang="0">
+                <a:pos x="connsiteX4" y="connsiteY4"/>
+              </a:cxn>
+            </a:cxnLst>
+            <a:rect l="l" t="t" r="r" b="b"/>
+            <a:pathLst>
+              <a:path w="622300" h="1574800">
+                <a:moveTo>
+                  <a:pt x="0" y="0"/>
+                </a:moveTo>
+                <a:lnTo>
+                  <a:pt x="622300" y="0"/>
+                </a:lnTo>
+                <a:lnTo>
+                  <a:pt x="622300" y="1574800"/>
+                </a:lnTo>
+                <a:lnTo>
+                  <a:pt x="482600" y="1574800"/>
+                </a:lnTo>
+                <a:lnTo>
+                  <a:pt x="0" y="1574800"/>
+                </a:lnTo>
+              </a:path>
+            </a:pathLst>
+          </a:custGeom>
+          <a:noFill/>
+          <a:ln w="12700">
+            <a:solidFill>
+              <a:schemeClr val="tx2"/>
+            </a:solidFill>
+            <a:headEnd type="arrow" w="med" len="sm"/>
+            <a:tailEnd type="arrow" w="med" len="sm"/>
+          </a:ln>
+        </p:spPr>
+        <p:style>
+          <a:lnRef idx="2">
+            <a:schemeClr val="accent1">
+              <a:shade val="50000"/>
+            </a:schemeClr>
+          </a:lnRef>
+          <a:fillRef idx="1">
+            <a:schemeClr val="accent1"/>
+          </a:fillRef>
+          <a:effectRef idx="0">
+            <a:schemeClr val="accent1"/>
+          </a:effectRef>
+          <a:fontRef idx="minor">
+            <a:schemeClr val="lt1"/>
+          </a:fontRef>
+        </p:style>
+        <p:txBody>
+          <a:bodyPr anchor="ctr"/>
+          <a:lstStyle/>
+          <a:p>
+            <a:pPr algn="ctr" eaLnBrk="1" fontAlgn="auto" hangingPunct="1">
+              <a:spcBef>
+                <a:spcPts val="0"/>
+              </a:spcBef>
+              <a:spcAft>
+                <a:spcPts val="0"/>
+              </a:spcAft>
+              <a:defRPr/>
+            </a:pPr>
+            <a:endParaRPr lang="en-US" dirty="0"/>
+          </a:p>
+        </p:txBody>
+      </p:sp>
+      <p:cxnSp>
+        <p:nvCxnSpPr>
+          <p:cNvPr id="45" name="Straight Arrow Connector 44">
+            <a:extLst>
+              <a:ext uri="{FF2B5EF4-FFF2-40B4-BE49-F238E27FC236}">
+                <a16:creationId xmlns:a16="http://schemas.microsoft.com/office/drawing/2014/main" id="{BD4EACE2-05AD-4E97-A3A7-0D6A503E1CA4}"/>
+              </a:ext>
+            </a:extLst>
+          </p:cNvPr>
+          <p:cNvCxnSpPr>
+            <a:cxnSpLocks/>
+          </p:cNvCxnSpPr>
+          <p:nvPr/>
+        </p:nvCxnSpPr>
+        <p:spPr bwMode="auto">
+          <a:xfrm flipV="1">
+            <a:off x="6907637" y="2336879"/>
+            <a:ext cx="0" cy="642803"/>
+          </a:xfrm>
+          <a:prstGeom prst="straightConnector1">
+            <a:avLst/>
+          </a:prstGeom>
+          <a:ln w="12700">
+            <a:solidFill>
+              <a:srgbClr val="545B64"/>
+            </a:solidFill>
+            <a:headEnd type="none" w="med" len="sm"/>
+            <a:tailEnd type="arrow" w="med" len="sm"/>
+          </a:ln>
+        </p:spPr>
+        <p:style>
+          <a:lnRef idx="1">
+            <a:schemeClr val="accent1"/>
+          </a:lnRef>
+          <a:fillRef idx="0">
+            <a:schemeClr val="accent1"/>
+          </a:fillRef>
+          <a:effectRef idx="0">
+            <a:schemeClr val="accent1"/>
+          </a:effectRef>
+          <a:fontRef idx="minor">
+            <a:schemeClr val="tx1"/>
+          </a:fontRef>
+        </p:style>
+      </p:cxnSp>
       <p:sp>
         <p:nvSpPr>
           <p:cNvPr id="57" name="Freeform 26">
@@ -15237,13 +15196,14 @@
           </p:cNvPr>
           <p:cNvCxnSpPr>
             <a:cxnSpLocks/>
+            <a:endCxn id="50" idx="0"/>
           </p:cNvCxnSpPr>
           <p:nvPr/>
         </p:nvCxnSpPr>
         <p:spPr bwMode="auto">
           <a:xfrm flipH="1">
-            <a:off x="6907636" y="6040120"/>
-            <a:ext cx="1" cy="303317"/>
+            <a:off x="6905068" y="6040120"/>
+            <a:ext cx="2570" cy="255225"/>
           </a:xfrm>
           <a:prstGeom prst="straightConnector1">
             <a:avLst/>
@@ -15253,7 +15213,7 @@
               <a:srgbClr val="545B64"/>
             </a:solidFill>
             <a:headEnd type="none" w="med" len="sm"/>
-            <a:tailEnd type="none" w="med" len="sm"/>
+            <a:tailEnd type="arrow" w="med" len="sm"/>
           </a:ln>
         </p:spPr>
         <p:style>
@@ -15934,10 +15894,4721 @@
           </a:p>
         </p:txBody>
       </p:sp>
+      <p:cxnSp>
+        <p:nvCxnSpPr>
+          <p:cNvPr id="68" name="Straight Arrow Connector 67">
+            <a:extLst>
+              <a:ext uri="{FF2B5EF4-FFF2-40B4-BE49-F238E27FC236}">
+                <a16:creationId xmlns:a16="http://schemas.microsoft.com/office/drawing/2014/main" id="{8E27ECE7-C235-47B5-9556-2FC9683FBDB1}"/>
+              </a:ext>
+            </a:extLst>
+          </p:cNvPr>
+          <p:cNvCxnSpPr>
+            <a:cxnSpLocks/>
+            <a:stCxn id="42" idx="3"/>
+            <a:endCxn id="62" idx="1"/>
+          </p:cNvCxnSpPr>
+          <p:nvPr/>
+        </p:nvCxnSpPr>
+        <p:spPr>
+          <a:xfrm>
+            <a:off x="7136237" y="1835188"/>
+            <a:ext cx="4775905" cy="0"/>
+          </a:xfrm>
+          <a:prstGeom prst="straightConnector1">
+            <a:avLst/>
+          </a:prstGeom>
+          <a:ln w="12700">
+            <a:solidFill>
+              <a:srgbClr val="545B64"/>
+            </a:solidFill>
+            <a:headEnd type="arrow" w="med" len="sm"/>
+            <a:tailEnd type="arrow" w="med" len="sm"/>
+          </a:ln>
+        </p:spPr>
+        <p:style>
+          <a:lnRef idx="1">
+            <a:schemeClr val="accent1"/>
+          </a:lnRef>
+          <a:fillRef idx="0">
+            <a:schemeClr val="accent1"/>
+          </a:fillRef>
+          <a:effectRef idx="0">
+            <a:schemeClr val="accent1"/>
+          </a:effectRef>
+          <a:fontRef idx="minor">
+            <a:schemeClr val="tx1"/>
+          </a:fontRef>
+        </p:style>
+      </p:cxnSp>
     </p:spTree>
     <p:extLst>
       <p:ext uri="{BB962C8B-B14F-4D97-AF65-F5344CB8AC3E}">
         <p14:creationId xmlns:p14="http://schemas.microsoft.com/office/powerpoint/2010/main" val="1741177134"/>
+      </p:ext>
+    </p:extLst>
+  </p:cSld>
+  <p:clrMapOvr>
+    <a:masterClrMapping/>
+  </p:clrMapOvr>
+</p:sld>
+</file>
+
+<file path=ppt/slides/slide4.xml><?xml version="1.0" encoding="utf-8"?>
+<p:sld xmlns:a="http://schemas.openxmlformats.org/drawingml/2006/main" xmlns:r="http://schemas.openxmlformats.org/officeDocument/2006/relationships" xmlns:p="http://schemas.openxmlformats.org/presentationml/2006/main">
+  <p:cSld>
+    <p:spTree>
+      <p:nvGrpSpPr>
+        <p:cNvPr id="1" name=""/>
+        <p:cNvGrpSpPr/>
+        <p:nvPr/>
+      </p:nvGrpSpPr>
+      <p:grpSpPr>
+        <a:xfrm>
+          <a:off x="0" y="0"/>
+          <a:ext cx="0" cy="0"/>
+          <a:chOff x="0" y="0"/>
+          <a:chExt cx="0" cy="0"/>
+        </a:xfrm>
+      </p:grpSpPr>
+      <p:sp>
+        <p:nvSpPr>
+          <p:cNvPr id="23" name="Rectangle 22">
+            <a:extLst>
+              <a:ext uri="{FF2B5EF4-FFF2-40B4-BE49-F238E27FC236}">
+                <a16:creationId xmlns:a16="http://schemas.microsoft.com/office/drawing/2014/main" id="{E8EB2FD9-7C85-4D46-8F92-C3CBD865EC49}"/>
+              </a:ext>
+            </a:extLst>
+          </p:cNvPr>
+          <p:cNvSpPr/>
+          <p:nvPr/>
+        </p:nvSpPr>
+        <p:spPr>
+          <a:xfrm>
+            <a:off x="4407728" y="3076276"/>
+            <a:ext cx="1765300" cy="1207008"/>
+          </a:xfrm>
+          <a:prstGeom prst="rect">
+            <a:avLst/>
+          </a:prstGeom>
+          <a:solidFill>
+            <a:srgbClr val="1D8900">
+              <a:alpha val="9804"/>
+            </a:srgbClr>
+          </a:solidFill>
+          <a:ln w="12700">
+            <a:noFill/>
+            <a:prstDash val="dash"/>
+          </a:ln>
+        </p:spPr>
+        <p:style>
+          <a:lnRef idx="2">
+            <a:schemeClr val="accent1">
+              <a:shade val="50000"/>
+            </a:schemeClr>
+          </a:lnRef>
+          <a:fillRef idx="1">
+            <a:schemeClr val="accent1"/>
+          </a:fillRef>
+          <a:effectRef idx="0">
+            <a:schemeClr val="accent1"/>
+          </a:effectRef>
+          <a:fontRef idx="minor">
+            <a:schemeClr val="lt1"/>
+          </a:fontRef>
+        </p:style>
+        <p:txBody>
+          <a:bodyPr lIns="448056"/>
+          <a:lstStyle/>
+          <a:p>
+            <a:pPr eaLnBrk="1" fontAlgn="auto" hangingPunct="1">
+              <a:spcBef>
+                <a:spcPts val="0"/>
+              </a:spcBef>
+              <a:spcAft>
+                <a:spcPts val="0"/>
+              </a:spcAft>
+              <a:defRPr/>
+            </a:pPr>
+            <a:r>
+              <a:rPr lang="en-US" sz="1200" dirty="0">
+                <a:solidFill>
+                  <a:srgbClr val="1E8900"/>
+                </a:solidFill>
+                <a:latin typeface="Arial" panose="020B0604020202020204" pitchFamily="34" charset="0"/>
+                <a:cs typeface="Arial" panose="020B0604020202020204" pitchFamily="34" charset="0"/>
+              </a:rPr>
+              <a:t>Public subnet</a:t>
+            </a:r>
+          </a:p>
+        </p:txBody>
+      </p:sp>
+      <p:sp>
+        <p:nvSpPr>
+          <p:cNvPr id="13" name="Rectangle 12">
+            <a:extLst>
+              <a:ext uri="{FF2B5EF4-FFF2-40B4-BE49-F238E27FC236}">
+                <a16:creationId xmlns:a16="http://schemas.microsoft.com/office/drawing/2014/main" id="{252CFA7B-3ACC-4FF4-B3DC-A57A688A5424}"/>
+              </a:ext>
+            </a:extLst>
+          </p:cNvPr>
+          <p:cNvSpPr/>
+          <p:nvPr/>
+        </p:nvSpPr>
+        <p:spPr bwMode="auto">
+          <a:xfrm>
+            <a:off x="3850058" y="2655637"/>
+            <a:ext cx="6088828" cy="3080682"/>
+          </a:xfrm>
+          <a:prstGeom prst="rect">
+            <a:avLst/>
+          </a:prstGeom>
+          <a:noFill/>
+          <a:ln w="12700">
+            <a:solidFill>
+              <a:srgbClr val="1E8900"/>
+            </a:solidFill>
+          </a:ln>
+        </p:spPr>
+        <p:style>
+          <a:lnRef idx="2">
+            <a:schemeClr val="accent1">
+              <a:shade val="50000"/>
+            </a:schemeClr>
+          </a:lnRef>
+          <a:fillRef idx="1">
+            <a:schemeClr val="accent1"/>
+          </a:fillRef>
+          <a:effectRef idx="0">
+            <a:schemeClr val="accent1"/>
+          </a:effectRef>
+          <a:fontRef idx="minor">
+            <a:schemeClr val="lt1"/>
+          </a:fontRef>
+        </p:style>
+        <p:txBody>
+          <a:bodyPr lIns="502920" tIns="91440"/>
+          <a:lstStyle/>
+          <a:p>
+            <a:pPr eaLnBrk="1" fontAlgn="auto" hangingPunct="1">
+              <a:spcBef>
+                <a:spcPts val="0"/>
+              </a:spcBef>
+              <a:spcAft>
+                <a:spcPts val="0"/>
+              </a:spcAft>
+              <a:defRPr/>
+            </a:pPr>
+            <a:r>
+              <a:rPr lang="en-US" sz="1200" dirty="0">
+                <a:ln w="0"/>
+                <a:solidFill>
+                  <a:srgbClr val="1E8900"/>
+                </a:solidFill>
+                <a:latin typeface="Arial" panose="020B0604020202020204" pitchFamily="34" charset="0"/>
+                <a:cs typeface="Arial" panose="020B0604020202020204" pitchFamily="34" charset="0"/>
+              </a:rPr>
+              <a:t>SD-WAN VPC</a:t>
+            </a:r>
+          </a:p>
+        </p:txBody>
+      </p:sp>
+      <p:sp>
+        <p:nvSpPr>
+          <p:cNvPr id="14" name="Rectangle 13">
+            <a:extLst>
+              <a:ext uri="{FF2B5EF4-FFF2-40B4-BE49-F238E27FC236}">
+                <a16:creationId xmlns:a16="http://schemas.microsoft.com/office/drawing/2014/main" id="{8F0BD552-B546-4A09-87A6-20317F4282DE}"/>
+              </a:ext>
+            </a:extLst>
+          </p:cNvPr>
+          <p:cNvSpPr/>
+          <p:nvPr/>
+        </p:nvSpPr>
+        <p:spPr bwMode="auto">
+          <a:xfrm>
+            <a:off x="3459394" y="1176870"/>
+            <a:ext cx="8222776" cy="6783224"/>
+          </a:xfrm>
+          <a:prstGeom prst="rect">
+            <a:avLst/>
+          </a:prstGeom>
+          <a:noFill/>
+          <a:ln w="12700">
+            <a:solidFill>
+              <a:schemeClr val="tx1"/>
+            </a:solidFill>
+          </a:ln>
+        </p:spPr>
+        <p:style>
+          <a:lnRef idx="2">
+            <a:schemeClr val="accent1">
+              <a:shade val="50000"/>
+            </a:schemeClr>
+          </a:lnRef>
+          <a:fillRef idx="1">
+            <a:schemeClr val="accent1"/>
+          </a:fillRef>
+          <a:effectRef idx="0">
+            <a:schemeClr val="accent1"/>
+          </a:effectRef>
+          <a:fontRef idx="minor">
+            <a:schemeClr val="lt1"/>
+          </a:fontRef>
+        </p:style>
+        <p:txBody>
+          <a:bodyPr lIns="502920" tIns="91440"/>
+          <a:lstStyle/>
+          <a:p>
+            <a:pPr eaLnBrk="1" fontAlgn="auto" hangingPunct="1">
+              <a:spcBef>
+                <a:spcPts val="0"/>
+              </a:spcBef>
+              <a:spcAft>
+                <a:spcPts val="0"/>
+              </a:spcAft>
+              <a:defRPr/>
+            </a:pPr>
+            <a:r>
+              <a:rPr lang="en-US" sz="1200" dirty="0">
+                <a:solidFill>
+                  <a:sysClr val="windowText" lastClr="000000"/>
+                </a:solidFill>
+                <a:latin typeface="Arial" panose="020B0604020202020204" pitchFamily="34" charset="0"/>
+                <a:cs typeface="Arial" panose="020B0604020202020204" pitchFamily="34" charset="0"/>
+              </a:rPr>
+              <a:t>AWS Cloud</a:t>
+            </a:r>
+          </a:p>
+        </p:txBody>
+      </p:sp>
+      <p:sp>
+        <p:nvSpPr>
+          <p:cNvPr id="15" name="Rectangle 14">
+            <a:extLst>
+              <a:ext uri="{FF2B5EF4-FFF2-40B4-BE49-F238E27FC236}">
+                <a16:creationId xmlns:a16="http://schemas.microsoft.com/office/drawing/2014/main" id="{C0FEFD79-BD1C-4FE6-8D87-98B55A0B343E}"/>
+              </a:ext>
+            </a:extLst>
+          </p:cNvPr>
+          <p:cNvSpPr/>
+          <p:nvPr/>
+        </p:nvSpPr>
+        <p:spPr bwMode="auto">
+          <a:xfrm>
+            <a:off x="4243229" y="2273049"/>
+            <a:ext cx="2095500" cy="3618434"/>
+          </a:xfrm>
+          <a:prstGeom prst="rect">
+            <a:avLst/>
+          </a:prstGeom>
+          <a:noFill/>
+          <a:ln w="12700">
+            <a:solidFill>
+              <a:srgbClr val="5B9CD5"/>
+            </a:solidFill>
+            <a:prstDash val="dash"/>
+          </a:ln>
+        </p:spPr>
+        <p:style>
+          <a:lnRef idx="2">
+            <a:schemeClr val="accent1">
+              <a:shade val="50000"/>
+            </a:schemeClr>
+          </a:lnRef>
+          <a:fillRef idx="1">
+            <a:schemeClr val="accent1"/>
+          </a:fillRef>
+          <a:effectRef idx="0">
+            <a:schemeClr val="accent1"/>
+          </a:effectRef>
+          <a:fontRef idx="minor">
+            <a:schemeClr val="lt1"/>
+          </a:fontRef>
+        </p:style>
+        <p:txBody>
+          <a:bodyPr tIns="91440"/>
+          <a:lstStyle/>
+          <a:p>
+            <a:pPr algn="ctr" eaLnBrk="1" fontAlgn="auto" hangingPunct="1">
+              <a:spcBef>
+                <a:spcPts val="0"/>
+              </a:spcBef>
+              <a:spcAft>
+                <a:spcPts val="0"/>
+              </a:spcAft>
+              <a:defRPr/>
+            </a:pPr>
+            <a:r>
+              <a:rPr lang="en-US" sz="1200" dirty="0">
+                <a:solidFill>
+                  <a:srgbClr val="5B9CD5"/>
+                </a:solidFill>
+                <a:latin typeface="Arial" panose="020B0604020202020204" pitchFamily="34" charset="0"/>
+                <a:cs typeface="Arial" panose="020B0604020202020204" pitchFamily="34" charset="0"/>
+              </a:rPr>
+              <a:t>Availability Zone 1</a:t>
+            </a:r>
+          </a:p>
+        </p:txBody>
+      </p:sp>
+      <p:sp>
+        <p:nvSpPr>
+          <p:cNvPr id="16" name="Rectangle 15">
+            <a:extLst>
+              <a:ext uri="{FF2B5EF4-FFF2-40B4-BE49-F238E27FC236}">
+                <a16:creationId xmlns:a16="http://schemas.microsoft.com/office/drawing/2014/main" id="{D583A645-56EB-470C-AC96-FC13A111477C}"/>
+              </a:ext>
+            </a:extLst>
+          </p:cNvPr>
+          <p:cNvSpPr/>
+          <p:nvPr/>
+        </p:nvSpPr>
+        <p:spPr bwMode="auto">
+          <a:xfrm>
+            <a:off x="7485133" y="2273049"/>
+            <a:ext cx="2095500" cy="3618434"/>
+          </a:xfrm>
+          <a:prstGeom prst="rect">
+            <a:avLst/>
+          </a:prstGeom>
+          <a:noFill/>
+          <a:ln w="12700">
+            <a:solidFill>
+              <a:srgbClr val="5B9CD5"/>
+            </a:solidFill>
+            <a:prstDash val="dash"/>
+          </a:ln>
+        </p:spPr>
+        <p:style>
+          <a:lnRef idx="2">
+            <a:schemeClr val="accent1">
+              <a:shade val="50000"/>
+            </a:schemeClr>
+          </a:lnRef>
+          <a:fillRef idx="1">
+            <a:schemeClr val="accent1"/>
+          </a:fillRef>
+          <a:effectRef idx="0">
+            <a:schemeClr val="accent1"/>
+          </a:effectRef>
+          <a:fontRef idx="minor">
+            <a:schemeClr val="lt1"/>
+          </a:fontRef>
+        </p:style>
+        <p:txBody>
+          <a:bodyPr tIns="91440"/>
+          <a:lstStyle/>
+          <a:p>
+            <a:pPr algn="ctr" eaLnBrk="1" fontAlgn="auto" hangingPunct="1">
+              <a:spcBef>
+                <a:spcPts val="0"/>
+              </a:spcBef>
+              <a:spcAft>
+                <a:spcPts val="0"/>
+              </a:spcAft>
+              <a:defRPr/>
+            </a:pPr>
+            <a:r>
+              <a:rPr lang="en-US" sz="1200" dirty="0">
+                <a:solidFill>
+                  <a:srgbClr val="5B9CD5"/>
+                </a:solidFill>
+                <a:latin typeface="Arial" panose="020B0604020202020204" pitchFamily="34" charset="0"/>
+                <a:cs typeface="Arial" panose="020B0604020202020204" pitchFamily="34" charset="0"/>
+              </a:rPr>
+              <a:t>Availability Zone 2</a:t>
+            </a:r>
+          </a:p>
+        </p:txBody>
+      </p:sp>
+      <p:pic>
+        <p:nvPicPr>
+          <p:cNvPr id="17" name="Graphic 17">
+            <a:extLst>
+              <a:ext uri="{FF2B5EF4-FFF2-40B4-BE49-F238E27FC236}">
+                <a16:creationId xmlns:a16="http://schemas.microsoft.com/office/drawing/2014/main" id="{37B2E76A-5113-4139-975B-173E45F40716}"/>
+              </a:ext>
+            </a:extLst>
+          </p:cNvPr>
+          <p:cNvPicPr>
+            <a:picLocks noChangeAspect="1" noChangeArrowheads="1"/>
+          </p:cNvPicPr>
+          <p:nvPr/>
+        </p:nvPicPr>
+        <p:blipFill>
+          <a:blip r:embed="rId2">
+            <a:extLst>
+              <a:ext uri="{28A0092B-C50C-407E-A947-70E740481C1C}">
+                <a14:useLocalDpi xmlns:a14="http://schemas.microsoft.com/office/drawing/2010/main" val="0"/>
+              </a:ext>
+            </a:extLst>
+          </a:blip>
+          <a:srcRect/>
+          <a:stretch>
+            <a:fillRect/>
+          </a:stretch>
+        </p:blipFill>
+        <p:spPr bwMode="auto">
+          <a:xfrm>
+            <a:off x="5061778" y="3445026"/>
+            <a:ext cx="469900" cy="469900"/>
+          </a:xfrm>
+          <a:prstGeom prst="rect">
+            <a:avLst/>
+          </a:prstGeom>
+          <a:noFill/>
+          <a:ln>
+            <a:noFill/>
+          </a:ln>
+          <a:extLst>
+            <a:ext uri="{909E8E84-426E-40DD-AFC4-6F175D3DCCD1}">
+              <a14:hiddenFill xmlns:a14="http://schemas.microsoft.com/office/drawing/2010/main">
+                <a:solidFill>
+                  <a:srgbClr val="FFFFFF"/>
+                </a:solidFill>
+              </a14:hiddenFill>
+            </a:ext>
+            <a:ext uri="{91240B29-F687-4F45-9708-019B960494DF}">
+              <a14:hiddenLine xmlns:a14="http://schemas.microsoft.com/office/drawing/2010/main" w="9525">
+                <a:solidFill>
+                  <a:srgbClr val="000000"/>
+                </a:solidFill>
+                <a:miter lim="800000"/>
+                <a:headEnd/>
+                <a:tailEnd/>
+              </a14:hiddenLine>
+            </a:ext>
+          </a:extLst>
+        </p:spPr>
+      </p:pic>
+      <p:sp>
+        <p:nvSpPr>
+          <p:cNvPr id="18" name="TextBox 18">
+            <a:extLst>
+              <a:ext uri="{FF2B5EF4-FFF2-40B4-BE49-F238E27FC236}">
+                <a16:creationId xmlns:a16="http://schemas.microsoft.com/office/drawing/2014/main" id="{D8662EFD-6A65-40F2-88B1-A1F026ECCF4C}"/>
+              </a:ext>
+            </a:extLst>
+          </p:cNvPr>
+          <p:cNvSpPr txBox="1">
+            <a:spLocks noChangeArrowheads="1"/>
+          </p:cNvSpPr>
+          <p:nvPr/>
+        </p:nvSpPr>
+        <p:spPr bwMode="auto">
+          <a:xfrm>
+            <a:off x="4413152" y="3886293"/>
+            <a:ext cx="1767152" cy="276999"/>
+          </a:xfrm>
+          <a:prstGeom prst="rect">
+            <a:avLst/>
+          </a:prstGeom>
+          <a:noFill/>
+          <a:ln>
+            <a:noFill/>
+          </a:ln>
+          <a:extLst>
+            <a:ext uri="{909E8E84-426E-40DD-AFC4-6F175D3DCCD1}">
+              <a14:hiddenFill xmlns:a14="http://schemas.microsoft.com/office/drawing/2010/main">
+                <a:solidFill>
+                  <a:srgbClr val="FFFFFF"/>
+                </a:solidFill>
+              </a14:hiddenFill>
+            </a:ext>
+            <a:ext uri="{91240B29-F687-4F45-9708-019B960494DF}">
+              <a14:hiddenLine xmlns:a14="http://schemas.microsoft.com/office/drawing/2010/main" w="9525">
+                <a:solidFill>
+                  <a:srgbClr val="000000"/>
+                </a:solidFill>
+                <a:miter lim="800000"/>
+                <a:headEnd/>
+                <a:tailEnd/>
+              </a14:hiddenLine>
+            </a:ext>
+          </a:extLst>
+        </p:spPr>
+        <p:txBody>
+          <a:bodyPr>
+            <a:spAutoFit/>
+          </a:bodyPr>
+          <a:lstStyle>
+            <a:lvl1pPr>
+              <a:defRPr>
+                <a:solidFill>
+                  <a:schemeClr val="tx1"/>
+                </a:solidFill>
+                <a:latin typeface="Calibri" panose="020F0502020204030204" pitchFamily="34" charset="0"/>
+              </a:defRPr>
+            </a:lvl1pPr>
+            <a:lvl2pPr marL="742950" indent="-285750">
+              <a:defRPr>
+                <a:solidFill>
+                  <a:schemeClr val="tx1"/>
+                </a:solidFill>
+                <a:latin typeface="Calibri" panose="020F0502020204030204" pitchFamily="34" charset="0"/>
+              </a:defRPr>
+            </a:lvl2pPr>
+            <a:lvl3pPr marL="1143000" indent="-228600">
+              <a:defRPr>
+                <a:solidFill>
+                  <a:schemeClr val="tx1"/>
+                </a:solidFill>
+                <a:latin typeface="Calibri" panose="020F0502020204030204" pitchFamily="34" charset="0"/>
+              </a:defRPr>
+            </a:lvl3pPr>
+            <a:lvl4pPr marL="1600200" indent="-228600">
+              <a:defRPr>
+                <a:solidFill>
+                  <a:schemeClr val="tx1"/>
+                </a:solidFill>
+                <a:latin typeface="Calibri" panose="020F0502020204030204" pitchFamily="34" charset="0"/>
+              </a:defRPr>
+            </a:lvl4pPr>
+            <a:lvl5pPr marL="2057400" indent="-228600">
+              <a:defRPr>
+                <a:solidFill>
+                  <a:schemeClr val="tx1"/>
+                </a:solidFill>
+                <a:latin typeface="Calibri" panose="020F0502020204030204" pitchFamily="34" charset="0"/>
+              </a:defRPr>
+            </a:lvl5pPr>
+            <a:lvl6pPr marL="2514600" indent="-228600" eaLnBrk="0" fontAlgn="base" hangingPunct="0">
+              <a:spcBef>
+                <a:spcPct val="0"/>
+              </a:spcBef>
+              <a:spcAft>
+                <a:spcPct val="0"/>
+              </a:spcAft>
+              <a:defRPr>
+                <a:solidFill>
+                  <a:schemeClr val="tx1"/>
+                </a:solidFill>
+                <a:latin typeface="Calibri" panose="020F0502020204030204" pitchFamily="34" charset="0"/>
+              </a:defRPr>
+            </a:lvl6pPr>
+            <a:lvl7pPr marL="2971800" indent="-228600" eaLnBrk="0" fontAlgn="base" hangingPunct="0">
+              <a:spcBef>
+                <a:spcPct val="0"/>
+              </a:spcBef>
+              <a:spcAft>
+                <a:spcPct val="0"/>
+              </a:spcAft>
+              <a:defRPr>
+                <a:solidFill>
+                  <a:schemeClr val="tx1"/>
+                </a:solidFill>
+                <a:latin typeface="Calibri" panose="020F0502020204030204" pitchFamily="34" charset="0"/>
+              </a:defRPr>
+            </a:lvl7pPr>
+            <a:lvl8pPr marL="3429000" indent="-228600" eaLnBrk="0" fontAlgn="base" hangingPunct="0">
+              <a:spcBef>
+                <a:spcPct val="0"/>
+              </a:spcBef>
+              <a:spcAft>
+                <a:spcPct val="0"/>
+              </a:spcAft>
+              <a:defRPr>
+                <a:solidFill>
+                  <a:schemeClr val="tx1"/>
+                </a:solidFill>
+                <a:latin typeface="Calibri" panose="020F0502020204030204" pitchFamily="34" charset="0"/>
+              </a:defRPr>
+            </a:lvl8pPr>
+            <a:lvl9pPr marL="3886200" indent="-228600" eaLnBrk="0" fontAlgn="base" hangingPunct="0">
+              <a:spcBef>
+                <a:spcPct val="0"/>
+              </a:spcBef>
+              <a:spcAft>
+                <a:spcPct val="0"/>
+              </a:spcAft>
+              <a:defRPr>
+                <a:solidFill>
+                  <a:schemeClr val="tx1"/>
+                </a:solidFill>
+                <a:latin typeface="Calibri" panose="020F0502020204030204" pitchFamily="34" charset="0"/>
+              </a:defRPr>
+            </a:lvl9pPr>
+          </a:lstStyle>
+          <a:p>
+            <a:pPr algn="ctr" eaLnBrk="1" hangingPunct="1"/>
+            <a:r>
+              <a:rPr lang="en-US" altLang="en-US" sz="1200" dirty="0">
+                <a:solidFill>
+                  <a:srgbClr val="232F3E"/>
+                </a:solidFill>
+                <a:latin typeface="Arial" panose="020B0604020202020204" pitchFamily="34" charset="0"/>
+                <a:cs typeface="Arial" panose="020B0604020202020204" pitchFamily="34" charset="0"/>
+              </a:rPr>
+              <a:t>Meraki </a:t>
+            </a:r>
+            <a:r>
+              <a:rPr lang="en-US" altLang="en-US" sz="1200" dirty="0" err="1">
+                <a:solidFill>
+                  <a:srgbClr val="232F3E"/>
+                </a:solidFill>
+                <a:latin typeface="Arial" panose="020B0604020202020204" pitchFamily="34" charset="0"/>
+                <a:cs typeface="Arial" panose="020B0604020202020204" pitchFamily="34" charset="0"/>
+              </a:rPr>
+              <a:t>vMX</a:t>
+            </a:r>
+            <a:endParaRPr lang="en-US" altLang="en-US" sz="1200" dirty="0">
+              <a:solidFill>
+                <a:srgbClr val="232F3E"/>
+              </a:solidFill>
+              <a:latin typeface="Arial" panose="020B0604020202020204" pitchFamily="34" charset="0"/>
+              <a:cs typeface="Arial" panose="020B0604020202020204" pitchFamily="34" charset="0"/>
+            </a:endParaRPr>
+          </a:p>
+        </p:txBody>
+      </p:sp>
+      <p:pic>
+        <p:nvPicPr>
+          <p:cNvPr id="21" name="Graphic 20">
+            <a:extLst>
+              <a:ext uri="{FF2B5EF4-FFF2-40B4-BE49-F238E27FC236}">
+                <a16:creationId xmlns:a16="http://schemas.microsoft.com/office/drawing/2014/main" id="{E9F07DC4-1373-4448-AA2F-E7FE5CA6B9AB}"/>
+              </a:ext>
+            </a:extLst>
+          </p:cNvPr>
+          <p:cNvPicPr>
+            <a:picLocks noChangeAspect="1"/>
+          </p:cNvPicPr>
+          <p:nvPr/>
+        </p:nvPicPr>
+        <p:blipFill>
+          <a:blip r:embed="rId3">
+            <a:extLst>
+              <a:ext uri="{96DAC541-7B7A-43D3-8B79-37D633B846F1}">
+                <asvg:svgBlip xmlns:asvg="http://schemas.microsoft.com/office/drawing/2016/SVG/main" r:embed="rId4"/>
+              </a:ext>
+            </a:extLst>
+          </a:blip>
+          <a:stretch>
+            <a:fillRect/>
+          </a:stretch>
+        </p:blipFill>
+        <p:spPr>
+          <a:xfrm>
+            <a:off x="3851645" y="2652941"/>
+            <a:ext cx="381000" cy="381000"/>
+          </a:xfrm>
+          <a:prstGeom prst="rect">
+            <a:avLst/>
+          </a:prstGeom>
+        </p:spPr>
+      </p:pic>
+      <p:sp>
+        <p:nvSpPr>
+          <p:cNvPr id="22" name="Rectangle 21">
+            <a:extLst>
+              <a:ext uri="{FF2B5EF4-FFF2-40B4-BE49-F238E27FC236}">
+                <a16:creationId xmlns:a16="http://schemas.microsoft.com/office/drawing/2014/main" id="{BB8B86A5-2133-4E11-B6EF-502212FB2390}"/>
+              </a:ext>
+            </a:extLst>
+          </p:cNvPr>
+          <p:cNvSpPr/>
+          <p:nvPr/>
+        </p:nvSpPr>
+        <p:spPr>
+          <a:xfrm>
+            <a:off x="4406802" y="4374072"/>
+            <a:ext cx="1765300" cy="1207631"/>
+          </a:xfrm>
+          <a:prstGeom prst="rect">
+            <a:avLst/>
+          </a:prstGeom>
+          <a:solidFill>
+            <a:srgbClr val="007CBC">
+              <a:alpha val="9804"/>
+            </a:srgbClr>
+          </a:solidFill>
+          <a:ln w="12700">
+            <a:noFill/>
+            <a:prstDash val="dash"/>
+          </a:ln>
+        </p:spPr>
+        <p:style>
+          <a:lnRef idx="2">
+            <a:schemeClr val="accent1">
+              <a:shade val="50000"/>
+            </a:schemeClr>
+          </a:lnRef>
+          <a:fillRef idx="1">
+            <a:schemeClr val="accent1"/>
+          </a:fillRef>
+          <a:effectRef idx="0">
+            <a:schemeClr val="accent1"/>
+          </a:effectRef>
+          <a:fontRef idx="minor">
+            <a:schemeClr val="lt1"/>
+          </a:fontRef>
+        </p:style>
+        <p:txBody>
+          <a:bodyPr lIns="502920"/>
+          <a:lstStyle/>
+          <a:p>
+            <a:pPr eaLnBrk="1" fontAlgn="auto" hangingPunct="1">
+              <a:spcBef>
+                <a:spcPts val="0"/>
+              </a:spcBef>
+              <a:spcAft>
+                <a:spcPts val="0"/>
+              </a:spcAft>
+              <a:defRPr/>
+            </a:pPr>
+            <a:r>
+              <a:rPr lang="en-US" sz="1200" dirty="0">
+                <a:solidFill>
+                  <a:srgbClr val="5B9CD5"/>
+                </a:solidFill>
+                <a:latin typeface="Arial" panose="020B0604020202020204" pitchFamily="34" charset="0"/>
+                <a:cs typeface="Arial" panose="020B0604020202020204" pitchFamily="34" charset="0"/>
+              </a:rPr>
+              <a:t>Private subnet</a:t>
+            </a:r>
+          </a:p>
+        </p:txBody>
+      </p:sp>
+      <p:pic>
+        <p:nvPicPr>
+          <p:cNvPr id="24" name="Graphic 23">
+            <a:extLst>
+              <a:ext uri="{FF2B5EF4-FFF2-40B4-BE49-F238E27FC236}">
+                <a16:creationId xmlns:a16="http://schemas.microsoft.com/office/drawing/2014/main" id="{CABA49DC-3064-40AF-93AA-24C6411770DA}"/>
+              </a:ext>
+            </a:extLst>
+          </p:cNvPr>
+          <p:cNvPicPr>
+            <a:picLocks noChangeAspect="1"/>
+          </p:cNvPicPr>
+          <p:nvPr/>
+        </p:nvPicPr>
+        <p:blipFill>
+          <a:blip r:embed="rId5">
+            <a:extLst>
+              <a:ext uri="{96DAC541-7B7A-43D3-8B79-37D633B846F1}">
+                <asvg:svgBlip xmlns:asvg="http://schemas.microsoft.com/office/drawing/2016/SVG/main" r:embed="rId6"/>
+              </a:ext>
+            </a:extLst>
+          </a:blip>
+          <a:stretch>
+            <a:fillRect/>
+          </a:stretch>
+        </p:blipFill>
+        <p:spPr>
+          <a:xfrm>
+            <a:off x="4407437" y="3077864"/>
+            <a:ext cx="381000" cy="381000"/>
+          </a:xfrm>
+          <a:prstGeom prst="rect">
+            <a:avLst/>
+          </a:prstGeom>
+        </p:spPr>
+      </p:pic>
+      <p:pic>
+        <p:nvPicPr>
+          <p:cNvPr id="25" name="Graphic 24">
+            <a:extLst>
+              <a:ext uri="{FF2B5EF4-FFF2-40B4-BE49-F238E27FC236}">
+                <a16:creationId xmlns:a16="http://schemas.microsoft.com/office/drawing/2014/main" id="{8051E808-5C9C-46B5-B594-BEA6B03C20B9}"/>
+              </a:ext>
+            </a:extLst>
+          </p:cNvPr>
+          <p:cNvPicPr>
+            <a:picLocks noChangeAspect="1"/>
+          </p:cNvPicPr>
+          <p:nvPr/>
+        </p:nvPicPr>
+        <p:blipFill>
+          <a:blip r:embed="rId7">
+            <a:extLst>
+              <a:ext uri="{96DAC541-7B7A-43D3-8B79-37D633B846F1}">
+                <asvg:svgBlip xmlns:asvg="http://schemas.microsoft.com/office/drawing/2016/SVG/main" r:embed="rId8"/>
+              </a:ext>
+            </a:extLst>
+          </a:blip>
+          <a:stretch>
+            <a:fillRect/>
+          </a:stretch>
+        </p:blipFill>
+        <p:spPr>
+          <a:xfrm>
+            <a:off x="4411564" y="4375661"/>
+            <a:ext cx="381000" cy="381000"/>
+          </a:xfrm>
+          <a:prstGeom prst="rect">
+            <a:avLst/>
+          </a:prstGeom>
+        </p:spPr>
+      </p:pic>
+      <p:pic>
+        <p:nvPicPr>
+          <p:cNvPr id="26" name="Graphic 25">
+            <a:extLst>
+              <a:ext uri="{FF2B5EF4-FFF2-40B4-BE49-F238E27FC236}">
+                <a16:creationId xmlns:a16="http://schemas.microsoft.com/office/drawing/2014/main" id="{969E854B-D210-4534-B639-27D189310992}"/>
+              </a:ext>
+            </a:extLst>
+          </p:cNvPr>
+          <p:cNvPicPr>
+            <a:picLocks noChangeAspect="1"/>
+          </p:cNvPicPr>
+          <p:nvPr/>
+        </p:nvPicPr>
+        <p:blipFill>
+          <a:blip r:embed="rId9">
+            <a:extLst>
+              <a:ext uri="{96DAC541-7B7A-43D3-8B79-37D633B846F1}">
+                <asvg:svgBlip xmlns:asvg="http://schemas.microsoft.com/office/drawing/2016/SVG/main" r:embed="rId10"/>
+              </a:ext>
+            </a:extLst>
+          </a:blip>
+          <a:srcRect/>
+          <a:stretch/>
+        </p:blipFill>
+        <p:spPr>
+          <a:xfrm>
+            <a:off x="3459394" y="1176870"/>
+            <a:ext cx="381000" cy="381000"/>
+          </a:xfrm>
+          <a:prstGeom prst="rect">
+            <a:avLst/>
+          </a:prstGeom>
+        </p:spPr>
+      </p:pic>
+      <p:sp>
+        <p:nvSpPr>
+          <p:cNvPr id="27" name="TextBox 18">
+            <a:extLst>
+              <a:ext uri="{FF2B5EF4-FFF2-40B4-BE49-F238E27FC236}">
+                <a16:creationId xmlns:a16="http://schemas.microsoft.com/office/drawing/2014/main" id="{0E959A70-C7D5-4DE5-AA19-E799F28E9DB5}"/>
+              </a:ext>
+            </a:extLst>
+          </p:cNvPr>
+          <p:cNvSpPr txBox="1">
+            <a:spLocks noChangeArrowheads="1"/>
+          </p:cNvSpPr>
+          <p:nvPr/>
+        </p:nvSpPr>
+        <p:spPr bwMode="auto">
+          <a:xfrm>
+            <a:off x="4612866" y="5125416"/>
+            <a:ext cx="1342852" cy="430887"/>
+          </a:xfrm>
+          <a:prstGeom prst="rect">
+            <a:avLst/>
+          </a:prstGeom>
+          <a:noFill/>
+          <a:ln>
+            <a:noFill/>
+          </a:ln>
+          <a:extLst>
+            <a:ext uri="{909E8E84-426E-40DD-AFC4-6F175D3DCCD1}">
+              <a14:hiddenFill xmlns:a14="http://schemas.microsoft.com/office/drawing/2010/main">
+                <a:solidFill>
+                  <a:srgbClr val="FFFFFF"/>
+                </a:solidFill>
+              </a14:hiddenFill>
+            </a:ext>
+            <a:ext uri="{91240B29-F687-4F45-9708-019B960494DF}">
+              <a14:hiddenLine xmlns:a14="http://schemas.microsoft.com/office/drawing/2010/main" w="9525">
+                <a:solidFill>
+                  <a:srgbClr val="000000"/>
+                </a:solidFill>
+                <a:miter lim="800000"/>
+                <a:headEnd/>
+                <a:tailEnd/>
+              </a14:hiddenLine>
+            </a:ext>
+          </a:extLst>
+        </p:spPr>
+        <p:txBody>
+          <a:bodyPr wrap="square">
+            <a:spAutoFit/>
+          </a:bodyPr>
+          <a:lstStyle>
+            <a:lvl1pPr>
+              <a:defRPr>
+                <a:solidFill>
+                  <a:schemeClr val="tx1"/>
+                </a:solidFill>
+                <a:latin typeface="Calibri" panose="020F0502020204030204" pitchFamily="34" charset="0"/>
+              </a:defRPr>
+            </a:lvl1pPr>
+            <a:lvl2pPr marL="742950" indent="-285750">
+              <a:defRPr>
+                <a:solidFill>
+                  <a:schemeClr val="tx1"/>
+                </a:solidFill>
+                <a:latin typeface="Calibri" panose="020F0502020204030204" pitchFamily="34" charset="0"/>
+              </a:defRPr>
+            </a:lvl2pPr>
+            <a:lvl3pPr marL="1143000" indent="-228600">
+              <a:defRPr>
+                <a:solidFill>
+                  <a:schemeClr val="tx1"/>
+                </a:solidFill>
+                <a:latin typeface="Calibri" panose="020F0502020204030204" pitchFamily="34" charset="0"/>
+              </a:defRPr>
+            </a:lvl3pPr>
+            <a:lvl4pPr marL="1600200" indent="-228600">
+              <a:defRPr>
+                <a:solidFill>
+                  <a:schemeClr val="tx1"/>
+                </a:solidFill>
+                <a:latin typeface="Calibri" panose="020F0502020204030204" pitchFamily="34" charset="0"/>
+              </a:defRPr>
+            </a:lvl4pPr>
+            <a:lvl5pPr marL="2057400" indent="-228600">
+              <a:defRPr>
+                <a:solidFill>
+                  <a:schemeClr val="tx1"/>
+                </a:solidFill>
+                <a:latin typeface="Calibri" panose="020F0502020204030204" pitchFamily="34" charset="0"/>
+              </a:defRPr>
+            </a:lvl5pPr>
+            <a:lvl6pPr marL="2514600" indent="-228600" eaLnBrk="0" fontAlgn="base" hangingPunct="0">
+              <a:spcBef>
+                <a:spcPct val="0"/>
+              </a:spcBef>
+              <a:spcAft>
+                <a:spcPct val="0"/>
+              </a:spcAft>
+              <a:defRPr>
+                <a:solidFill>
+                  <a:schemeClr val="tx1"/>
+                </a:solidFill>
+                <a:latin typeface="Calibri" panose="020F0502020204030204" pitchFamily="34" charset="0"/>
+              </a:defRPr>
+            </a:lvl6pPr>
+            <a:lvl7pPr marL="2971800" indent="-228600" eaLnBrk="0" fontAlgn="base" hangingPunct="0">
+              <a:spcBef>
+                <a:spcPct val="0"/>
+              </a:spcBef>
+              <a:spcAft>
+                <a:spcPct val="0"/>
+              </a:spcAft>
+              <a:defRPr>
+                <a:solidFill>
+                  <a:schemeClr val="tx1"/>
+                </a:solidFill>
+                <a:latin typeface="Calibri" panose="020F0502020204030204" pitchFamily="34" charset="0"/>
+              </a:defRPr>
+            </a:lvl7pPr>
+            <a:lvl8pPr marL="3429000" indent="-228600" eaLnBrk="0" fontAlgn="base" hangingPunct="0">
+              <a:spcBef>
+                <a:spcPct val="0"/>
+              </a:spcBef>
+              <a:spcAft>
+                <a:spcPct val="0"/>
+              </a:spcAft>
+              <a:defRPr>
+                <a:solidFill>
+                  <a:schemeClr val="tx1"/>
+                </a:solidFill>
+                <a:latin typeface="Calibri" panose="020F0502020204030204" pitchFamily="34" charset="0"/>
+              </a:defRPr>
+            </a:lvl8pPr>
+            <a:lvl9pPr marL="3886200" indent="-228600" eaLnBrk="0" fontAlgn="base" hangingPunct="0">
+              <a:spcBef>
+                <a:spcPct val="0"/>
+              </a:spcBef>
+              <a:spcAft>
+                <a:spcPct val="0"/>
+              </a:spcAft>
+              <a:defRPr>
+                <a:solidFill>
+                  <a:schemeClr val="tx1"/>
+                </a:solidFill>
+                <a:latin typeface="Calibri" panose="020F0502020204030204" pitchFamily="34" charset="0"/>
+              </a:defRPr>
+            </a:lvl9pPr>
+          </a:lstStyle>
+          <a:p>
+            <a:pPr algn="ctr" eaLnBrk="1" hangingPunct="1"/>
+            <a:r>
+              <a:rPr lang="en-US" altLang="en-US" sz="1100" dirty="0">
+                <a:latin typeface="Arial" panose="020B0604020202020204" pitchFamily="34" charset="0"/>
+                <a:ea typeface="Amazon Ember" panose="020B0603020204020204" pitchFamily="34" charset="0"/>
+                <a:cs typeface="Arial" panose="020B0604020202020204" pitchFamily="34" charset="0"/>
+              </a:rPr>
+              <a:t>Elastic network interface</a:t>
+            </a:r>
+          </a:p>
+        </p:txBody>
+      </p:sp>
+      <p:pic>
+        <p:nvPicPr>
+          <p:cNvPr id="28" name="Graphic 37">
+            <a:extLst>
+              <a:ext uri="{FF2B5EF4-FFF2-40B4-BE49-F238E27FC236}">
+                <a16:creationId xmlns:a16="http://schemas.microsoft.com/office/drawing/2014/main" id="{192A3FBE-45E5-4686-83A0-A5FED5B7EBD4}"/>
+              </a:ext>
+            </a:extLst>
+          </p:cNvPr>
+          <p:cNvPicPr>
+            <a:picLocks noChangeAspect="1" noChangeArrowheads="1"/>
+          </p:cNvPicPr>
+          <p:nvPr/>
+        </p:nvPicPr>
+        <p:blipFill>
+          <a:blip r:embed="rId11">
+            <a:extLst>
+              <a:ext uri="{28A0092B-C50C-407E-A947-70E740481C1C}">
+                <a14:useLocalDpi xmlns:a14="http://schemas.microsoft.com/office/drawing/2010/main" val="0"/>
+              </a:ext>
+            </a:extLst>
+          </a:blip>
+          <a:srcRect/>
+          <a:stretch>
+            <a:fillRect/>
+          </a:stretch>
+        </p:blipFill>
+        <p:spPr bwMode="auto">
+          <a:xfrm>
+            <a:off x="5054502" y="4692030"/>
+            <a:ext cx="457200" cy="457200"/>
+          </a:xfrm>
+          <a:prstGeom prst="rect">
+            <a:avLst/>
+          </a:prstGeom>
+          <a:noFill/>
+          <a:ln>
+            <a:noFill/>
+          </a:ln>
+          <a:extLst>
+            <a:ext uri="{909E8E84-426E-40DD-AFC4-6F175D3DCCD1}">
+              <a14:hiddenFill xmlns:a14="http://schemas.microsoft.com/office/drawing/2010/main">
+                <a:solidFill>
+                  <a:srgbClr val="FFFFFF"/>
+                </a:solidFill>
+              </a14:hiddenFill>
+            </a:ext>
+            <a:ext uri="{91240B29-F687-4F45-9708-019B960494DF}">
+              <a14:hiddenLine xmlns:a14="http://schemas.microsoft.com/office/drawing/2010/main" w="9525">
+                <a:solidFill>
+                  <a:srgbClr val="000000"/>
+                </a:solidFill>
+                <a:miter lim="800000"/>
+                <a:headEnd/>
+                <a:tailEnd/>
+              </a14:hiddenLine>
+            </a:ext>
+          </a:extLst>
+        </p:spPr>
+      </p:pic>
+      <p:sp>
+        <p:nvSpPr>
+          <p:cNvPr id="31" name="TextBox 26">
+            <a:extLst>
+              <a:ext uri="{FF2B5EF4-FFF2-40B4-BE49-F238E27FC236}">
+                <a16:creationId xmlns:a16="http://schemas.microsoft.com/office/drawing/2014/main" id="{57D351A6-6145-4DAF-88A2-DC279A2EA8E4}"/>
+              </a:ext>
+            </a:extLst>
+          </p:cNvPr>
+          <p:cNvSpPr txBox="1">
+            <a:spLocks noChangeArrowheads="1"/>
+          </p:cNvSpPr>
+          <p:nvPr/>
+        </p:nvSpPr>
+        <p:spPr bwMode="auto">
+          <a:xfrm>
+            <a:off x="6272637" y="3886293"/>
+            <a:ext cx="1270000" cy="461665"/>
+          </a:xfrm>
+          <a:prstGeom prst="rect">
+            <a:avLst/>
+          </a:prstGeom>
+          <a:noFill/>
+          <a:ln>
+            <a:noFill/>
+          </a:ln>
+          <a:extLst>
+            <a:ext uri="{909E8E84-426E-40DD-AFC4-6F175D3DCCD1}">
+              <a14:hiddenFill xmlns:a14="http://schemas.microsoft.com/office/drawing/2010/main">
+                <a:solidFill>
+                  <a:srgbClr val="FFFFFF"/>
+                </a:solidFill>
+              </a14:hiddenFill>
+            </a:ext>
+            <a:ext uri="{91240B29-F687-4F45-9708-019B960494DF}">
+              <a14:hiddenLine xmlns:a14="http://schemas.microsoft.com/office/drawing/2010/main" w="9525">
+                <a:solidFill>
+                  <a:srgbClr val="000000"/>
+                </a:solidFill>
+                <a:miter lim="800000"/>
+                <a:headEnd/>
+                <a:tailEnd/>
+              </a14:hiddenLine>
+            </a:ext>
+          </a:extLst>
+        </p:spPr>
+        <p:txBody>
+          <a:bodyPr wrap="square">
+            <a:spAutoFit/>
+          </a:bodyPr>
+          <a:lstStyle>
+            <a:lvl1pPr>
+              <a:defRPr>
+                <a:solidFill>
+                  <a:schemeClr val="tx1"/>
+                </a:solidFill>
+                <a:latin typeface="Calibri" panose="020F0502020204030204" pitchFamily="34" charset="0"/>
+              </a:defRPr>
+            </a:lvl1pPr>
+            <a:lvl2pPr marL="742950" indent="-285750">
+              <a:defRPr>
+                <a:solidFill>
+                  <a:schemeClr val="tx1"/>
+                </a:solidFill>
+                <a:latin typeface="Calibri" panose="020F0502020204030204" pitchFamily="34" charset="0"/>
+              </a:defRPr>
+            </a:lvl2pPr>
+            <a:lvl3pPr marL="1143000" indent="-228600">
+              <a:defRPr>
+                <a:solidFill>
+                  <a:schemeClr val="tx1"/>
+                </a:solidFill>
+                <a:latin typeface="Calibri" panose="020F0502020204030204" pitchFamily="34" charset="0"/>
+              </a:defRPr>
+            </a:lvl3pPr>
+            <a:lvl4pPr marL="1600200" indent="-228600">
+              <a:defRPr>
+                <a:solidFill>
+                  <a:schemeClr val="tx1"/>
+                </a:solidFill>
+                <a:latin typeface="Calibri" panose="020F0502020204030204" pitchFamily="34" charset="0"/>
+              </a:defRPr>
+            </a:lvl4pPr>
+            <a:lvl5pPr marL="2057400" indent="-228600">
+              <a:defRPr>
+                <a:solidFill>
+                  <a:schemeClr val="tx1"/>
+                </a:solidFill>
+                <a:latin typeface="Calibri" panose="020F0502020204030204" pitchFamily="34" charset="0"/>
+              </a:defRPr>
+            </a:lvl5pPr>
+            <a:lvl6pPr marL="2514600" indent="-228600" eaLnBrk="0" fontAlgn="base" hangingPunct="0">
+              <a:spcBef>
+                <a:spcPct val="0"/>
+              </a:spcBef>
+              <a:spcAft>
+                <a:spcPct val="0"/>
+              </a:spcAft>
+              <a:defRPr>
+                <a:solidFill>
+                  <a:schemeClr val="tx1"/>
+                </a:solidFill>
+                <a:latin typeface="Calibri" panose="020F0502020204030204" pitchFamily="34" charset="0"/>
+              </a:defRPr>
+            </a:lvl6pPr>
+            <a:lvl7pPr marL="2971800" indent="-228600" eaLnBrk="0" fontAlgn="base" hangingPunct="0">
+              <a:spcBef>
+                <a:spcPct val="0"/>
+              </a:spcBef>
+              <a:spcAft>
+                <a:spcPct val="0"/>
+              </a:spcAft>
+              <a:defRPr>
+                <a:solidFill>
+                  <a:schemeClr val="tx1"/>
+                </a:solidFill>
+                <a:latin typeface="Calibri" panose="020F0502020204030204" pitchFamily="34" charset="0"/>
+              </a:defRPr>
+            </a:lvl7pPr>
+            <a:lvl8pPr marL="3429000" indent="-228600" eaLnBrk="0" fontAlgn="base" hangingPunct="0">
+              <a:spcBef>
+                <a:spcPct val="0"/>
+              </a:spcBef>
+              <a:spcAft>
+                <a:spcPct val="0"/>
+              </a:spcAft>
+              <a:defRPr>
+                <a:solidFill>
+                  <a:schemeClr val="tx1"/>
+                </a:solidFill>
+                <a:latin typeface="Calibri" panose="020F0502020204030204" pitchFamily="34" charset="0"/>
+              </a:defRPr>
+            </a:lvl8pPr>
+            <a:lvl9pPr marL="3886200" indent="-228600" eaLnBrk="0" fontAlgn="base" hangingPunct="0">
+              <a:spcBef>
+                <a:spcPct val="0"/>
+              </a:spcBef>
+              <a:spcAft>
+                <a:spcPct val="0"/>
+              </a:spcAft>
+              <a:defRPr>
+                <a:solidFill>
+                  <a:schemeClr val="tx1"/>
+                </a:solidFill>
+                <a:latin typeface="Calibri" panose="020F0502020204030204" pitchFamily="34" charset="0"/>
+              </a:defRPr>
+            </a:lvl9pPr>
+          </a:lstStyle>
+          <a:p>
+            <a:pPr algn="ctr" eaLnBrk="1" hangingPunct="1"/>
+            <a:r>
+              <a:rPr lang="en-US" altLang="en-US" sz="1200" dirty="0">
+                <a:latin typeface="Arial" panose="020B0604020202020204" pitchFamily="34" charset="0"/>
+                <a:ea typeface="Amazon Ember" panose="020B0603020204020204" pitchFamily="34" charset="0"/>
+                <a:cs typeface="Arial" panose="020B0604020202020204" pitchFamily="34" charset="0"/>
+              </a:rPr>
+              <a:t>Public route table</a:t>
+            </a:r>
+          </a:p>
+        </p:txBody>
+      </p:sp>
+      <p:pic>
+        <p:nvPicPr>
+          <p:cNvPr id="32" name="Graphic 31">
+            <a:extLst>
+              <a:ext uri="{FF2B5EF4-FFF2-40B4-BE49-F238E27FC236}">
+                <a16:creationId xmlns:a16="http://schemas.microsoft.com/office/drawing/2014/main" id="{D83CADA8-C99A-45AD-B9B5-49841DAED1A6}"/>
+              </a:ext>
+            </a:extLst>
+          </p:cNvPr>
+          <p:cNvPicPr>
+            <a:picLocks noChangeAspect="1" noChangeArrowheads="1"/>
+          </p:cNvPicPr>
+          <p:nvPr/>
+        </p:nvPicPr>
+        <p:blipFill>
+          <a:blip r:embed="rId12">
+            <a:extLst>
+              <a:ext uri="{96DAC541-7B7A-43D3-8B79-37D633B846F1}">
+                <asvg:svgBlip xmlns:asvg="http://schemas.microsoft.com/office/drawing/2016/SVG/main" r:embed="rId13"/>
+              </a:ext>
+            </a:extLst>
+          </a:blip>
+          <a:srcRect/>
+          <a:stretch/>
+        </p:blipFill>
+        <p:spPr bwMode="auto">
+          <a:xfrm>
+            <a:off x="6679037" y="3451376"/>
+            <a:ext cx="457200" cy="457200"/>
+          </a:xfrm>
+          <a:prstGeom prst="rect">
+            <a:avLst/>
+          </a:prstGeom>
+          <a:noFill/>
+          <a:ln>
+            <a:noFill/>
+          </a:ln>
+          <a:extLst>
+            <a:ext uri="{909E8E84-426E-40DD-AFC4-6F175D3DCCD1}">
+              <a14:hiddenFill xmlns:a14="http://schemas.microsoft.com/office/drawing/2010/main">
+                <a:solidFill>
+                  <a:srgbClr val="FFFFFF"/>
+                </a:solidFill>
+              </a14:hiddenFill>
+            </a:ext>
+            <a:ext uri="{91240B29-F687-4F45-9708-019B960494DF}">
+              <a14:hiddenLine xmlns:a14="http://schemas.microsoft.com/office/drawing/2010/main" w="9525">
+                <a:solidFill>
+                  <a:srgbClr val="000000"/>
+                </a:solidFill>
+                <a:miter lim="800000"/>
+                <a:headEnd/>
+                <a:tailEnd/>
+              </a14:hiddenLine>
+            </a:ext>
+          </a:extLst>
+        </p:spPr>
+      </p:pic>
+      <p:sp>
+        <p:nvSpPr>
+          <p:cNvPr id="33" name="Rectangle 32">
+            <a:extLst>
+              <a:ext uri="{FF2B5EF4-FFF2-40B4-BE49-F238E27FC236}">
+                <a16:creationId xmlns:a16="http://schemas.microsoft.com/office/drawing/2014/main" id="{95968732-B633-4592-B8CF-57F25F9A1AF3}"/>
+              </a:ext>
+            </a:extLst>
+          </p:cNvPr>
+          <p:cNvSpPr/>
+          <p:nvPr/>
+        </p:nvSpPr>
+        <p:spPr>
+          <a:xfrm>
+            <a:off x="7673407" y="3076276"/>
+            <a:ext cx="1765300" cy="1207008"/>
+          </a:xfrm>
+          <a:prstGeom prst="rect">
+            <a:avLst/>
+          </a:prstGeom>
+          <a:solidFill>
+            <a:srgbClr val="1D8900">
+              <a:alpha val="9804"/>
+            </a:srgbClr>
+          </a:solidFill>
+          <a:ln w="12700">
+            <a:noFill/>
+            <a:prstDash val="dash"/>
+          </a:ln>
+        </p:spPr>
+        <p:style>
+          <a:lnRef idx="2">
+            <a:schemeClr val="accent1">
+              <a:shade val="50000"/>
+            </a:schemeClr>
+          </a:lnRef>
+          <a:fillRef idx="1">
+            <a:schemeClr val="accent1"/>
+          </a:fillRef>
+          <a:effectRef idx="0">
+            <a:schemeClr val="accent1"/>
+          </a:effectRef>
+          <a:fontRef idx="minor">
+            <a:schemeClr val="lt1"/>
+          </a:fontRef>
+        </p:style>
+        <p:txBody>
+          <a:bodyPr lIns="448056"/>
+          <a:lstStyle/>
+          <a:p>
+            <a:pPr eaLnBrk="1" fontAlgn="auto" hangingPunct="1">
+              <a:spcBef>
+                <a:spcPts val="0"/>
+              </a:spcBef>
+              <a:spcAft>
+                <a:spcPts val="0"/>
+              </a:spcAft>
+              <a:defRPr/>
+            </a:pPr>
+            <a:r>
+              <a:rPr lang="en-US" sz="1200" dirty="0">
+                <a:solidFill>
+                  <a:srgbClr val="1E8900"/>
+                </a:solidFill>
+                <a:latin typeface="Arial" panose="020B0604020202020204" pitchFamily="34" charset="0"/>
+                <a:cs typeface="Arial" panose="020B0604020202020204" pitchFamily="34" charset="0"/>
+              </a:rPr>
+              <a:t>Public subnet</a:t>
+            </a:r>
+          </a:p>
+        </p:txBody>
+      </p:sp>
+      <p:pic>
+        <p:nvPicPr>
+          <p:cNvPr id="34" name="Graphic 17">
+            <a:extLst>
+              <a:ext uri="{FF2B5EF4-FFF2-40B4-BE49-F238E27FC236}">
+                <a16:creationId xmlns:a16="http://schemas.microsoft.com/office/drawing/2014/main" id="{855E1178-C8FF-41D4-8B4A-F339CEBC380C}"/>
+              </a:ext>
+            </a:extLst>
+          </p:cNvPr>
+          <p:cNvPicPr>
+            <a:picLocks noChangeAspect="1" noChangeArrowheads="1"/>
+          </p:cNvPicPr>
+          <p:nvPr/>
+        </p:nvPicPr>
+        <p:blipFill>
+          <a:blip r:embed="rId2">
+            <a:extLst>
+              <a:ext uri="{28A0092B-C50C-407E-A947-70E740481C1C}">
+                <a14:useLocalDpi xmlns:a14="http://schemas.microsoft.com/office/drawing/2010/main" val="0"/>
+              </a:ext>
+            </a:extLst>
+          </a:blip>
+          <a:srcRect/>
+          <a:stretch>
+            <a:fillRect/>
+          </a:stretch>
+        </p:blipFill>
+        <p:spPr bwMode="auto">
+          <a:xfrm>
+            <a:off x="8321107" y="3445026"/>
+            <a:ext cx="469900" cy="469900"/>
+          </a:xfrm>
+          <a:prstGeom prst="rect">
+            <a:avLst/>
+          </a:prstGeom>
+          <a:noFill/>
+          <a:ln>
+            <a:noFill/>
+          </a:ln>
+          <a:extLst>
+            <a:ext uri="{909E8E84-426E-40DD-AFC4-6F175D3DCCD1}">
+              <a14:hiddenFill xmlns:a14="http://schemas.microsoft.com/office/drawing/2010/main">
+                <a:solidFill>
+                  <a:srgbClr val="FFFFFF"/>
+                </a:solidFill>
+              </a14:hiddenFill>
+            </a:ext>
+            <a:ext uri="{91240B29-F687-4F45-9708-019B960494DF}">
+              <a14:hiddenLine xmlns:a14="http://schemas.microsoft.com/office/drawing/2010/main" w="9525">
+                <a:solidFill>
+                  <a:srgbClr val="000000"/>
+                </a:solidFill>
+                <a:miter lim="800000"/>
+                <a:headEnd/>
+                <a:tailEnd/>
+              </a14:hiddenLine>
+            </a:ext>
+          </a:extLst>
+        </p:spPr>
+      </p:pic>
+      <p:sp>
+        <p:nvSpPr>
+          <p:cNvPr id="35" name="TextBox 18">
+            <a:extLst>
+              <a:ext uri="{FF2B5EF4-FFF2-40B4-BE49-F238E27FC236}">
+                <a16:creationId xmlns:a16="http://schemas.microsoft.com/office/drawing/2014/main" id="{5B6B48CA-61FE-42A2-8613-884B1EC55022}"/>
+              </a:ext>
+            </a:extLst>
+          </p:cNvPr>
+          <p:cNvSpPr txBox="1">
+            <a:spLocks noChangeArrowheads="1"/>
+          </p:cNvSpPr>
+          <p:nvPr/>
+        </p:nvSpPr>
+        <p:spPr bwMode="auto">
+          <a:xfrm>
+            <a:off x="7672481" y="3886293"/>
+            <a:ext cx="1767152" cy="276999"/>
+          </a:xfrm>
+          <a:prstGeom prst="rect">
+            <a:avLst/>
+          </a:prstGeom>
+          <a:noFill/>
+          <a:ln>
+            <a:noFill/>
+          </a:ln>
+          <a:extLst>
+            <a:ext uri="{909E8E84-426E-40DD-AFC4-6F175D3DCCD1}">
+              <a14:hiddenFill xmlns:a14="http://schemas.microsoft.com/office/drawing/2010/main">
+                <a:solidFill>
+                  <a:srgbClr val="FFFFFF"/>
+                </a:solidFill>
+              </a14:hiddenFill>
+            </a:ext>
+            <a:ext uri="{91240B29-F687-4F45-9708-019B960494DF}">
+              <a14:hiddenLine xmlns:a14="http://schemas.microsoft.com/office/drawing/2010/main" w="9525">
+                <a:solidFill>
+                  <a:srgbClr val="000000"/>
+                </a:solidFill>
+                <a:miter lim="800000"/>
+                <a:headEnd/>
+                <a:tailEnd/>
+              </a14:hiddenLine>
+            </a:ext>
+          </a:extLst>
+        </p:spPr>
+        <p:txBody>
+          <a:bodyPr>
+            <a:spAutoFit/>
+          </a:bodyPr>
+          <a:lstStyle>
+            <a:lvl1pPr>
+              <a:defRPr>
+                <a:solidFill>
+                  <a:schemeClr val="tx1"/>
+                </a:solidFill>
+                <a:latin typeface="Calibri" panose="020F0502020204030204" pitchFamily="34" charset="0"/>
+              </a:defRPr>
+            </a:lvl1pPr>
+            <a:lvl2pPr marL="742950" indent="-285750">
+              <a:defRPr>
+                <a:solidFill>
+                  <a:schemeClr val="tx1"/>
+                </a:solidFill>
+                <a:latin typeface="Calibri" panose="020F0502020204030204" pitchFamily="34" charset="0"/>
+              </a:defRPr>
+            </a:lvl2pPr>
+            <a:lvl3pPr marL="1143000" indent="-228600">
+              <a:defRPr>
+                <a:solidFill>
+                  <a:schemeClr val="tx1"/>
+                </a:solidFill>
+                <a:latin typeface="Calibri" panose="020F0502020204030204" pitchFamily="34" charset="0"/>
+              </a:defRPr>
+            </a:lvl3pPr>
+            <a:lvl4pPr marL="1600200" indent="-228600">
+              <a:defRPr>
+                <a:solidFill>
+                  <a:schemeClr val="tx1"/>
+                </a:solidFill>
+                <a:latin typeface="Calibri" panose="020F0502020204030204" pitchFamily="34" charset="0"/>
+              </a:defRPr>
+            </a:lvl4pPr>
+            <a:lvl5pPr marL="2057400" indent="-228600">
+              <a:defRPr>
+                <a:solidFill>
+                  <a:schemeClr val="tx1"/>
+                </a:solidFill>
+                <a:latin typeface="Calibri" panose="020F0502020204030204" pitchFamily="34" charset="0"/>
+              </a:defRPr>
+            </a:lvl5pPr>
+            <a:lvl6pPr marL="2514600" indent="-228600" eaLnBrk="0" fontAlgn="base" hangingPunct="0">
+              <a:spcBef>
+                <a:spcPct val="0"/>
+              </a:spcBef>
+              <a:spcAft>
+                <a:spcPct val="0"/>
+              </a:spcAft>
+              <a:defRPr>
+                <a:solidFill>
+                  <a:schemeClr val="tx1"/>
+                </a:solidFill>
+                <a:latin typeface="Calibri" panose="020F0502020204030204" pitchFamily="34" charset="0"/>
+              </a:defRPr>
+            </a:lvl6pPr>
+            <a:lvl7pPr marL="2971800" indent="-228600" eaLnBrk="0" fontAlgn="base" hangingPunct="0">
+              <a:spcBef>
+                <a:spcPct val="0"/>
+              </a:spcBef>
+              <a:spcAft>
+                <a:spcPct val="0"/>
+              </a:spcAft>
+              <a:defRPr>
+                <a:solidFill>
+                  <a:schemeClr val="tx1"/>
+                </a:solidFill>
+                <a:latin typeface="Calibri" panose="020F0502020204030204" pitchFamily="34" charset="0"/>
+              </a:defRPr>
+            </a:lvl7pPr>
+            <a:lvl8pPr marL="3429000" indent="-228600" eaLnBrk="0" fontAlgn="base" hangingPunct="0">
+              <a:spcBef>
+                <a:spcPct val="0"/>
+              </a:spcBef>
+              <a:spcAft>
+                <a:spcPct val="0"/>
+              </a:spcAft>
+              <a:defRPr>
+                <a:solidFill>
+                  <a:schemeClr val="tx1"/>
+                </a:solidFill>
+                <a:latin typeface="Calibri" panose="020F0502020204030204" pitchFamily="34" charset="0"/>
+              </a:defRPr>
+            </a:lvl8pPr>
+            <a:lvl9pPr marL="3886200" indent="-228600" eaLnBrk="0" fontAlgn="base" hangingPunct="0">
+              <a:spcBef>
+                <a:spcPct val="0"/>
+              </a:spcBef>
+              <a:spcAft>
+                <a:spcPct val="0"/>
+              </a:spcAft>
+              <a:defRPr>
+                <a:solidFill>
+                  <a:schemeClr val="tx1"/>
+                </a:solidFill>
+                <a:latin typeface="Calibri" panose="020F0502020204030204" pitchFamily="34" charset="0"/>
+              </a:defRPr>
+            </a:lvl9pPr>
+          </a:lstStyle>
+          <a:p>
+            <a:pPr algn="ctr" eaLnBrk="1" hangingPunct="1"/>
+            <a:r>
+              <a:rPr lang="en-US" altLang="en-US" sz="1200" dirty="0">
+                <a:solidFill>
+                  <a:srgbClr val="232F3E"/>
+                </a:solidFill>
+                <a:latin typeface="Arial" panose="020B0604020202020204" pitchFamily="34" charset="0"/>
+                <a:cs typeface="Arial" panose="020B0604020202020204" pitchFamily="34" charset="0"/>
+              </a:rPr>
+              <a:t>Meraki </a:t>
+            </a:r>
+            <a:r>
+              <a:rPr lang="en-US" altLang="en-US" sz="1200" dirty="0" err="1">
+                <a:solidFill>
+                  <a:srgbClr val="232F3E"/>
+                </a:solidFill>
+                <a:latin typeface="Arial" panose="020B0604020202020204" pitchFamily="34" charset="0"/>
+                <a:cs typeface="Arial" panose="020B0604020202020204" pitchFamily="34" charset="0"/>
+              </a:rPr>
+              <a:t>vMX</a:t>
+            </a:r>
+            <a:endParaRPr lang="en-US" altLang="en-US" sz="1200" dirty="0">
+              <a:solidFill>
+                <a:srgbClr val="232F3E"/>
+              </a:solidFill>
+              <a:latin typeface="Arial" panose="020B0604020202020204" pitchFamily="34" charset="0"/>
+              <a:cs typeface="Arial" panose="020B0604020202020204" pitchFamily="34" charset="0"/>
+            </a:endParaRPr>
+          </a:p>
+        </p:txBody>
+      </p:sp>
+      <p:sp>
+        <p:nvSpPr>
+          <p:cNvPr id="36" name="Rectangle 35">
+            <a:extLst>
+              <a:ext uri="{FF2B5EF4-FFF2-40B4-BE49-F238E27FC236}">
+                <a16:creationId xmlns:a16="http://schemas.microsoft.com/office/drawing/2014/main" id="{227CD19E-0861-4F98-93A8-29E2587A4C20}"/>
+              </a:ext>
+            </a:extLst>
+          </p:cNvPr>
+          <p:cNvSpPr/>
+          <p:nvPr/>
+        </p:nvSpPr>
+        <p:spPr>
+          <a:xfrm>
+            <a:off x="7672481" y="4374072"/>
+            <a:ext cx="1765300" cy="1207631"/>
+          </a:xfrm>
+          <a:prstGeom prst="rect">
+            <a:avLst/>
+          </a:prstGeom>
+          <a:solidFill>
+            <a:srgbClr val="007CBC">
+              <a:alpha val="9804"/>
+            </a:srgbClr>
+          </a:solidFill>
+          <a:ln w="12700">
+            <a:noFill/>
+            <a:prstDash val="dash"/>
+          </a:ln>
+        </p:spPr>
+        <p:style>
+          <a:lnRef idx="2">
+            <a:schemeClr val="accent1">
+              <a:shade val="50000"/>
+            </a:schemeClr>
+          </a:lnRef>
+          <a:fillRef idx="1">
+            <a:schemeClr val="accent1"/>
+          </a:fillRef>
+          <a:effectRef idx="0">
+            <a:schemeClr val="accent1"/>
+          </a:effectRef>
+          <a:fontRef idx="minor">
+            <a:schemeClr val="lt1"/>
+          </a:fontRef>
+        </p:style>
+        <p:txBody>
+          <a:bodyPr lIns="502920"/>
+          <a:lstStyle/>
+          <a:p>
+            <a:pPr eaLnBrk="1" fontAlgn="auto" hangingPunct="1">
+              <a:spcBef>
+                <a:spcPts val="0"/>
+              </a:spcBef>
+              <a:spcAft>
+                <a:spcPts val="0"/>
+              </a:spcAft>
+              <a:defRPr/>
+            </a:pPr>
+            <a:r>
+              <a:rPr lang="en-US" sz="1200" dirty="0">
+                <a:solidFill>
+                  <a:srgbClr val="5B9CD5"/>
+                </a:solidFill>
+                <a:latin typeface="Arial" panose="020B0604020202020204" pitchFamily="34" charset="0"/>
+                <a:cs typeface="Arial" panose="020B0604020202020204" pitchFamily="34" charset="0"/>
+              </a:rPr>
+              <a:t>Private subnet</a:t>
+            </a:r>
+          </a:p>
+        </p:txBody>
+      </p:sp>
+      <p:pic>
+        <p:nvPicPr>
+          <p:cNvPr id="37" name="Graphic 36">
+            <a:extLst>
+              <a:ext uri="{FF2B5EF4-FFF2-40B4-BE49-F238E27FC236}">
+                <a16:creationId xmlns:a16="http://schemas.microsoft.com/office/drawing/2014/main" id="{B9E490E9-09C0-41D7-A119-B43CC21A849B}"/>
+              </a:ext>
+            </a:extLst>
+          </p:cNvPr>
+          <p:cNvPicPr>
+            <a:picLocks noChangeAspect="1"/>
+          </p:cNvPicPr>
+          <p:nvPr/>
+        </p:nvPicPr>
+        <p:blipFill>
+          <a:blip r:embed="rId5">
+            <a:extLst>
+              <a:ext uri="{96DAC541-7B7A-43D3-8B79-37D633B846F1}">
+                <asvg:svgBlip xmlns:asvg="http://schemas.microsoft.com/office/drawing/2016/SVG/main" r:embed="rId6"/>
+              </a:ext>
+            </a:extLst>
+          </a:blip>
+          <a:stretch>
+            <a:fillRect/>
+          </a:stretch>
+        </p:blipFill>
+        <p:spPr>
+          <a:xfrm>
+            <a:off x="7673116" y="3077864"/>
+            <a:ext cx="381000" cy="381000"/>
+          </a:xfrm>
+          <a:prstGeom prst="rect">
+            <a:avLst/>
+          </a:prstGeom>
+        </p:spPr>
+      </p:pic>
+      <p:pic>
+        <p:nvPicPr>
+          <p:cNvPr id="38" name="Graphic 37">
+            <a:extLst>
+              <a:ext uri="{FF2B5EF4-FFF2-40B4-BE49-F238E27FC236}">
+                <a16:creationId xmlns:a16="http://schemas.microsoft.com/office/drawing/2014/main" id="{CC604FE6-C1CB-437C-841D-2FAA2FCC4BDE}"/>
+              </a:ext>
+            </a:extLst>
+          </p:cNvPr>
+          <p:cNvPicPr>
+            <a:picLocks noChangeAspect="1"/>
+          </p:cNvPicPr>
+          <p:nvPr/>
+        </p:nvPicPr>
+        <p:blipFill>
+          <a:blip r:embed="rId7">
+            <a:extLst>
+              <a:ext uri="{96DAC541-7B7A-43D3-8B79-37D633B846F1}">
+                <asvg:svgBlip xmlns:asvg="http://schemas.microsoft.com/office/drawing/2016/SVG/main" r:embed="rId8"/>
+              </a:ext>
+            </a:extLst>
+          </a:blip>
+          <a:stretch>
+            <a:fillRect/>
+          </a:stretch>
+        </p:blipFill>
+        <p:spPr>
+          <a:xfrm>
+            <a:off x="7677243" y="4375661"/>
+            <a:ext cx="381000" cy="381000"/>
+          </a:xfrm>
+          <a:prstGeom prst="rect">
+            <a:avLst/>
+          </a:prstGeom>
+        </p:spPr>
+      </p:pic>
+      <p:sp>
+        <p:nvSpPr>
+          <p:cNvPr id="39" name="TextBox 18">
+            <a:extLst>
+              <a:ext uri="{FF2B5EF4-FFF2-40B4-BE49-F238E27FC236}">
+                <a16:creationId xmlns:a16="http://schemas.microsoft.com/office/drawing/2014/main" id="{65F3C3CB-1C20-4BC3-B556-2E963737B9FD}"/>
+              </a:ext>
+            </a:extLst>
+          </p:cNvPr>
+          <p:cNvSpPr txBox="1">
+            <a:spLocks noChangeArrowheads="1"/>
+          </p:cNvSpPr>
+          <p:nvPr/>
+        </p:nvSpPr>
+        <p:spPr bwMode="auto">
+          <a:xfrm>
+            <a:off x="7878545" y="5125416"/>
+            <a:ext cx="1342852" cy="430887"/>
+          </a:xfrm>
+          <a:prstGeom prst="rect">
+            <a:avLst/>
+          </a:prstGeom>
+          <a:noFill/>
+          <a:ln>
+            <a:noFill/>
+          </a:ln>
+          <a:extLst>
+            <a:ext uri="{909E8E84-426E-40DD-AFC4-6F175D3DCCD1}">
+              <a14:hiddenFill xmlns:a14="http://schemas.microsoft.com/office/drawing/2010/main">
+                <a:solidFill>
+                  <a:srgbClr val="FFFFFF"/>
+                </a:solidFill>
+              </a14:hiddenFill>
+            </a:ext>
+            <a:ext uri="{91240B29-F687-4F45-9708-019B960494DF}">
+              <a14:hiddenLine xmlns:a14="http://schemas.microsoft.com/office/drawing/2010/main" w="9525">
+                <a:solidFill>
+                  <a:srgbClr val="000000"/>
+                </a:solidFill>
+                <a:miter lim="800000"/>
+                <a:headEnd/>
+                <a:tailEnd/>
+              </a14:hiddenLine>
+            </a:ext>
+          </a:extLst>
+        </p:spPr>
+        <p:txBody>
+          <a:bodyPr wrap="square">
+            <a:spAutoFit/>
+          </a:bodyPr>
+          <a:lstStyle>
+            <a:lvl1pPr>
+              <a:defRPr>
+                <a:solidFill>
+                  <a:schemeClr val="tx1"/>
+                </a:solidFill>
+                <a:latin typeface="Calibri" panose="020F0502020204030204" pitchFamily="34" charset="0"/>
+              </a:defRPr>
+            </a:lvl1pPr>
+            <a:lvl2pPr marL="742950" indent="-285750">
+              <a:defRPr>
+                <a:solidFill>
+                  <a:schemeClr val="tx1"/>
+                </a:solidFill>
+                <a:latin typeface="Calibri" panose="020F0502020204030204" pitchFamily="34" charset="0"/>
+              </a:defRPr>
+            </a:lvl2pPr>
+            <a:lvl3pPr marL="1143000" indent="-228600">
+              <a:defRPr>
+                <a:solidFill>
+                  <a:schemeClr val="tx1"/>
+                </a:solidFill>
+                <a:latin typeface="Calibri" panose="020F0502020204030204" pitchFamily="34" charset="0"/>
+              </a:defRPr>
+            </a:lvl3pPr>
+            <a:lvl4pPr marL="1600200" indent="-228600">
+              <a:defRPr>
+                <a:solidFill>
+                  <a:schemeClr val="tx1"/>
+                </a:solidFill>
+                <a:latin typeface="Calibri" panose="020F0502020204030204" pitchFamily="34" charset="0"/>
+              </a:defRPr>
+            </a:lvl4pPr>
+            <a:lvl5pPr marL="2057400" indent="-228600">
+              <a:defRPr>
+                <a:solidFill>
+                  <a:schemeClr val="tx1"/>
+                </a:solidFill>
+                <a:latin typeface="Calibri" panose="020F0502020204030204" pitchFamily="34" charset="0"/>
+              </a:defRPr>
+            </a:lvl5pPr>
+            <a:lvl6pPr marL="2514600" indent="-228600" eaLnBrk="0" fontAlgn="base" hangingPunct="0">
+              <a:spcBef>
+                <a:spcPct val="0"/>
+              </a:spcBef>
+              <a:spcAft>
+                <a:spcPct val="0"/>
+              </a:spcAft>
+              <a:defRPr>
+                <a:solidFill>
+                  <a:schemeClr val="tx1"/>
+                </a:solidFill>
+                <a:latin typeface="Calibri" panose="020F0502020204030204" pitchFamily="34" charset="0"/>
+              </a:defRPr>
+            </a:lvl6pPr>
+            <a:lvl7pPr marL="2971800" indent="-228600" eaLnBrk="0" fontAlgn="base" hangingPunct="0">
+              <a:spcBef>
+                <a:spcPct val="0"/>
+              </a:spcBef>
+              <a:spcAft>
+                <a:spcPct val="0"/>
+              </a:spcAft>
+              <a:defRPr>
+                <a:solidFill>
+                  <a:schemeClr val="tx1"/>
+                </a:solidFill>
+                <a:latin typeface="Calibri" panose="020F0502020204030204" pitchFamily="34" charset="0"/>
+              </a:defRPr>
+            </a:lvl7pPr>
+            <a:lvl8pPr marL="3429000" indent="-228600" eaLnBrk="0" fontAlgn="base" hangingPunct="0">
+              <a:spcBef>
+                <a:spcPct val="0"/>
+              </a:spcBef>
+              <a:spcAft>
+                <a:spcPct val="0"/>
+              </a:spcAft>
+              <a:defRPr>
+                <a:solidFill>
+                  <a:schemeClr val="tx1"/>
+                </a:solidFill>
+                <a:latin typeface="Calibri" panose="020F0502020204030204" pitchFamily="34" charset="0"/>
+              </a:defRPr>
+            </a:lvl8pPr>
+            <a:lvl9pPr marL="3886200" indent="-228600" eaLnBrk="0" fontAlgn="base" hangingPunct="0">
+              <a:spcBef>
+                <a:spcPct val="0"/>
+              </a:spcBef>
+              <a:spcAft>
+                <a:spcPct val="0"/>
+              </a:spcAft>
+              <a:defRPr>
+                <a:solidFill>
+                  <a:schemeClr val="tx1"/>
+                </a:solidFill>
+                <a:latin typeface="Calibri" panose="020F0502020204030204" pitchFamily="34" charset="0"/>
+              </a:defRPr>
+            </a:lvl9pPr>
+          </a:lstStyle>
+          <a:p>
+            <a:pPr algn="ctr" eaLnBrk="1" hangingPunct="1"/>
+            <a:r>
+              <a:rPr lang="en-US" altLang="en-US" sz="1100" dirty="0">
+                <a:latin typeface="Arial" panose="020B0604020202020204" pitchFamily="34" charset="0"/>
+                <a:ea typeface="Amazon Ember" panose="020B0603020204020204" pitchFamily="34" charset="0"/>
+                <a:cs typeface="Arial" panose="020B0604020202020204" pitchFamily="34" charset="0"/>
+              </a:rPr>
+              <a:t>Elastic network interface</a:t>
+            </a:r>
+          </a:p>
+        </p:txBody>
+      </p:sp>
+      <p:pic>
+        <p:nvPicPr>
+          <p:cNvPr id="40" name="Graphic 37">
+            <a:extLst>
+              <a:ext uri="{FF2B5EF4-FFF2-40B4-BE49-F238E27FC236}">
+                <a16:creationId xmlns:a16="http://schemas.microsoft.com/office/drawing/2014/main" id="{4EB5B8E1-541A-444C-A265-F8788E88CB01}"/>
+              </a:ext>
+            </a:extLst>
+          </p:cNvPr>
+          <p:cNvPicPr>
+            <a:picLocks noChangeAspect="1" noChangeArrowheads="1"/>
+          </p:cNvPicPr>
+          <p:nvPr/>
+        </p:nvPicPr>
+        <p:blipFill>
+          <a:blip r:embed="rId11">
+            <a:extLst>
+              <a:ext uri="{28A0092B-C50C-407E-A947-70E740481C1C}">
+                <a14:useLocalDpi xmlns:a14="http://schemas.microsoft.com/office/drawing/2010/main" val="0"/>
+              </a:ext>
+            </a:extLst>
+          </a:blip>
+          <a:srcRect/>
+          <a:stretch>
+            <a:fillRect/>
+          </a:stretch>
+        </p:blipFill>
+        <p:spPr bwMode="auto">
+          <a:xfrm>
+            <a:off x="8320181" y="4692030"/>
+            <a:ext cx="457200" cy="457200"/>
+          </a:xfrm>
+          <a:prstGeom prst="rect">
+            <a:avLst/>
+          </a:prstGeom>
+          <a:noFill/>
+          <a:ln>
+            <a:noFill/>
+          </a:ln>
+          <a:extLst>
+            <a:ext uri="{909E8E84-426E-40DD-AFC4-6F175D3DCCD1}">
+              <a14:hiddenFill xmlns:a14="http://schemas.microsoft.com/office/drawing/2010/main">
+                <a:solidFill>
+                  <a:srgbClr val="FFFFFF"/>
+                </a:solidFill>
+              </a14:hiddenFill>
+            </a:ext>
+            <a:ext uri="{91240B29-F687-4F45-9708-019B960494DF}">
+              <a14:hiddenLine xmlns:a14="http://schemas.microsoft.com/office/drawing/2010/main" w="9525">
+                <a:solidFill>
+                  <a:srgbClr val="000000"/>
+                </a:solidFill>
+                <a:miter lim="800000"/>
+                <a:headEnd/>
+                <a:tailEnd/>
+              </a14:hiddenLine>
+            </a:ext>
+          </a:extLst>
+        </p:spPr>
+      </p:pic>
+      <p:sp>
+        <p:nvSpPr>
+          <p:cNvPr id="41" name="TextBox 12">
+            <a:extLst>
+              <a:ext uri="{FF2B5EF4-FFF2-40B4-BE49-F238E27FC236}">
+                <a16:creationId xmlns:a16="http://schemas.microsoft.com/office/drawing/2014/main" id="{D464C267-839E-402F-B5A8-7A6BA40682A8}"/>
+              </a:ext>
+            </a:extLst>
+          </p:cNvPr>
+          <p:cNvSpPr txBox="1">
+            <a:spLocks noChangeArrowheads="1"/>
+          </p:cNvSpPr>
+          <p:nvPr/>
+        </p:nvSpPr>
+        <p:spPr bwMode="auto">
+          <a:xfrm>
+            <a:off x="6254557" y="2024467"/>
+            <a:ext cx="1315300" cy="276999"/>
+          </a:xfrm>
+          <a:prstGeom prst="rect">
+            <a:avLst/>
+          </a:prstGeom>
+          <a:noFill/>
+          <a:ln>
+            <a:noFill/>
+          </a:ln>
+          <a:extLst>
+            <a:ext uri="{909E8E84-426E-40DD-AFC4-6F175D3DCCD1}">
+              <a14:hiddenFill xmlns:a14="http://schemas.microsoft.com/office/drawing/2010/main">
+                <a:solidFill>
+                  <a:srgbClr val="FFFFFF"/>
+                </a:solidFill>
+              </a14:hiddenFill>
+            </a:ext>
+            <a:ext uri="{91240B29-F687-4F45-9708-019B960494DF}">
+              <a14:hiddenLine xmlns:a14="http://schemas.microsoft.com/office/drawing/2010/main" w="9525">
+                <a:solidFill>
+                  <a:srgbClr val="000000"/>
+                </a:solidFill>
+                <a:miter lim="800000"/>
+                <a:headEnd/>
+                <a:tailEnd/>
+              </a14:hiddenLine>
+            </a:ext>
+          </a:extLst>
+        </p:spPr>
+        <p:txBody>
+          <a:bodyPr wrap="square">
+            <a:spAutoFit/>
+          </a:bodyPr>
+          <a:lstStyle>
+            <a:lvl1pPr>
+              <a:defRPr>
+                <a:solidFill>
+                  <a:schemeClr val="tx1"/>
+                </a:solidFill>
+                <a:latin typeface="Calibri" panose="020F0502020204030204" pitchFamily="34" charset="0"/>
+              </a:defRPr>
+            </a:lvl1pPr>
+            <a:lvl2pPr marL="742950" indent="-285750">
+              <a:defRPr>
+                <a:solidFill>
+                  <a:schemeClr val="tx1"/>
+                </a:solidFill>
+                <a:latin typeface="Calibri" panose="020F0502020204030204" pitchFamily="34" charset="0"/>
+              </a:defRPr>
+            </a:lvl2pPr>
+            <a:lvl3pPr marL="1143000" indent="-228600">
+              <a:defRPr>
+                <a:solidFill>
+                  <a:schemeClr val="tx1"/>
+                </a:solidFill>
+                <a:latin typeface="Calibri" panose="020F0502020204030204" pitchFamily="34" charset="0"/>
+              </a:defRPr>
+            </a:lvl3pPr>
+            <a:lvl4pPr marL="1600200" indent="-228600">
+              <a:defRPr>
+                <a:solidFill>
+                  <a:schemeClr val="tx1"/>
+                </a:solidFill>
+                <a:latin typeface="Calibri" panose="020F0502020204030204" pitchFamily="34" charset="0"/>
+              </a:defRPr>
+            </a:lvl4pPr>
+            <a:lvl5pPr marL="2057400" indent="-228600">
+              <a:defRPr>
+                <a:solidFill>
+                  <a:schemeClr val="tx1"/>
+                </a:solidFill>
+                <a:latin typeface="Calibri" panose="020F0502020204030204" pitchFamily="34" charset="0"/>
+              </a:defRPr>
+            </a:lvl5pPr>
+            <a:lvl6pPr marL="2514600" indent="-228600" eaLnBrk="0" fontAlgn="base" hangingPunct="0">
+              <a:spcBef>
+                <a:spcPct val="0"/>
+              </a:spcBef>
+              <a:spcAft>
+                <a:spcPct val="0"/>
+              </a:spcAft>
+              <a:defRPr>
+                <a:solidFill>
+                  <a:schemeClr val="tx1"/>
+                </a:solidFill>
+                <a:latin typeface="Calibri" panose="020F0502020204030204" pitchFamily="34" charset="0"/>
+              </a:defRPr>
+            </a:lvl6pPr>
+            <a:lvl7pPr marL="2971800" indent="-228600" eaLnBrk="0" fontAlgn="base" hangingPunct="0">
+              <a:spcBef>
+                <a:spcPct val="0"/>
+              </a:spcBef>
+              <a:spcAft>
+                <a:spcPct val="0"/>
+              </a:spcAft>
+              <a:defRPr>
+                <a:solidFill>
+                  <a:schemeClr val="tx1"/>
+                </a:solidFill>
+                <a:latin typeface="Calibri" panose="020F0502020204030204" pitchFamily="34" charset="0"/>
+              </a:defRPr>
+            </a:lvl7pPr>
+            <a:lvl8pPr marL="3429000" indent="-228600" eaLnBrk="0" fontAlgn="base" hangingPunct="0">
+              <a:spcBef>
+                <a:spcPct val="0"/>
+              </a:spcBef>
+              <a:spcAft>
+                <a:spcPct val="0"/>
+              </a:spcAft>
+              <a:defRPr>
+                <a:solidFill>
+                  <a:schemeClr val="tx1"/>
+                </a:solidFill>
+                <a:latin typeface="Calibri" panose="020F0502020204030204" pitchFamily="34" charset="0"/>
+              </a:defRPr>
+            </a:lvl8pPr>
+            <a:lvl9pPr marL="3886200" indent="-228600" eaLnBrk="0" fontAlgn="base" hangingPunct="0">
+              <a:spcBef>
+                <a:spcPct val="0"/>
+              </a:spcBef>
+              <a:spcAft>
+                <a:spcPct val="0"/>
+              </a:spcAft>
+              <a:defRPr>
+                <a:solidFill>
+                  <a:schemeClr val="tx1"/>
+                </a:solidFill>
+                <a:latin typeface="Calibri" panose="020F0502020204030204" pitchFamily="34" charset="0"/>
+              </a:defRPr>
+            </a:lvl9pPr>
+          </a:lstStyle>
+          <a:p>
+            <a:pPr algn="ctr" eaLnBrk="1" hangingPunct="1"/>
+            <a:r>
+              <a:rPr lang="en-US" altLang="en-US" sz="1200" dirty="0">
+                <a:latin typeface="Arial" panose="020B0604020202020204" pitchFamily="34" charset="0"/>
+                <a:ea typeface="Amazon Ember" panose="020B0603020204020204" pitchFamily="34" charset="0"/>
+                <a:cs typeface="Arial" panose="020B0604020202020204" pitchFamily="34" charset="0"/>
+              </a:rPr>
+              <a:t>Internet gateway</a:t>
+            </a:r>
+          </a:p>
+        </p:txBody>
+      </p:sp>
+      <p:pic>
+        <p:nvPicPr>
+          <p:cNvPr id="42" name="Graphic 10">
+            <a:extLst>
+              <a:ext uri="{FF2B5EF4-FFF2-40B4-BE49-F238E27FC236}">
+                <a16:creationId xmlns:a16="http://schemas.microsoft.com/office/drawing/2014/main" id="{6E6085C9-5CC4-45BD-9381-EEBBDAF85C61}"/>
+              </a:ext>
+            </a:extLst>
+          </p:cNvPr>
+          <p:cNvPicPr>
+            <a:picLocks noChangeAspect="1" noChangeArrowheads="1"/>
+          </p:cNvPicPr>
+          <p:nvPr/>
+        </p:nvPicPr>
+        <p:blipFill>
+          <a:blip r:embed="rId14">
+            <a:extLst>
+              <a:ext uri="{28A0092B-C50C-407E-A947-70E740481C1C}">
+                <a14:useLocalDpi xmlns:a14="http://schemas.microsoft.com/office/drawing/2010/main" val="0"/>
+              </a:ext>
+            </a:extLst>
+          </a:blip>
+          <a:srcRect/>
+          <a:stretch>
+            <a:fillRect/>
+          </a:stretch>
+        </p:blipFill>
+        <p:spPr bwMode="auto">
+          <a:xfrm>
+            <a:off x="6679037" y="1606588"/>
+            <a:ext cx="457200" cy="457200"/>
+          </a:xfrm>
+          <a:prstGeom prst="rect">
+            <a:avLst/>
+          </a:prstGeom>
+          <a:solidFill>
+            <a:schemeClr val="bg1"/>
+          </a:solidFill>
+          <a:ln>
+            <a:noFill/>
+          </a:ln>
+          <a:extLst/>
+        </p:spPr>
+      </p:pic>
+      <p:pic>
+        <p:nvPicPr>
+          <p:cNvPr id="51" name="Graphic 12">
+            <a:extLst>
+              <a:ext uri="{FF2B5EF4-FFF2-40B4-BE49-F238E27FC236}">
+                <a16:creationId xmlns:a16="http://schemas.microsoft.com/office/drawing/2014/main" id="{82714634-F71D-40B2-9080-9E6AF2D28A64}"/>
+              </a:ext>
+            </a:extLst>
+          </p:cNvPr>
+          <p:cNvPicPr>
+            <a:picLocks noChangeAspect="1" noChangeArrowheads="1"/>
+          </p:cNvPicPr>
+          <p:nvPr/>
+        </p:nvPicPr>
+        <p:blipFill>
+          <a:blip r:embed="rId15">
+            <a:extLst>
+              <a:ext uri="{28A0092B-C50C-407E-A947-70E740481C1C}">
+                <a14:useLocalDpi xmlns:a14="http://schemas.microsoft.com/office/drawing/2010/main" val="0"/>
+              </a:ext>
+            </a:extLst>
+          </a:blip>
+          <a:srcRect/>
+          <a:stretch>
+            <a:fillRect/>
+          </a:stretch>
+        </p:blipFill>
+        <p:spPr bwMode="auto">
+          <a:xfrm>
+            <a:off x="2789250" y="1600238"/>
+            <a:ext cx="469900" cy="469900"/>
+          </a:xfrm>
+          <a:prstGeom prst="rect">
+            <a:avLst/>
+          </a:prstGeom>
+          <a:noFill/>
+          <a:ln>
+            <a:noFill/>
+          </a:ln>
+          <a:extLst>
+            <a:ext uri="{909E8E84-426E-40DD-AFC4-6F175D3DCCD1}">
+              <a14:hiddenFill xmlns:a14="http://schemas.microsoft.com/office/drawing/2010/main">
+                <a:solidFill>
+                  <a:srgbClr val="FFFFFF"/>
+                </a:solidFill>
+              </a14:hiddenFill>
+            </a:ext>
+            <a:ext uri="{91240B29-F687-4F45-9708-019B960494DF}">
+              <a14:hiddenLine xmlns:a14="http://schemas.microsoft.com/office/drawing/2010/main" w="9525">
+                <a:solidFill>
+                  <a:srgbClr val="000000"/>
+                </a:solidFill>
+                <a:miter lim="800000"/>
+                <a:headEnd/>
+                <a:tailEnd/>
+              </a14:hiddenLine>
+            </a:ext>
+          </a:extLst>
+        </p:spPr>
+      </p:pic>
+      <p:sp>
+        <p:nvSpPr>
+          <p:cNvPr id="52" name="TextBox 29">
+            <a:extLst>
+              <a:ext uri="{FF2B5EF4-FFF2-40B4-BE49-F238E27FC236}">
+                <a16:creationId xmlns:a16="http://schemas.microsoft.com/office/drawing/2014/main" id="{AC457521-E702-4040-832F-22B48BB7B882}"/>
+              </a:ext>
+            </a:extLst>
+          </p:cNvPr>
+          <p:cNvSpPr txBox="1">
+            <a:spLocks noChangeArrowheads="1"/>
+          </p:cNvSpPr>
+          <p:nvPr/>
+        </p:nvSpPr>
+        <p:spPr bwMode="auto">
+          <a:xfrm>
+            <a:off x="2478500" y="2024467"/>
+            <a:ext cx="1073150" cy="461665"/>
+          </a:xfrm>
+          <a:prstGeom prst="rect">
+            <a:avLst/>
+          </a:prstGeom>
+          <a:noFill/>
+          <a:ln>
+            <a:noFill/>
+          </a:ln>
+          <a:extLst>
+            <a:ext uri="{909E8E84-426E-40DD-AFC4-6F175D3DCCD1}">
+              <a14:hiddenFill xmlns:a14="http://schemas.microsoft.com/office/drawing/2010/main">
+                <a:solidFill>
+                  <a:srgbClr val="FFFFFF"/>
+                </a:solidFill>
+              </a14:hiddenFill>
+            </a:ext>
+            <a:ext uri="{91240B29-F687-4F45-9708-019B960494DF}">
+              <a14:hiddenLine xmlns:a14="http://schemas.microsoft.com/office/drawing/2010/main" w="9525">
+                <a:solidFill>
+                  <a:srgbClr val="000000"/>
+                </a:solidFill>
+                <a:miter lim="800000"/>
+                <a:headEnd/>
+                <a:tailEnd/>
+              </a14:hiddenLine>
+            </a:ext>
+          </a:extLst>
+        </p:spPr>
+        <p:txBody>
+          <a:bodyPr>
+            <a:spAutoFit/>
+          </a:bodyPr>
+          <a:lstStyle>
+            <a:lvl1pPr>
+              <a:defRPr>
+                <a:solidFill>
+                  <a:schemeClr val="tx1"/>
+                </a:solidFill>
+                <a:latin typeface="Calibri" panose="020F0502020204030204" pitchFamily="34" charset="0"/>
+              </a:defRPr>
+            </a:lvl1pPr>
+            <a:lvl2pPr marL="742950" indent="-285750">
+              <a:defRPr>
+                <a:solidFill>
+                  <a:schemeClr val="tx1"/>
+                </a:solidFill>
+                <a:latin typeface="Calibri" panose="020F0502020204030204" pitchFamily="34" charset="0"/>
+              </a:defRPr>
+            </a:lvl2pPr>
+            <a:lvl3pPr marL="1143000" indent="-228600">
+              <a:defRPr>
+                <a:solidFill>
+                  <a:schemeClr val="tx1"/>
+                </a:solidFill>
+                <a:latin typeface="Calibri" panose="020F0502020204030204" pitchFamily="34" charset="0"/>
+              </a:defRPr>
+            </a:lvl3pPr>
+            <a:lvl4pPr marL="1600200" indent="-228600">
+              <a:defRPr>
+                <a:solidFill>
+                  <a:schemeClr val="tx1"/>
+                </a:solidFill>
+                <a:latin typeface="Calibri" panose="020F0502020204030204" pitchFamily="34" charset="0"/>
+              </a:defRPr>
+            </a:lvl4pPr>
+            <a:lvl5pPr marL="2057400" indent="-228600">
+              <a:defRPr>
+                <a:solidFill>
+                  <a:schemeClr val="tx1"/>
+                </a:solidFill>
+                <a:latin typeface="Calibri" panose="020F0502020204030204" pitchFamily="34" charset="0"/>
+              </a:defRPr>
+            </a:lvl5pPr>
+            <a:lvl6pPr marL="2514600" indent="-228600" eaLnBrk="0" fontAlgn="base" hangingPunct="0">
+              <a:spcBef>
+                <a:spcPct val="0"/>
+              </a:spcBef>
+              <a:spcAft>
+                <a:spcPct val="0"/>
+              </a:spcAft>
+              <a:defRPr>
+                <a:solidFill>
+                  <a:schemeClr val="tx1"/>
+                </a:solidFill>
+                <a:latin typeface="Calibri" panose="020F0502020204030204" pitchFamily="34" charset="0"/>
+              </a:defRPr>
+            </a:lvl6pPr>
+            <a:lvl7pPr marL="2971800" indent="-228600" eaLnBrk="0" fontAlgn="base" hangingPunct="0">
+              <a:spcBef>
+                <a:spcPct val="0"/>
+              </a:spcBef>
+              <a:spcAft>
+                <a:spcPct val="0"/>
+              </a:spcAft>
+              <a:defRPr>
+                <a:solidFill>
+                  <a:schemeClr val="tx1"/>
+                </a:solidFill>
+                <a:latin typeface="Calibri" panose="020F0502020204030204" pitchFamily="34" charset="0"/>
+              </a:defRPr>
+            </a:lvl7pPr>
+            <a:lvl8pPr marL="3429000" indent="-228600" eaLnBrk="0" fontAlgn="base" hangingPunct="0">
+              <a:spcBef>
+                <a:spcPct val="0"/>
+              </a:spcBef>
+              <a:spcAft>
+                <a:spcPct val="0"/>
+              </a:spcAft>
+              <a:defRPr>
+                <a:solidFill>
+                  <a:schemeClr val="tx1"/>
+                </a:solidFill>
+                <a:latin typeface="Calibri" panose="020F0502020204030204" pitchFamily="34" charset="0"/>
+              </a:defRPr>
+            </a:lvl8pPr>
+            <a:lvl9pPr marL="3886200" indent="-228600" eaLnBrk="0" fontAlgn="base" hangingPunct="0">
+              <a:spcBef>
+                <a:spcPct val="0"/>
+              </a:spcBef>
+              <a:spcAft>
+                <a:spcPct val="0"/>
+              </a:spcAft>
+              <a:defRPr>
+                <a:solidFill>
+                  <a:schemeClr val="tx1"/>
+                </a:solidFill>
+                <a:latin typeface="Calibri" panose="020F0502020204030204" pitchFamily="34" charset="0"/>
+              </a:defRPr>
+            </a:lvl9pPr>
+          </a:lstStyle>
+          <a:p>
+            <a:pPr algn="ctr" eaLnBrk="1" hangingPunct="1"/>
+            <a:r>
+              <a:rPr lang="en-US" altLang="en-US" sz="1200" dirty="0">
+                <a:solidFill>
+                  <a:srgbClr val="000000"/>
+                </a:solidFill>
+                <a:latin typeface="Arial" panose="020B0604020202020204" pitchFamily="34" charset="0"/>
+                <a:cs typeface="Arial" panose="020B0604020202020204" pitchFamily="34" charset="0"/>
+              </a:rPr>
+              <a:t>Meraki     Auto VPN</a:t>
+            </a:r>
+          </a:p>
+        </p:txBody>
+      </p:sp>
+      <p:pic>
+        <p:nvPicPr>
+          <p:cNvPr id="53" name="Graphic 17">
+            <a:extLst>
+              <a:ext uri="{FF2B5EF4-FFF2-40B4-BE49-F238E27FC236}">
+                <a16:creationId xmlns:a16="http://schemas.microsoft.com/office/drawing/2014/main" id="{2D6C8902-9CFB-4F10-87DA-88658E19AAD8}"/>
+              </a:ext>
+            </a:extLst>
+          </p:cNvPr>
+          <p:cNvPicPr>
+            <a:picLocks noChangeAspect="1" noChangeArrowheads="1"/>
+          </p:cNvPicPr>
+          <p:nvPr/>
+        </p:nvPicPr>
+        <p:blipFill>
+          <a:blip r:embed="rId16">
+            <a:extLst>
+              <a:ext uri="{28A0092B-C50C-407E-A947-70E740481C1C}">
+                <a14:useLocalDpi xmlns:a14="http://schemas.microsoft.com/office/drawing/2010/main" val="0"/>
+              </a:ext>
+            </a:extLst>
+          </a:blip>
+          <a:srcRect/>
+          <a:stretch>
+            <a:fillRect/>
+          </a:stretch>
+        </p:blipFill>
+        <p:spPr bwMode="auto">
+          <a:xfrm>
+            <a:off x="1783038" y="1600238"/>
+            <a:ext cx="469900" cy="469900"/>
+          </a:xfrm>
+          <a:prstGeom prst="rect">
+            <a:avLst/>
+          </a:prstGeom>
+          <a:noFill/>
+          <a:ln>
+            <a:noFill/>
+          </a:ln>
+          <a:extLst>
+            <a:ext uri="{909E8E84-426E-40DD-AFC4-6F175D3DCCD1}">
+              <a14:hiddenFill xmlns:a14="http://schemas.microsoft.com/office/drawing/2010/main">
+                <a:solidFill>
+                  <a:srgbClr val="FFFFFF"/>
+                </a:solidFill>
+              </a14:hiddenFill>
+            </a:ext>
+            <a:ext uri="{91240B29-F687-4F45-9708-019B960494DF}">
+              <a14:hiddenLine xmlns:a14="http://schemas.microsoft.com/office/drawing/2010/main" w="9525">
+                <a:solidFill>
+                  <a:srgbClr val="000000"/>
+                </a:solidFill>
+                <a:miter lim="800000"/>
+                <a:headEnd/>
+                <a:tailEnd/>
+              </a14:hiddenLine>
+            </a:ext>
+          </a:extLst>
+        </p:spPr>
+      </p:pic>
+      <p:sp>
+        <p:nvSpPr>
+          <p:cNvPr id="54" name="TextBox 34">
+            <a:extLst>
+              <a:ext uri="{FF2B5EF4-FFF2-40B4-BE49-F238E27FC236}">
+                <a16:creationId xmlns:a16="http://schemas.microsoft.com/office/drawing/2014/main" id="{6A727485-C0C4-4AE5-963B-9B2726E35DBF}"/>
+              </a:ext>
+            </a:extLst>
+          </p:cNvPr>
+          <p:cNvSpPr txBox="1">
+            <a:spLocks noChangeArrowheads="1"/>
+          </p:cNvSpPr>
+          <p:nvPr/>
+        </p:nvSpPr>
+        <p:spPr bwMode="auto">
+          <a:xfrm>
+            <a:off x="1481413" y="2024467"/>
+            <a:ext cx="1073150" cy="461665"/>
+          </a:xfrm>
+          <a:prstGeom prst="rect">
+            <a:avLst/>
+          </a:prstGeom>
+          <a:noFill/>
+          <a:ln>
+            <a:noFill/>
+          </a:ln>
+          <a:extLst>
+            <a:ext uri="{909E8E84-426E-40DD-AFC4-6F175D3DCCD1}">
+              <a14:hiddenFill xmlns:a14="http://schemas.microsoft.com/office/drawing/2010/main">
+                <a:solidFill>
+                  <a:srgbClr val="FFFFFF"/>
+                </a:solidFill>
+              </a14:hiddenFill>
+            </a:ext>
+            <a:ext uri="{91240B29-F687-4F45-9708-019B960494DF}">
+              <a14:hiddenLine xmlns:a14="http://schemas.microsoft.com/office/drawing/2010/main" w="9525">
+                <a:solidFill>
+                  <a:srgbClr val="000000"/>
+                </a:solidFill>
+                <a:miter lim="800000"/>
+                <a:headEnd/>
+                <a:tailEnd/>
+              </a14:hiddenLine>
+            </a:ext>
+          </a:extLst>
+        </p:spPr>
+        <p:txBody>
+          <a:bodyPr>
+            <a:spAutoFit/>
+          </a:bodyPr>
+          <a:lstStyle>
+            <a:lvl1pPr>
+              <a:defRPr>
+                <a:solidFill>
+                  <a:schemeClr val="tx1"/>
+                </a:solidFill>
+                <a:latin typeface="Calibri" panose="020F0502020204030204" pitchFamily="34" charset="0"/>
+              </a:defRPr>
+            </a:lvl1pPr>
+            <a:lvl2pPr marL="742950" indent="-285750">
+              <a:defRPr>
+                <a:solidFill>
+                  <a:schemeClr val="tx1"/>
+                </a:solidFill>
+                <a:latin typeface="Calibri" panose="020F0502020204030204" pitchFamily="34" charset="0"/>
+              </a:defRPr>
+            </a:lvl2pPr>
+            <a:lvl3pPr marL="1143000" indent="-228600">
+              <a:defRPr>
+                <a:solidFill>
+                  <a:schemeClr val="tx1"/>
+                </a:solidFill>
+                <a:latin typeface="Calibri" panose="020F0502020204030204" pitchFamily="34" charset="0"/>
+              </a:defRPr>
+            </a:lvl3pPr>
+            <a:lvl4pPr marL="1600200" indent="-228600">
+              <a:defRPr>
+                <a:solidFill>
+                  <a:schemeClr val="tx1"/>
+                </a:solidFill>
+                <a:latin typeface="Calibri" panose="020F0502020204030204" pitchFamily="34" charset="0"/>
+              </a:defRPr>
+            </a:lvl4pPr>
+            <a:lvl5pPr marL="2057400" indent="-228600">
+              <a:defRPr>
+                <a:solidFill>
+                  <a:schemeClr val="tx1"/>
+                </a:solidFill>
+                <a:latin typeface="Calibri" panose="020F0502020204030204" pitchFamily="34" charset="0"/>
+              </a:defRPr>
+            </a:lvl5pPr>
+            <a:lvl6pPr marL="2514600" indent="-228600" eaLnBrk="0" fontAlgn="base" hangingPunct="0">
+              <a:spcBef>
+                <a:spcPct val="0"/>
+              </a:spcBef>
+              <a:spcAft>
+                <a:spcPct val="0"/>
+              </a:spcAft>
+              <a:defRPr>
+                <a:solidFill>
+                  <a:schemeClr val="tx1"/>
+                </a:solidFill>
+                <a:latin typeface="Calibri" panose="020F0502020204030204" pitchFamily="34" charset="0"/>
+              </a:defRPr>
+            </a:lvl6pPr>
+            <a:lvl7pPr marL="2971800" indent="-228600" eaLnBrk="0" fontAlgn="base" hangingPunct="0">
+              <a:spcBef>
+                <a:spcPct val="0"/>
+              </a:spcBef>
+              <a:spcAft>
+                <a:spcPct val="0"/>
+              </a:spcAft>
+              <a:defRPr>
+                <a:solidFill>
+                  <a:schemeClr val="tx1"/>
+                </a:solidFill>
+                <a:latin typeface="Calibri" panose="020F0502020204030204" pitchFamily="34" charset="0"/>
+              </a:defRPr>
+            </a:lvl7pPr>
+            <a:lvl8pPr marL="3429000" indent="-228600" eaLnBrk="0" fontAlgn="base" hangingPunct="0">
+              <a:spcBef>
+                <a:spcPct val="0"/>
+              </a:spcBef>
+              <a:spcAft>
+                <a:spcPct val="0"/>
+              </a:spcAft>
+              <a:defRPr>
+                <a:solidFill>
+                  <a:schemeClr val="tx1"/>
+                </a:solidFill>
+                <a:latin typeface="Calibri" panose="020F0502020204030204" pitchFamily="34" charset="0"/>
+              </a:defRPr>
+            </a:lvl8pPr>
+            <a:lvl9pPr marL="3886200" indent="-228600" eaLnBrk="0" fontAlgn="base" hangingPunct="0">
+              <a:spcBef>
+                <a:spcPct val="0"/>
+              </a:spcBef>
+              <a:spcAft>
+                <a:spcPct val="0"/>
+              </a:spcAft>
+              <a:defRPr>
+                <a:solidFill>
+                  <a:schemeClr val="tx1"/>
+                </a:solidFill>
+                <a:latin typeface="Calibri" panose="020F0502020204030204" pitchFamily="34" charset="0"/>
+              </a:defRPr>
+            </a:lvl9pPr>
+          </a:lstStyle>
+          <a:p>
+            <a:pPr algn="ctr" eaLnBrk="1" hangingPunct="1"/>
+            <a:r>
+              <a:rPr lang="en-US" altLang="en-US" sz="1200" dirty="0">
+                <a:solidFill>
+                  <a:srgbClr val="000000"/>
+                </a:solidFill>
+                <a:latin typeface="Arial" panose="020B0604020202020204" pitchFamily="34" charset="0"/>
+                <a:cs typeface="Arial" panose="020B0604020202020204" pitchFamily="34" charset="0"/>
+              </a:rPr>
+              <a:t>Meraki branches</a:t>
+            </a:r>
+          </a:p>
+        </p:txBody>
+      </p:sp>
+      <p:cxnSp>
+        <p:nvCxnSpPr>
+          <p:cNvPr id="55" name="Straight Arrow Connector 54">
+            <a:extLst>
+              <a:ext uri="{FF2B5EF4-FFF2-40B4-BE49-F238E27FC236}">
+                <a16:creationId xmlns:a16="http://schemas.microsoft.com/office/drawing/2014/main" id="{CC6442DF-9E73-4F8D-A54F-BA37FD96EB5F}"/>
+              </a:ext>
+            </a:extLst>
+          </p:cNvPr>
+          <p:cNvCxnSpPr>
+            <a:cxnSpLocks/>
+            <a:stCxn id="42" idx="1"/>
+            <a:endCxn id="51" idx="3"/>
+          </p:cNvCxnSpPr>
+          <p:nvPr/>
+        </p:nvCxnSpPr>
+        <p:spPr>
+          <a:xfrm flipH="1">
+            <a:off x="3259150" y="1835188"/>
+            <a:ext cx="3419887" cy="0"/>
+          </a:xfrm>
+          <a:prstGeom prst="straightConnector1">
+            <a:avLst/>
+          </a:prstGeom>
+          <a:ln w="12700">
+            <a:solidFill>
+              <a:schemeClr val="tx2"/>
+            </a:solidFill>
+            <a:headEnd type="arrow" w="med" len="sm"/>
+            <a:tailEnd type="arrow" w="med" len="sm"/>
+          </a:ln>
+        </p:spPr>
+        <p:style>
+          <a:lnRef idx="1">
+            <a:schemeClr val="accent1"/>
+          </a:lnRef>
+          <a:fillRef idx="0">
+            <a:schemeClr val="accent1"/>
+          </a:fillRef>
+          <a:effectRef idx="0">
+            <a:schemeClr val="accent1"/>
+          </a:effectRef>
+          <a:fontRef idx="minor">
+            <a:schemeClr val="tx1"/>
+          </a:fontRef>
+        </p:style>
+      </p:cxnSp>
+      <p:cxnSp>
+        <p:nvCxnSpPr>
+          <p:cNvPr id="59" name="Straight Arrow Connector 58">
+            <a:extLst>
+              <a:ext uri="{FF2B5EF4-FFF2-40B4-BE49-F238E27FC236}">
+                <a16:creationId xmlns:a16="http://schemas.microsoft.com/office/drawing/2014/main" id="{E853EF5F-C9C0-4F47-9F56-166C5A1A637E}"/>
+              </a:ext>
+            </a:extLst>
+          </p:cNvPr>
+          <p:cNvCxnSpPr>
+            <a:cxnSpLocks/>
+            <a:stCxn id="53" idx="3"/>
+            <a:endCxn id="51" idx="1"/>
+          </p:cNvCxnSpPr>
+          <p:nvPr/>
+        </p:nvCxnSpPr>
+        <p:spPr>
+          <a:xfrm>
+            <a:off x="2252938" y="1835188"/>
+            <a:ext cx="536312" cy="0"/>
+          </a:xfrm>
+          <a:prstGeom prst="straightConnector1">
+            <a:avLst/>
+          </a:prstGeom>
+          <a:ln w="12700">
+            <a:solidFill>
+              <a:srgbClr val="545B64"/>
+            </a:solidFill>
+            <a:headEnd type="arrow" w="med" len="sm"/>
+            <a:tailEnd type="arrow" w="med" len="sm"/>
+          </a:ln>
+        </p:spPr>
+        <p:style>
+          <a:lnRef idx="1">
+            <a:schemeClr val="accent1"/>
+          </a:lnRef>
+          <a:fillRef idx="0">
+            <a:schemeClr val="accent1"/>
+          </a:fillRef>
+          <a:effectRef idx="0">
+            <a:schemeClr val="accent1"/>
+          </a:effectRef>
+          <a:fontRef idx="minor">
+            <a:schemeClr val="tx1"/>
+          </a:fontRef>
+        </p:style>
+      </p:cxnSp>
+      <p:pic>
+        <p:nvPicPr>
+          <p:cNvPr id="62" name="Graphic 12">
+            <a:extLst>
+              <a:ext uri="{FF2B5EF4-FFF2-40B4-BE49-F238E27FC236}">
+                <a16:creationId xmlns:a16="http://schemas.microsoft.com/office/drawing/2014/main" id="{5033A691-2E84-4398-AC33-EFEAE7922137}"/>
+              </a:ext>
+            </a:extLst>
+          </p:cNvPr>
+          <p:cNvPicPr>
+            <a:picLocks noChangeAspect="1" noChangeArrowheads="1"/>
+          </p:cNvPicPr>
+          <p:nvPr/>
+        </p:nvPicPr>
+        <p:blipFill>
+          <a:blip r:embed="rId15">
+            <a:extLst>
+              <a:ext uri="{28A0092B-C50C-407E-A947-70E740481C1C}">
+                <a14:useLocalDpi xmlns:a14="http://schemas.microsoft.com/office/drawing/2010/main" val="0"/>
+              </a:ext>
+            </a:extLst>
+          </a:blip>
+          <a:srcRect/>
+          <a:stretch>
+            <a:fillRect/>
+          </a:stretch>
+        </p:blipFill>
+        <p:spPr bwMode="auto">
+          <a:xfrm>
+            <a:off x="11912142" y="1600238"/>
+            <a:ext cx="469900" cy="469900"/>
+          </a:xfrm>
+          <a:prstGeom prst="rect">
+            <a:avLst/>
+          </a:prstGeom>
+          <a:noFill/>
+          <a:ln>
+            <a:noFill/>
+          </a:ln>
+          <a:extLst>
+            <a:ext uri="{909E8E84-426E-40DD-AFC4-6F175D3DCCD1}">
+              <a14:hiddenFill xmlns:a14="http://schemas.microsoft.com/office/drawing/2010/main">
+                <a:solidFill>
+                  <a:srgbClr val="FFFFFF"/>
+                </a:solidFill>
+              </a14:hiddenFill>
+            </a:ext>
+            <a:ext uri="{91240B29-F687-4F45-9708-019B960494DF}">
+              <a14:hiddenLine xmlns:a14="http://schemas.microsoft.com/office/drawing/2010/main" w="9525">
+                <a:solidFill>
+                  <a:srgbClr val="000000"/>
+                </a:solidFill>
+                <a:miter lim="800000"/>
+                <a:headEnd/>
+                <a:tailEnd/>
+              </a14:hiddenLine>
+            </a:ext>
+          </a:extLst>
+        </p:spPr>
+      </p:pic>
+      <p:sp>
+        <p:nvSpPr>
+          <p:cNvPr id="63" name="TextBox 29">
+            <a:extLst>
+              <a:ext uri="{FF2B5EF4-FFF2-40B4-BE49-F238E27FC236}">
+                <a16:creationId xmlns:a16="http://schemas.microsoft.com/office/drawing/2014/main" id="{405A66AD-575C-444F-90E6-B80EB6766D04}"/>
+              </a:ext>
+            </a:extLst>
+          </p:cNvPr>
+          <p:cNvSpPr txBox="1">
+            <a:spLocks noChangeArrowheads="1"/>
+          </p:cNvSpPr>
+          <p:nvPr/>
+        </p:nvSpPr>
+        <p:spPr bwMode="auto">
+          <a:xfrm>
+            <a:off x="11610517" y="2024467"/>
+            <a:ext cx="1073150" cy="461665"/>
+          </a:xfrm>
+          <a:prstGeom prst="rect">
+            <a:avLst/>
+          </a:prstGeom>
+          <a:noFill/>
+          <a:ln>
+            <a:noFill/>
+          </a:ln>
+          <a:extLst>
+            <a:ext uri="{909E8E84-426E-40DD-AFC4-6F175D3DCCD1}">
+              <a14:hiddenFill xmlns:a14="http://schemas.microsoft.com/office/drawing/2010/main">
+                <a:solidFill>
+                  <a:srgbClr val="FFFFFF"/>
+                </a:solidFill>
+              </a14:hiddenFill>
+            </a:ext>
+            <a:ext uri="{91240B29-F687-4F45-9708-019B960494DF}">
+              <a14:hiddenLine xmlns:a14="http://schemas.microsoft.com/office/drawing/2010/main" w="9525">
+                <a:solidFill>
+                  <a:srgbClr val="000000"/>
+                </a:solidFill>
+                <a:miter lim="800000"/>
+                <a:headEnd/>
+                <a:tailEnd/>
+              </a14:hiddenLine>
+            </a:ext>
+          </a:extLst>
+        </p:spPr>
+        <p:txBody>
+          <a:bodyPr>
+            <a:spAutoFit/>
+          </a:bodyPr>
+          <a:lstStyle>
+            <a:lvl1pPr>
+              <a:defRPr>
+                <a:solidFill>
+                  <a:schemeClr val="tx1"/>
+                </a:solidFill>
+                <a:latin typeface="Calibri" panose="020F0502020204030204" pitchFamily="34" charset="0"/>
+              </a:defRPr>
+            </a:lvl1pPr>
+            <a:lvl2pPr marL="742950" indent="-285750">
+              <a:defRPr>
+                <a:solidFill>
+                  <a:schemeClr val="tx1"/>
+                </a:solidFill>
+                <a:latin typeface="Calibri" panose="020F0502020204030204" pitchFamily="34" charset="0"/>
+              </a:defRPr>
+            </a:lvl2pPr>
+            <a:lvl3pPr marL="1143000" indent="-228600">
+              <a:defRPr>
+                <a:solidFill>
+                  <a:schemeClr val="tx1"/>
+                </a:solidFill>
+                <a:latin typeface="Calibri" panose="020F0502020204030204" pitchFamily="34" charset="0"/>
+              </a:defRPr>
+            </a:lvl3pPr>
+            <a:lvl4pPr marL="1600200" indent="-228600">
+              <a:defRPr>
+                <a:solidFill>
+                  <a:schemeClr val="tx1"/>
+                </a:solidFill>
+                <a:latin typeface="Calibri" panose="020F0502020204030204" pitchFamily="34" charset="0"/>
+              </a:defRPr>
+            </a:lvl4pPr>
+            <a:lvl5pPr marL="2057400" indent="-228600">
+              <a:defRPr>
+                <a:solidFill>
+                  <a:schemeClr val="tx1"/>
+                </a:solidFill>
+                <a:latin typeface="Calibri" panose="020F0502020204030204" pitchFamily="34" charset="0"/>
+              </a:defRPr>
+            </a:lvl5pPr>
+            <a:lvl6pPr marL="2514600" indent="-228600" eaLnBrk="0" fontAlgn="base" hangingPunct="0">
+              <a:spcBef>
+                <a:spcPct val="0"/>
+              </a:spcBef>
+              <a:spcAft>
+                <a:spcPct val="0"/>
+              </a:spcAft>
+              <a:defRPr>
+                <a:solidFill>
+                  <a:schemeClr val="tx1"/>
+                </a:solidFill>
+                <a:latin typeface="Calibri" panose="020F0502020204030204" pitchFamily="34" charset="0"/>
+              </a:defRPr>
+            </a:lvl6pPr>
+            <a:lvl7pPr marL="2971800" indent="-228600" eaLnBrk="0" fontAlgn="base" hangingPunct="0">
+              <a:spcBef>
+                <a:spcPct val="0"/>
+              </a:spcBef>
+              <a:spcAft>
+                <a:spcPct val="0"/>
+              </a:spcAft>
+              <a:defRPr>
+                <a:solidFill>
+                  <a:schemeClr val="tx1"/>
+                </a:solidFill>
+                <a:latin typeface="Calibri" panose="020F0502020204030204" pitchFamily="34" charset="0"/>
+              </a:defRPr>
+            </a:lvl7pPr>
+            <a:lvl8pPr marL="3429000" indent="-228600" eaLnBrk="0" fontAlgn="base" hangingPunct="0">
+              <a:spcBef>
+                <a:spcPct val="0"/>
+              </a:spcBef>
+              <a:spcAft>
+                <a:spcPct val="0"/>
+              </a:spcAft>
+              <a:defRPr>
+                <a:solidFill>
+                  <a:schemeClr val="tx1"/>
+                </a:solidFill>
+                <a:latin typeface="Calibri" panose="020F0502020204030204" pitchFamily="34" charset="0"/>
+              </a:defRPr>
+            </a:lvl8pPr>
+            <a:lvl9pPr marL="3886200" indent="-228600" eaLnBrk="0" fontAlgn="base" hangingPunct="0">
+              <a:spcBef>
+                <a:spcPct val="0"/>
+              </a:spcBef>
+              <a:spcAft>
+                <a:spcPct val="0"/>
+              </a:spcAft>
+              <a:defRPr>
+                <a:solidFill>
+                  <a:schemeClr val="tx1"/>
+                </a:solidFill>
+                <a:latin typeface="Calibri" panose="020F0502020204030204" pitchFamily="34" charset="0"/>
+              </a:defRPr>
+            </a:lvl9pPr>
+          </a:lstStyle>
+          <a:p>
+            <a:pPr algn="ctr" eaLnBrk="1" hangingPunct="1"/>
+            <a:r>
+              <a:rPr lang="en-US" altLang="en-US" sz="1200" dirty="0">
+                <a:solidFill>
+                  <a:srgbClr val="000000"/>
+                </a:solidFill>
+                <a:latin typeface="Arial" panose="020B0604020202020204" pitchFamily="34" charset="0"/>
+                <a:cs typeface="Arial" panose="020B0604020202020204" pitchFamily="34" charset="0"/>
+              </a:rPr>
+              <a:t>Meraki dashboard</a:t>
+            </a:r>
+          </a:p>
+        </p:txBody>
+      </p:sp>
+      <p:cxnSp>
+        <p:nvCxnSpPr>
+          <p:cNvPr id="64" name="Straight Arrow Connector 63">
+            <a:extLst>
+              <a:ext uri="{FF2B5EF4-FFF2-40B4-BE49-F238E27FC236}">
+                <a16:creationId xmlns:a16="http://schemas.microsoft.com/office/drawing/2014/main" id="{8A46D6EB-3FD9-4EDE-9B88-626F7BA20F60}"/>
+              </a:ext>
+            </a:extLst>
+          </p:cNvPr>
+          <p:cNvCxnSpPr>
+            <a:cxnSpLocks/>
+            <a:stCxn id="50" idx="3"/>
+            <a:endCxn id="29" idx="1"/>
+          </p:cNvCxnSpPr>
+          <p:nvPr/>
+        </p:nvCxnSpPr>
+        <p:spPr>
+          <a:xfrm>
+            <a:off x="7133668" y="6523945"/>
+            <a:ext cx="1061371" cy="0"/>
+          </a:xfrm>
+          <a:prstGeom prst="straightConnector1">
+            <a:avLst/>
+          </a:prstGeom>
+          <a:ln w="12700">
+            <a:solidFill>
+              <a:srgbClr val="545B64"/>
+            </a:solidFill>
+            <a:headEnd type="none" w="med" len="sm"/>
+            <a:tailEnd type="arrow" w="med" len="sm"/>
+          </a:ln>
+        </p:spPr>
+        <p:style>
+          <a:lnRef idx="1">
+            <a:schemeClr val="accent1"/>
+          </a:lnRef>
+          <a:fillRef idx="0">
+            <a:schemeClr val="accent1"/>
+          </a:fillRef>
+          <a:effectRef idx="0">
+            <a:schemeClr val="accent1"/>
+          </a:effectRef>
+          <a:fontRef idx="minor">
+            <a:schemeClr val="tx1"/>
+          </a:fontRef>
+        </p:style>
+      </p:cxnSp>
+      <p:pic>
+        <p:nvPicPr>
+          <p:cNvPr id="29" name="Graphic 7">
+            <a:extLst>
+              <a:ext uri="{FF2B5EF4-FFF2-40B4-BE49-F238E27FC236}">
+                <a16:creationId xmlns:a16="http://schemas.microsoft.com/office/drawing/2014/main" id="{FA36765F-5CCD-4B68-A868-C72C5D7B719B}"/>
+              </a:ext>
+            </a:extLst>
+          </p:cNvPr>
+          <p:cNvPicPr>
+            <a:picLocks noChangeAspect="1" noChangeArrowheads="1"/>
+          </p:cNvPicPr>
+          <p:nvPr/>
+        </p:nvPicPr>
+        <p:blipFill>
+          <a:blip r:embed="rId17">
+            <a:extLst>
+              <a:ext uri="{28A0092B-C50C-407E-A947-70E740481C1C}">
+                <a14:useLocalDpi xmlns:a14="http://schemas.microsoft.com/office/drawing/2010/main" val="0"/>
+              </a:ext>
+            </a:extLst>
+          </a:blip>
+          <a:srcRect/>
+          <a:stretch>
+            <a:fillRect/>
+          </a:stretch>
+        </p:blipFill>
+        <p:spPr bwMode="auto">
+          <a:xfrm>
+            <a:off x="8195039" y="6181045"/>
+            <a:ext cx="685800" cy="685800"/>
+          </a:xfrm>
+          <a:prstGeom prst="rect">
+            <a:avLst/>
+          </a:prstGeom>
+          <a:noFill/>
+          <a:ln>
+            <a:noFill/>
+          </a:ln>
+          <a:extLst>
+            <a:ext uri="{909E8E84-426E-40DD-AFC4-6F175D3DCCD1}">
+              <a14:hiddenFill xmlns:a14="http://schemas.microsoft.com/office/drawing/2010/main">
+                <a:solidFill>
+                  <a:srgbClr val="FFFFFF"/>
+                </a:solidFill>
+              </a14:hiddenFill>
+            </a:ext>
+            <a:ext uri="{91240B29-F687-4F45-9708-019B960494DF}">
+              <a14:hiddenLine xmlns:a14="http://schemas.microsoft.com/office/drawing/2010/main" w="9525">
+                <a:solidFill>
+                  <a:srgbClr val="000000"/>
+                </a:solidFill>
+                <a:miter lim="800000"/>
+                <a:headEnd/>
+                <a:tailEnd/>
+              </a14:hiddenLine>
+            </a:ext>
+          </a:extLst>
+        </p:spPr>
+      </p:pic>
+      <p:sp>
+        <p:nvSpPr>
+          <p:cNvPr id="30" name="TextBox 9">
+            <a:extLst>
+              <a:ext uri="{FF2B5EF4-FFF2-40B4-BE49-F238E27FC236}">
+                <a16:creationId xmlns:a16="http://schemas.microsoft.com/office/drawing/2014/main" id="{CE85C5B2-97E7-4656-82D7-DBF37A5D7556}"/>
+              </a:ext>
+            </a:extLst>
+          </p:cNvPr>
+          <p:cNvSpPr txBox="1">
+            <a:spLocks noChangeArrowheads="1"/>
+          </p:cNvSpPr>
+          <p:nvPr/>
+        </p:nvSpPr>
+        <p:spPr bwMode="auto">
+          <a:xfrm>
+            <a:off x="7668571" y="6841607"/>
+            <a:ext cx="1698396" cy="276999"/>
+          </a:xfrm>
+          <a:prstGeom prst="rect">
+            <a:avLst/>
+          </a:prstGeom>
+          <a:noFill/>
+          <a:ln>
+            <a:noFill/>
+          </a:ln>
+          <a:extLst>
+            <a:ext uri="{909E8E84-426E-40DD-AFC4-6F175D3DCCD1}">
+              <a14:hiddenFill xmlns:a14="http://schemas.microsoft.com/office/drawing/2010/main">
+                <a:solidFill>
+                  <a:srgbClr val="FFFFFF"/>
+                </a:solidFill>
+              </a14:hiddenFill>
+            </a:ext>
+            <a:ext uri="{91240B29-F687-4F45-9708-019B960494DF}">
+              <a14:hiddenLine xmlns:a14="http://schemas.microsoft.com/office/drawing/2010/main" w="9525">
+                <a:solidFill>
+                  <a:srgbClr val="000000"/>
+                </a:solidFill>
+                <a:miter lim="800000"/>
+                <a:headEnd/>
+                <a:tailEnd/>
+              </a14:hiddenLine>
+            </a:ext>
+          </a:extLst>
+        </p:spPr>
+        <p:txBody>
+          <a:bodyPr wrap="square">
+            <a:spAutoFit/>
+          </a:bodyPr>
+          <a:lstStyle>
+            <a:lvl1pPr>
+              <a:defRPr>
+                <a:solidFill>
+                  <a:schemeClr val="tx1"/>
+                </a:solidFill>
+                <a:latin typeface="Calibri" panose="020F0502020204030204" pitchFamily="34" charset="0"/>
+              </a:defRPr>
+            </a:lvl1pPr>
+            <a:lvl2pPr marL="742950" indent="-285750">
+              <a:defRPr>
+                <a:solidFill>
+                  <a:schemeClr val="tx1"/>
+                </a:solidFill>
+                <a:latin typeface="Calibri" panose="020F0502020204030204" pitchFamily="34" charset="0"/>
+              </a:defRPr>
+            </a:lvl2pPr>
+            <a:lvl3pPr marL="1143000" indent="-228600">
+              <a:defRPr>
+                <a:solidFill>
+                  <a:schemeClr val="tx1"/>
+                </a:solidFill>
+                <a:latin typeface="Calibri" panose="020F0502020204030204" pitchFamily="34" charset="0"/>
+              </a:defRPr>
+            </a:lvl3pPr>
+            <a:lvl4pPr marL="1600200" indent="-228600">
+              <a:defRPr>
+                <a:solidFill>
+                  <a:schemeClr val="tx1"/>
+                </a:solidFill>
+                <a:latin typeface="Calibri" panose="020F0502020204030204" pitchFamily="34" charset="0"/>
+              </a:defRPr>
+            </a:lvl4pPr>
+            <a:lvl5pPr marL="2057400" indent="-228600">
+              <a:defRPr>
+                <a:solidFill>
+                  <a:schemeClr val="tx1"/>
+                </a:solidFill>
+                <a:latin typeface="Calibri" panose="020F0502020204030204" pitchFamily="34" charset="0"/>
+              </a:defRPr>
+            </a:lvl5pPr>
+            <a:lvl6pPr marL="2514600" indent="-228600" eaLnBrk="0" fontAlgn="base" hangingPunct="0">
+              <a:spcBef>
+                <a:spcPct val="0"/>
+              </a:spcBef>
+              <a:spcAft>
+                <a:spcPct val="0"/>
+              </a:spcAft>
+              <a:defRPr>
+                <a:solidFill>
+                  <a:schemeClr val="tx1"/>
+                </a:solidFill>
+                <a:latin typeface="Calibri" panose="020F0502020204030204" pitchFamily="34" charset="0"/>
+              </a:defRPr>
+            </a:lvl6pPr>
+            <a:lvl7pPr marL="2971800" indent="-228600" eaLnBrk="0" fontAlgn="base" hangingPunct="0">
+              <a:spcBef>
+                <a:spcPct val="0"/>
+              </a:spcBef>
+              <a:spcAft>
+                <a:spcPct val="0"/>
+              </a:spcAft>
+              <a:defRPr>
+                <a:solidFill>
+                  <a:schemeClr val="tx1"/>
+                </a:solidFill>
+                <a:latin typeface="Calibri" panose="020F0502020204030204" pitchFamily="34" charset="0"/>
+              </a:defRPr>
+            </a:lvl7pPr>
+            <a:lvl8pPr marL="3429000" indent="-228600" eaLnBrk="0" fontAlgn="base" hangingPunct="0">
+              <a:spcBef>
+                <a:spcPct val="0"/>
+              </a:spcBef>
+              <a:spcAft>
+                <a:spcPct val="0"/>
+              </a:spcAft>
+              <a:defRPr>
+                <a:solidFill>
+                  <a:schemeClr val="tx1"/>
+                </a:solidFill>
+                <a:latin typeface="Calibri" panose="020F0502020204030204" pitchFamily="34" charset="0"/>
+              </a:defRPr>
+            </a:lvl8pPr>
+            <a:lvl9pPr marL="3886200" indent="-228600" eaLnBrk="0" fontAlgn="base" hangingPunct="0">
+              <a:spcBef>
+                <a:spcPct val="0"/>
+              </a:spcBef>
+              <a:spcAft>
+                <a:spcPct val="0"/>
+              </a:spcAft>
+              <a:defRPr>
+                <a:solidFill>
+                  <a:schemeClr val="tx1"/>
+                </a:solidFill>
+                <a:latin typeface="Calibri" panose="020F0502020204030204" pitchFamily="34" charset="0"/>
+              </a:defRPr>
+            </a:lvl9pPr>
+          </a:lstStyle>
+          <a:p>
+            <a:pPr algn="ctr" eaLnBrk="1" hangingPunct="1"/>
+            <a:r>
+              <a:rPr lang="en-US" altLang="en-US" sz="1200" dirty="0">
+                <a:latin typeface="Arial" panose="020B0604020202020204" pitchFamily="34" charset="0"/>
+                <a:ea typeface="Amazon Ember" panose="020B0603020204020204" pitchFamily="34" charset="0"/>
+                <a:cs typeface="Arial" panose="020B0604020202020204" pitchFamily="34" charset="0"/>
+              </a:rPr>
+              <a:t>AWS Transit Gateway</a:t>
+            </a:r>
+          </a:p>
+        </p:txBody>
+      </p:sp>
+      <p:sp>
+        <p:nvSpPr>
+          <p:cNvPr id="49" name="TextBox 26">
+            <a:extLst>
+              <a:ext uri="{FF2B5EF4-FFF2-40B4-BE49-F238E27FC236}">
+                <a16:creationId xmlns:a16="http://schemas.microsoft.com/office/drawing/2014/main" id="{F70419FA-8338-48D3-B5BB-38775FA396CD}"/>
+              </a:ext>
+            </a:extLst>
+          </p:cNvPr>
+          <p:cNvSpPr txBox="1">
+            <a:spLocks noChangeArrowheads="1"/>
+          </p:cNvSpPr>
+          <p:nvPr/>
+        </p:nvSpPr>
+        <p:spPr bwMode="auto">
+          <a:xfrm>
+            <a:off x="6246217" y="6824673"/>
+            <a:ext cx="1313354" cy="461665"/>
+          </a:xfrm>
+          <a:prstGeom prst="rect">
+            <a:avLst/>
+          </a:prstGeom>
+          <a:noFill/>
+          <a:ln>
+            <a:noFill/>
+          </a:ln>
+          <a:extLst>
+            <a:ext uri="{909E8E84-426E-40DD-AFC4-6F175D3DCCD1}">
+              <a14:hiddenFill xmlns:a14="http://schemas.microsoft.com/office/drawing/2010/main">
+                <a:solidFill>
+                  <a:srgbClr val="FFFFFF"/>
+                </a:solidFill>
+              </a14:hiddenFill>
+            </a:ext>
+            <a:ext uri="{91240B29-F687-4F45-9708-019B960494DF}">
+              <a14:hiddenLine xmlns:a14="http://schemas.microsoft.com/office/drawing/2010/main" w="9525">
+                <a:solidFill>
+                  <a:srgbClr val="000000"/>
+                </a:solidFill>
+                <a:miter lim="800000"/>
+                <a:headEnd/>
+                <a:tailEnd/>
+              </a14:hiddenLine>
+            </a:ext>
+          </a:extLst>
+        </p:spPr>
+        <p:txBody>
+          <a:bodyPr wrap="square">
+            <a:spAutoFit/>
+          </a:bodyPr>
+          <a:lstStyle>
+            <a:lvl1pPr>
+              <a:defRPr>
+                <a:solidFill>
+                  <a:schemeClr val="tx1"/>
+                </a:solidFill>
+                <a:latin typeface="Calibri" panose="020F0502020204030204" pitchFamily="34" charset="0"/>
+              </a:defRPr>
+            </a:lvl1pPr>
+            <a:lvl2pPr marL="742950" indent="-285750">
+              <a:defRPr>
+                <a:solidFill>
+                  <a:schemeClr val="tx1"/>
+                </a:solidFill>
+                <a:latin typeface="Calibri" panose="020F0502020204030204" pitchFamily="34" charset="0"/>
+              </a:defRPr>
+            </a:lvl2pPr>
+            <a:lvl3pPr marL="1143000" indent="-228600">
+              <a:defRPr>
+                <a:solidFill>
+                  <a:schemeClr val="tx1"/>
+                </a:solidFill>
+                <a:latin typeface="Calibri" panose="020F0502020204030204" pitchFamily="34" charset="0"/>
+              </a:defRPr>
+            </a:lvl3pPr>
+            <a:lvl4pPr marL="1600200" indent="-228600">
+              <a:defRPr>
+                <a:solidFill>
+                  <a:schemeClr val="tx1"/>
+                </a:solidFill>
+                <a:latin typeface="Calibri" panose="020F0502020204030204" pitchFamily="34" charset="0"/>
+              </a:defRPr>
+            </a:lvl4pPr>
+            <a:lvl5pPr marL="2057400" indent="-228600">
+              <a:defRPr>
+                <a:solidFill>
+                  <a:schemeClr val="tx1"/>
+                </a:solidFill>
+                <a:latin typeface="Calibri" panose="020F0502020204030204" pitchFamily="34" charset="0"/>
+              </a:defRPr>
+            </a:lvl5pPr>
+            <a:lvl6pPr marL="2514600" indent="-228600" eaLnBrk="0" fontAlgn="base" hangingPunct="0">
+              <a:spcBef>
+                <a:spcPct val="0"/>
+              </a:spcBef>
+              <a:spcAft>
+                <a:spcPct val="0"/>
+              </a:spcAft>
+              <a:defRPr>
+                <a:solidFill>
+                  <a:schemeClr val="tx1"/>
+                </a:solidFill>
+                <a:latin typeface="Calibri" panose="020F0502020204030204" pitchFamily="34" charset="0"/>
+              </a:defRPr>
+            </a:lvl6pPr>
+            <a:lvl7pPr marL="2971800" indent="-228600" eaLnBrk="0" fontAlgn="base" hangingPunct="0">
+              <a:spcBef>
+                <a:spcPct val="0"/>
+              </a:spcBef>
+              <a:spcAft>
+                <a:spcPct val="0"/>
+              </a:spcAft>
+              <a:defRPr>
+                <a:solidFill>
+                  <a:schemeClr val="tx1"/>
+                </a:solidFill>
+                <a:latin typeface="Calibri" panose="020F0502020204030204" pitchFamily="34" charset="0"/>
+              </a:defRPr>
+            </a:lvl7pPr>
+            <a:lvl8pPr marL="3429000" indent="-228600" eaLnBrk="0" fontAlgn="base" hangingPunct="0">
+              <a:spcBef>
+                <a:spcPct val="0"/>
+              </a:spcBef>
+              <a:spcAft>
+                <a:spcPct val="0"/>
+              </a:spcAft>
+              <a:defRPr>
+                <a:solidFill>
+                  <a:schemeClr val="tx1"/>
+                </a:solidFill>
+                <a:latin typeface="Calibri" panose="020F0502020204030204" pitchFamily="34" charset="0"/>
+              </a:defRPr>
+            </a:lvl8pPr>
+            <a:lvl9pPr marL="3886200" indent="-228600" eaLnBrk="0" fontAlgn="base" hangingPunct="0">
+              <a:spcBef>
+                <a:spcPct val="0"/>
+              </a:spcBef>
+              <a:spcAft>
+                <a:spcPct val="0"/>
+              </a:spcAft>
+              <a:defRPr>
+                <a:solidFill>
+                  <a:schemeClr val="tx1"/>
+                </a:solidFill>
+                <a:latin typeface="Calibri" panose="020F0502020204030204" pitchFamily="34" charset="0"/>
+              </a:defRPr>
+            </a:lvl9pPr>
+          </a:lstStyle>
+          <a:p>
+            <a:pPr algn="ctr" eaLnBrk="1" hangingPunct="1"/>
+            <a:r>
+              <a:rPr lang="en-US" altLang="en-US" sz="1200" dirty="0">
+                <a:latin typeface="Arial" panose="020B0604020202020204" pitchFamily="34" charset="0"/>
+                <a:ea typeface="Amazon Ember" panose="020B0603020204020204" pitchFamily="34" charset="0"/>
+                <a:cs typeface="Arial" panose="020B0604020202020204" pitchFamily="34" charset="0"/>
+              </a:rPr>
+              <a:t>Transit gateway route table</a:t>
+            </a:r>
+          </a:p>
+        </p:txBody>
+      </p:sp>
+      <p:pic>
+        <p:nvPicPr>
+          <p:cNvPr id="50" name="Graphic 49">
+            <a:extLst>
+              <a:ext uri="{FF2B5EF4-FFF2-40B4-BE49-F238E27FC236}">
+                <a16:creationId xmlns:a16="http://schemas.microsoft.com/office/drawing/2014/main" id="{8637D6BC-5ABF-4346-96D6-BB5AA0CECA49}"/>
+              </a:ext>
+            </a:extLst>
+          </p:cNvPr>
+          <p:cNvPicPr>
+            <a:picLocks noChangeAspect="1" noChangeArrowheads="1"/>
+          </p:cNvPicPr>
+          <p:nvPr/>
+        </p:nvPicPr>
+        <p:blipFill>
+          <a:blip r:embed="rId12">
+            <a:extLst>
+              <a:ext uri="{96DAC541-7B7A-43D3-8B79-37D633B846F1}">
+                <asvg:svgBlip xmlns:asvg="http://schemas.microsoft.com/office/drawing/2016/SVG/main" r:embed="rId13"/>
+              </a:ext>
+            </a:extLst>
+          </a:blip>
+          <a:srcRect/>
+          <a:stretch/>
+        </p:blipFill>
+        <p:spPr bwMode="auto">
+          <a:xfrm>
+            <a:off x="6676468" y="6295345"/>
+            <a:ext cx="457200" cy="457200"/>
+          </a:xfrm>
+          <a:prstGeom prst="rect">
+            <a:avLst/>
+          </a:prstGeom>
+          <a:noFill/>
+          <a:ln>
+            <a:noFill/>
+          </a:ln>
+          <a:extLst>
+            <a:ext uri="{909E8E84-426E-40DD-AFC4-6F175D3DCCD1}">
+              <a14:hiddenFill xmlns:a14="http://schemas.microsoft.com/office/drawing/2010/main">
+                <a:solidFill>
+                  <a:srgbClr val="FFFFFF"/>
+                </a:solidFill>
+              </a14:hiddenFill>
+            </a:ext>
+            <a:ext uri="{91240B29-F687-4F45-9708-019B960494DF}">
+              <a14:hiddenLine xmlns:a14="http://schemas.microsoft.com/office/drawing/2010/main" w="9525">
+                <a:solidFill>
+                  <a:srgbClr val="000000"/>
+                </a:solidFill>
+                <a:miter lim="800000"/>
+                <a:headEnd/>
+                <a:tailEnd/>
+              </a14:hiddenLine>
+            </a:ext>
+          </a:extLst>
+        </p:spPr>
+      </p:pic>
+      <p:grpSp>
+        <p:nvGrpSpPr>
+          <p:cNvPr id="2" name="Group 1">
+            <a:extLst>
+              <a:ext uri="{FF2B5EF4-FFF2-40B4-BE49-F238E27FC236}">
+                <a16:creationId xmlns:a16="http://schemas.microsoft.com/office/drawing/2014/main" id="{D3F56127-BEC7-41C7-8031-EE3A00214E1D}"/>
+              </a:ext>
+            </a:extLst>
+          </p:cNvPr>
+          <p:cNvGrpSpPr/>
+          <p:nvPr/>
+        </p:nvGrpSpPr>
+        <p:grpSpPr>
+          <a:xfrm>
+            <a:off x="5288285" y="2336879"/>
+            <a:ext cx="3266439" cy="1100005"/>
+            <a:chOff x="5288285" y="2336879"/>
+            <a:chExt cx="3266439" cy="1100005"/>
+          </a:xfrm>
+        </p:grpSpPr>
+        <p:sp>
+          <p:nvSpPr>
+            <p:cNvPr id="44" name="Freeform 26">
+              <a:extLst>
+                <a:ext uri="{FF2B5EF4-FFF2-40B4-BE49-F238E27FC236}">
+                  <a16:creationId xmlns:a16="http://schemas.microsoft.com/office/drawing/2014/main" id="{0E035488-ECEA-4FF1-936A-5539C45AA9B9}"/>
+                </a:ext>
+              </a:extLst>
+            </p:cNvPr>
+            <p:cNvSpPr/>
+            <p:nvPr/>
+          </p:nvSpPr>
+          <p:spPr bwMode="auto">
+            <a:xfrm rot="16200000">
+              <a:off x="6692904" y="1575064"/>
+              <a:ext cx="457201" cy="3266439"/>
+            </a:xfrm>
+            <a:custGeom>
+              <a:avLst/>
+              <a:gdLst>
+                <a:gd name="connsiteX0" fmla="*/ 0 w 622300"/>
+                <a:gd name="connsiteY0" fmla="*/ 0 h 1574800"/>
+                <a:gd name="connsiteX1" fmla="*/ 622300 w 622300"/>
+                <a:gd name="connsiteY1" fmla="*/ 0 h 1574800"/>
+                <a:gd name="connsiteX2" fmla="*/ 622300 w 622300"/>
+                <a:gd name="connsiteY2" fmla="*/ 1574800 h 1574800"/>
+                <a:gd name="connsiteX3" fmla="*/ 482600 w 622300"/>
+                <a:gd name="connsiteY3" fmla="*/ 1574800 h 1574800"/>
+                <a:gd name="connsiteX4" fmla="*/ 0 w 622300"/>
+                <a:gd name="connsiteY4" fmla="*/ 1574800 h 1574800"/>
+              </a:gdLst>
+              <a:ahLst/>
+              <a:cxnLst>
+                <a:cxn ang="0">
+                  <a:pos x="connsiteX0" y="connsiteY0"/>
+                </a:cxn>
+                <a:cxn ang="0">
+                  <a:pos x="connsiteX1" y="connsiteY1"/>
+                </a:cxn>
+                <a:cxn ang="0">
+                  <a:pos x="connsiteX2" y="connsiteY2"/>
+                </a:cxn>
+                <a:cxn ang="0">
+                  <a:pos x="connsiteX3" y="connsiteY3"/>
+                </a:cxn>
+                <a:cxn ang="0">
+                  <a:pos x="connsiteX4" y="connsiteY4"/>
+                </a:cxn>
+              </a:cxnLst>
+              <a:rect l="l" t="t" r="r" b="b"/>
+              <a:pathLst>
+                <a:path w="622300" h="1574800">
+                  <a:moveTo>
+                    <a:pt x="0" y="0"/>
+                  </a:moveTo>
+                  <a:lnTo>
+                    <a:pt x="622300" y="0"/>
+                  </a:lnTo>
+                  <a:lnTo>
+                    <a:pt x="622300" y="1574800"/>
+                  </a:lnTo>
+                  <a:lnTo>
+                    <a:pt x="482600" y="1574800"/>
+                  </a:lnTo>
+                  <a:lnTo>
+                    <a:pt x="0" y="1574800"/>
+                  </a:lnTo>
+                </a:path>
+              </a:pathLst>
+            </a:custGeom>
+            <a:noFill/>
+            <a:ln w="12700">
+              <a:solidFill>
+                <a:schemeClr val="tx2"/>
+              </a:solidFill>
+              <a:headEnd type="none" w="med" len="sm"/>
+              <a:tailEnd type="none" w="med" len="sm"/>
+            </a:ln>
+          </p:spPr>
+          <p:style>
+            <a:lnRef idx="2">
+              <a:schemeClr val="accent1">
+                <a:shade val="50000"/>
+              </a:schemeClr>
+            </a:lnRef>
+            <a:fillRef idx="1">
+              <a:schemeClr val="accent1"/>
+            </a:fillRef>
+            <a:effectRef idx="0">
+              <a:schemeClr val="accent1"/>
+            </a:effectRef>
+            <a:fontRef idx="minor">
+              <a:schemeClr val="lt1"/>
+            </a:fontRef>
+          </p:style>
+          <p:txBody>
+            <a:bodyPr anchor="ctr"/>
+            <a:lstStyle/>
+            <a:p>
+              <a:pPr algn="ctr" eaLnBrk="1" fontAlgn="auto" hangingPunct="1">
+                <a:spcBef>
+                  <a:spcPts val="0"/>
+                </a:spcBef>
+                <a:spcAft>
+                  <a:spcPts val="0"/>
+                </a:spcAft>
+                <a:defRPr/>
+              </a:pPr>
+              <a:endParaRPr lang="en-US" dirty="0"/>
+            </a:p>
+          </p:txBody>
+        </p:sp>
+        <p:cxnSp>
+          <p:nvCxnSpPr>
+            <p:cNvPr id="45" name="Straight Arrow Connector 44">
+              <a:extLst>
+                <a:ext uri="{FF2B5EF4-FFF2-40B4-BE49-F238E27FC236}">
+                  <a16:creationId xmlns:a16="http://schemas.microsoft.com/office/drawing/2014/main" id="{BD4EACE2-05AD-4E97-A3A7-0D6A503E1CA4}"/>
+                </a:ext>
+              </a:extLst>
+            </p:cNvPr>
+            <p:cNvCxnSpPr>
+              <a:cxnSpLocks/>
+            </p:cNvCxnSpPr>
+            <p:nvPr/>
+          </p:nvCxnSpPr>
+          <p:spPr bwMode="auto">
+            <a:xfrm flipV="1">
+              <a:off x="6907637" y="2336879"/>
+              <a:ext cx="0" cy="642803"/>
+            </a:xfrm>
+            <a:prstGeom prst="straightConnector1">
+              <a:avLst/>
+            </a:prstGeom>
+            <a:ln w="12700">
+              <a:solidFill>
+                <a:srgbClr val="545B64"/>
+              </a:solidFill>
+              <a:headEnd type="none" w="med" len="sm"/>
+              <a:tailEnd type="arrow" w="med" len="sm"/>
+            </a:ln>
+          </p:spPr>
+          <p:style>
+            <a:lnRef idx="1">
+              <a:schemeClr val="accent1"/>
+            </a:lnRef>
+            <a:fillRef idx="0">
+              <a:schemeClr val="accent1"/>
+            </a:fillRef>
+            <a:effectRef idx="0">
+              <a:schemeClr val="accent1"/>
+            </a:effectRef>
+            <a:fontRef idx="minor">
+              <a:schemeClr val="tx1"/>
+            </a:fontRef>
+          </p:style>
+        </p:cxnSp>
+      </p:grpSp>
+      <p:sp>
+        <p:nvSpPr>
+          <p:cNvPr id="57" name="Freeform 26">
+            <a:extLst>
+              <a:ext uri="{FF2B5EF4-FFF2-40B4-BE49-F238E27FC236}">
+                <a16:creationId xmlns:a16="http://schemas.microsoft.com/office/drawing/2014/main" id="{82D93875-D925-44AB-9CE3-C7F0F67F5C61}"/>
+              </a:ext>
+            </a:extLst>
+          </p:cNvPr>
+          <p:cNvSpPr/>
+          <p:nvPr/>
+        </p:nvSpPr>
+        <p:spPr bwMode="auto">
+          <a:xfrm rot="5400000" flipV="1">
+            <a:off x="6640864" y="4140128"/>
+            <a:ext cx="533545" cy="3266439"/>
+          </a:xfrm>
+          <a:custGeom>
+            <a:avLst/>
+            <a:gdLst>
+              <a:gd name="connsiteX0" fmla="*/ 0 w 622300"/>
+              <a:gd name="connsiteY0" fmla="*/ 0 h 1574800"/>
+              <a:gd name="connsiteX1" fmla="*/ 622300 w 622300"/>
+              <a:gd name="connsiteY1" fmla="*/ 0 h 1574800"/>
+              <a:gd name="connsiteX2" fmla="*/ 622300 w 622300"/>
+              <a:gd name="connsiteY2" fmla="*/ 1574800 h 1574800"/>
+              <a:gd name="connsiteX3" fmla="*/ 482600 w 622300"/>
+              <a:gd name="connsiteY3" fmla="*/ 1574800 h 1574800"/>
+              <a:gd name="connsiteX4" fmla="*/ 0 w 622300"/>
+              <a:gd name="connsiteY4" fmla="*/ 1574800 h 1574800"/>
+            </a:gdLst>
+            <a:ahLst/>
+            <a:cxnLst>
+              <a:cxn ang="0">
+                <a:pos x="connsiteX0" y="connsiteY0"/>
+              </a:cxn>
+              <a:cxn ang="0">
+                <a:pos x="connsiteX1" y="connsiteY1"/>
+              </a:cxn>
+              <a:cxn ang="0">
+                <a:pos x="connsiteX2" y="connsiteY2"/>
+              </a:cxn>
+              <a:cxn ang="0">
+                <a:pos x="connsiteX3" y="connsiteY3"/>
+              </a:cxn>
+              <a:cxn ang="0">
+                <a:pos x="connsiteX4" y="connsiteY4"/>
+              </a:cxn>
+            </a:cxnLst>
+            <a:rect l="l" t="t" r="r" b="b"/>
+            <a:pathLst>
+              <a:path w="622300" h="1574800">
+                <a:moveTo>
+                  <a:pt x="0" y="0"/>
+                </a:moveTo>
+                <a:lnTo>
+                  <a:pt x="622300" y="0"/>
+                </a:lnTo>
+                <a:lnTo>
+                  <a:pt x="622300" y="1574800"/>
+                </a:lnTo>
+                <a:lnTo>
+                  <a:pt x="482600" y="1574800"/>
+                </a:lnTo>
+                <a:lnTo>
+                  <a:pt x="0" y="1574800"/>
+                </a:lnTo>
+              </a:path>
+            </a:pathLst>
+          </a:custGeom>
+          <a:noFill/>
+          <a:ln w="12700">
+            <a:solidFill>
+              <a:schemeClr val="tx2"/>
+            </a:solidFill>
+            <a:headEnd type="arrow" w="med" len="sm"/>
+            <a:tailEnd type="arrow" w="med" len="sm"/>
+          </a:ln>
+        </p:spPr>
+        <p:style>
+          <a:lnRef idx="2">
+            <a:schemeClr val="accent1">
+              <a:shade val="50000"/>
+            </a:schemeClr>
+          </a:lnRef>
+          <a:fillRef idx="1">
+            <a:schemeClr val="accent1"/>
+          </a:fillRef>
+          <a:effectRef idx="0">
+            <a:schemeClr val="accent1"/>
+          </a:effectRef>
+          <a:fontRef idx="minor">
+            <a:schemeClr val="lt1"/>
+          </a:fontRef>
+        </p:style>
+        <p:txBody>
+          <a:bodyPr anchor="ctr"/>
+          <a:lstStyle/>
+          <a:p>
+            <a:pPr algn="ctr" eaLnBrk="1" fontAlgn="auto" hangingPunct="1">
+              <a:spcBef>
+                <a:spcPts val="0"/>
+              </a:spcBef>
+              <a:spcAft>
+                <a:spcPts val="0"/>
+              </a:spcAft>
+              <a:defRPr/>
+            </a:pPr>
+            <a:endParaRPr lang="en-US" dirty="0"/>
+          </a:p>
+        </p:txBody>
+      </p:sp>
+      <p:cxnSp>
+        <p:nvCxnSpPr>
+          <p:cNvPr id="58" name="Straight Arrow Connector 57">
+            <a:extLst>
+              <a:ext uri="{FF2B5EF4-FFF2-40B4-BE49-F238E27FC236}">
+                <a16:creationId xmlns:a16="http://schemas.microsoft.com/office/drawing/2014/main" id="{8E0C84C3-9037-4A77-81C5-26A5DE8753F6}"/>
+              </a:ext>
+            </a:extLst>
+          </p:cNvPr>
+          <p:cNvCxnSpPr>
+            <a:cxnSpLocks/>
+            <a:endCxn id="50" idx="0"/>
+          </p:cNvCxnSpPr>
+          <p:nvPr/>
+        </p:nvCxnSpPr>
+        <p:spPr bwMode="auto">
+          <a:xfrm flipH="1">
+            <a:off x="6905068" y="6040120"/>
+            <a:ext cx="2570" cy="255225"/>
+          </a:xfrm>
+          <a:prstGeom prst="straightConnector1">
+            <a:avLst/>
+          </a:prstGeom>
+          <a:ln w="12700">
+            <a:solidFill>
+              <a:srgbClr val="545B64"/>
+            </a:solidFill>
+            <a:headEnd type="none" w="med" len="sm"/>
+            <a:tailEnd type="arrow" w="med" len="sm"/>
+          </a:ln>
+        </p:spPr>
+        <p:style>
+          <a:lnRef idx="1">
+            <a:schemeClr val="accent1"/>
+          </a:lnRef>
+          <a:fillRef idx="0">
+            <a:schemeClr val="accent1"/>
+          </a:fillRef>
+          <a:effectRef idx="0">
+            <a:schemeClr val="accent1"/>
+          </a:effectRef>
+          <a:fontRef idx="minor">
+            <a:schemeClr val="tx1"/>
+          </a:fontRef>
+        </p:style>
+      </p:cxnSp>
+      <p:pic>
+        <p:nvPicPr>
+          <p:cNvPr id="56" name="Graphic 17">
+            <a:extLst>
+              <a:ext uri="{FF2B5EF4-FFF2-40B4-BE49-F238E27FC236}">
+                <a16:creationId xmlns:a16="http://schemas.microsoft.com/office/drawing/2014/main" id="{B6FFB532-19BF-4FC3-AD23-A68B16D3EB23}"/>
+              </a:ext>
+            </a:extLst>
+          </p:cNvPr>
+          <p:cNvPicPr>
+            <a:picLocks noChangeAspect="1" noChangeArrowheads="1"/>
+          </p:cNvPicPr>
+          <p:nvPr/>
+        </p:nvPicPr>
+        <p:blipFill>
+          <a:blip r:embed="rId18">
+            <a:extLst>
+              <a:ext uri="{28A0092B-C50C-407E-A947-70E740481C1C}">
+                <a14:useLocalDpi xmlns:a14="http://schemas.microsoft.com/office/drawing/2010/main" val="0"/>
+              </a:ext>
+            </a:extLst>
+          </a:blip>
+          <a:srcRect/>
+          <a:stretch>
+            <a:fillRect/>
+          </a:stretch>
+        </p:blipFill>
+        <p:spPr bwMode="auto">
+          <a:xfrm>
+            <a:off x="10464271" y="2639298"/>
+            <a:ext cx="762000" cy="762000"/>
+          </a:xfrm>
+          <a:prstGeom prst="rect">
+            <a:avLst/>
+          </a:prstGeom>
+          <a:noFill/>
+          <a:ln>
+            <a:noFill/>
+          </a:ln>
+          <a:extLst>
+            <a:ext uri="{909E8E84-426E-40DD-AFC4-6F175D3DCCD1}">
+              <a14:hiddenFill xmlns:a14="http://schemas.microsoft.com/office/drawing/2010/main">
+                <a:solidFill>
+                  <a:srgbClr val="FFFFFF"/>
+                </a:solidFill>
+              </a14:hiddenFill>
+            </a:ext>
+            <a:ext uri="{91240B29-F687-4F45-9708-019B960494DF}">
+              <a14:hiddenLine xmlns:a14="http://schemas.microsoft.com/office/drawing/2010/main" w="9525">
+                <a:solidFill>
+                  <a:srgbClr val="000000"/>
+                </a:solidFill>
+                <a:miter lim="800000"/>
+                <a:headEnd/>
+                <a:tailEnd/>
+              </a14:hiddenLine>
+            </a:ext>
+          </a:extLst>
+        </p:spPr>
+      </p:pic>
+      <p:sp>
+        <p:nvSpPr>
+          <p:cNvPr id="60" name="TextBox 9">
+            <a:extLst>
+              <a:ext uri="{FF2B5EF4-FFF2-40B4-BE49-F238E27FC236}">
+                <a16:creationId xmlns:a16="http://schemas.microsoft.com/office/drawing/2014/main" id="{B87BBFC3-B074-49F1-83EE-E5C8BABAE306}"/>
+              </a:ext>
+            </a:extLst>
+          </p:cNvPr>
+          <p:cNvSpPr txBox="1">
+            <a:spLocks noChangeArrowheads="1"/>
+          </p:cNvSpPr>
+          <p:nvPr/>
+        </p:nvSpPr>
+        <p:spPr bwMode="auto">
+          <a:xfrm>
+            <a:off x="10008372" y="3401298"/>
+            <a:ext cx="1673798" cy="276999"/>
+          </a:xfrm>
+          <a:prstGeom prst="rect">
+            <a:avLst/>
+          </a:prstGeom>
+          <a:noFill/>
+          <a:ln>
+            <a:noFill/>
+          </a:ln>
+          <a:extLst>
+            <a:ext uri="{909E8E84-426E-40DD-AFC4-6F175D3DCCD1}">
+              <a14:hiddenFill xmlns:a14="http://schemas.microsoft.com/office/drawing/2010/main">
+                <a:solidFill>
+                  <a:srgbClr val="FFFFFF"/>
+                </a:solidFill>
+              </a14:hiddenFill>
+            </a:ext>
+            <a:ext uri="{91240B29-F687-4F45-9708-019B960494DF}">
+              <a14:hiddenLine xmlns:a14="http://schemas.microsoft.com/office/drawing/2010/main" w="9525">
+                <a:solidFill>
+                  <a:srgbClr val="000000"/>
+                </a:solidFill>
+                <a:miter lim="800000"/>
+                <a:headEnd/>
+                <a:tailEnd/>
+              </a14:hiddenLine>
+            </a:ext>
+          </a:extLst>
+        </p:spPr>
+        <p:txBody>
+          <a:bodyPr wrap="square">
+            <a:spAutoFit/>
+          </a:bodyPr>
+          <a:lstStyle>
+            <a:lvl1pPr>
+              <a:defRPr>
+                <a:solidFill>
+                  <a:schemeClr val="tx1"/>
+                </a:solidFill>
+                <a:latin typeface="Calibri" panose="020F0502020204030204" pitchFamily="34" charset="0"/>
+              </a:defRPr>
+            </a:lvl1pPr>
+            <a:lvl2pPr marL="742950" indent="-285750">
+              <a:defRPr>
+                <a:solidFill>
+                  <a:schemeClr val="tx1"/>
+                </a:solidFill>
+                <a:latin typeface="Calibri" panose="020F0502020204030204" pitchFamily="34" charset="0"/>
+              </a:defRPr>
+            </a:lvl2pPr>
+            <a:lvl3pPr marL="1143000" indent="-228600">
+              <a:defRPr>
+                <a:solidFill>
+                  <a:schemeClr val="tx1"/>
+                </a:solidFill>
+                <a:latin typeface="Calibri" panose="020F0502020204030204" pitchFamily="34" charset="0"/>
+              </a:defRPr>
+            </a:lvl3pPr>
+            <a:lvl4pPr marL="1600200" indent="-228600">
+              <a:defRPr>
+                <a:solidFill>
+                  <a:schemeClr val="tx1"/>
+                </a:solidFill>
+                <a:latin typeface="Calibri" panose="020F0502020204030204" pitchFamily="34" charset="0"/>
+              </a:defRPr>
+            </a:lvl4pPr>
+            <a:lvl5pPr marL="2057400" indent="-228600">
+              <a:defRPr>
+                <a:solidFill>
+                  <a:schemeClr val="tx1"/>
+                </a:solidFill>
+                <a:latin typeface="Calibri" panose="020F0502020204030204" pitchFamily="34" charset="0"/>
+              </a:defRPr>
+            </a:lvl5pPr>
+            <a:lvl6pPr marL="2514600" indent="-228600" eaLnBrk="0" fontAlgn="base" hangingPunct="0">
+              <a:spcBef>
+                <a:spcPct val="0"/>
+              </a:spcBef>
+              <a:spcAft>
+                <a:spcPct val="0"/>
+              </a:spcAft>
+              <a:defRPr>
+                <a:solidFill>
+                  <a:schemeClr val="tx1"/>
+                </a:solidFill>
+                <a:latin typeface="Calibri" panose="020F0502020204030204" pitchFamily="34" charset="0"/>
+              </a:defRPr>
+            </a:lvl6pPr>
+            <a:lvl7pPr marL="2971800" indent="-228600" eaLnBrk="0" fontAlgn="base" hangingPunct="0">
+              <a:spcBef>
+                <a:spcPct val="0"/>
+              </a:spcBef>
+              <a:spcAft>
+                <a:spcPct val="0"/>
+              </a:spcAft>
+              <a:defRPr>
+                <a:solidFill>
+                  <a:schemeClr val="tx1"/>
+                </a:solidFill>
+                <a:latin typeface="Calibri" panose="020F0502020204030204" pitchFamily="34" charset="0"/>
+              </a:defRPr>
+            </a:lvl7pPr>
+            <a:lvl8pPr marL="3429000" indent="-228600" eaLnBrk="0" fontAlgn="base" hangingPunct="0">
+              <a:spcBef>
+                <a:spcPct val="0"/>
+              </a:spcBef>
+              <a:spcAft>
+                <a:spcPct val="0"/>
+              </a:spcAft>
+              <a:defRPr>
+                <a:solidFill>
+                  <a:schemeClr val="tx1"/>
+                </a:solidFill>
+                <a:latin typeface="Calibri" panose="020F0502020204030204" pitchFamily="34" charset="0"/>
+              </a:defRPr>
+            </a:lvl8pPr>
+            <a:lvl9pPr marL="3886200" indent="-228600" eaLnBrk="0" fontAlgn="base" hangingPunct="0">
+              <a:spcBef>
+                <a:spcPct val="0"/>
+              </a:spcBef>
+              <a:spcAft>
+                <a:spcPct val="0"/>
+              </a:spcAft>
+              <a:defRPr>
+                <a:solidFill>
+                  <a:schemeClr val="tx1"/>
+                </a:solidFill>
+                <a:latin typeface="Calibri" panose="020F0502020204030204" pitchFamily="34" charset="0"/>
+              </a:defRPr>
+            </a:lvl9pPr>
+          </a:lstStyle>
+          <a:p>
+            <a:pPr algn="ctr" eaLnBrk="1" hangingPunct="1"/>
+            <a:r>
+              <a:rPr lang="en-US" altLang="en-US" sz="1200" dirty="0">
+                <a:latin typeface="Arial" panose="020B0604020202020204" pitchFamily="34" charset="0"/>
+                <a:ea typeface="Amazon Ember" panose="020B0603020204020204" pitchFamily="34" charset="0"/>
+                <a:cs typeface="Arial" panose="020B0604020202020204" pitchFamily="34" charset="0"/>
+              </a:rPr>
+              <a:t>Amazon CloudWatch</a:t>
+            </a:r>
+          </a:p>
+        </p:txBody>
+      </p:sp>
+      <p:pic>
+        <p:nvPicPr>
+          <p:cNvPr id="61" name="Graphic 10">
+            <a:extLst>
+              <a:ext uri="{FF2B5EF4-FFF2-40B4-BE49-F238E27FC236}">
+                <a16:creationId xmlns:a16="http://schemas.microsoft.com/office/drawing/2014/main" id="{233F75A2-0117-4AB3-8AE0-F34E4E2763BA}"/>
+              </a:ext>
+            </a:extLst>
+          </p:cNvPr>
+          <p:cNvPicPr>
+            <a:picLocks noChangeAspect="1" noChangeArrowheads="1"/>
+          </p:cNvPicPr>
+          <p:nvPr/>
+        </p:nvPicPr>
+        <p:blipFill>
+          <a:blip r:embed="rId19">
+            <a:extLst>
+              <a:ext uri="{28A0092B-C50C-407E-A947-70E740481C1C}">
+                <a14:useLocalDpi xmlns:a14="http://schemas.microsoft.com/office/drawing/2010/main" val="0"/>
+              </a:ext>
+            </a:extLst>
+          </a:blip>
+          <a:srcRect/>
+          <a:stretch>
+            <a:fillRect/>
+          </a:stretch>
+        </p:blipFill>
+        <p:spPr bwMode="auto">
+          <a:xfrm>
+            <a:off x="10464271" y="3828908"/>
+            <a:ext cx="762000" cy="762000"/>
+          </a:xfrm>
+          <a:prstGeom prst="rect">
+            <a:avLst/>
+          </a:prstGeom>
+          <a:noFill/>
+          <a:ln>
+            <a:noFill/>
+          </a:ln>
+          <a:extLst>
+            <a:ext uri="{909E8E84-426E-40DD-AFC4-6F175D3DCCD1}">
+              <a14:hiddenFill xmlns:a14="http://schemas.microsoft.com/office/drawing/2010/main">
+                <a:solidFill>
+                  <a:srgbClr val="FFFFFF"/>
+                </a:solidFill>
+              </a14:hiddenFill>
+            </a:ext>
+            <a:ext uri="{91240B29-F687-4F45-9708-019B960494DF}">
+              <a14:hiddenLine xmlns:a14="http://schemas.microsoft.com/office/drawing/2010/main" w="9525">
+                <a:solidFill>
+                  <a:srgbClr val="000000"/>
+                </a:solidFill>
+                <a:miter lim="800000"/>
+                <a:headEnd/>
+                <a:tailEnd/>
+              </a14:hiddenLine>
+            </a:ext>
+          </a:extLst>
+        </p:spPr>
+      </p:pic>
+      <p:sp>
+        <p:nvSpPr>
+          <p:cNvPr id="65" name="TextBox 20">
+            <a:extLst>
+              <a:ext uri="{FF2B5EF4-FFF2-40B4-BE49-F238E27FC236}">
+                <a16:creationId xmlns:a16="http://schemas.microsoft.com/office/drawing/2014/main" id="{DBC21121-9A55-4931-B33C-EAA011710920}"/>
+              </a:ext>
+            </a:extLst>
+          </p:cNvPr>
+          <p:cNvSpPr txBox="1">
+            <a:spLocks noChangeArrowheads="1"/>
+          </p:cNvSpPr>
+          <p:nvPr/>
+        </p:nvSpPr>
+        <p:spPr bwMode="auto">
+          <a:xfrm>
+            <a:off x="10246517" y="4590114"/>
+            <a:ext cx="1197509" cy="276999"/>
+          </a:xfrm>
+          <a:prstGeom prst="rect">
+            <a:avLst/>
+          </a:prstGeom>
+          <a:noFill/>
+          <a:ln>
+            <a:noFill/>
+          </a:ln>
+          <a:extLst>
+            <a:ext uri="{909E8E84-426E-40DD-AFC4-6F175D3DCCD1}">
+              <a14:hiddenFill xmlns:a14="http://schemas.microsoft.com/office/drawing/2010/main">
+                <a:solidFill>
+                  <a:srgbClr val="FFFFFF"/>
+                </a:solidFill>
+              </a14:hiddenFill>
+            </a:ext>
+            <a:ext uri="{91240B29-F687-4F45-9708-019B960494DF}">
+              <a14:hiddenLine xmlns:a14="http://schemas.microsoft.com/office/drawing/2010/main" w="9525">
+                <a:solidFill>
+                  <a:srgbClr val="000000"/>
+                </a:solidFill>
+                <a:miter lim="800000"/>
+                <a:headEnd/>
+                <a:tailEnd/>
+              </a14:hiddenLine>
+            </a:ext>
+          </a:extLst>
+        </p:spPr>
+        <p:txBody>
+          <a:bodyPr wrap="square">
+            <a:spAutoFit/>
+          </a:bodyPr>
+          <a:lstStyle>
+            <a:lvl1pPr>
+              <a:defRPr>
+                <a:solidFill>
+                  <a:schemeClr val="tx1"/>
+                </a:solidFill>
+                <a:latin typeface="Calibri" panose="020F0502020204030204" pitchFamily="34" charset="0"/>
+              </a:defRPr>
+            </a:lvl1pPr>
+            <a:lvl2pPr marL="742950" indent="-285750">
+              <a:defRPr>
+                <a:solidFill>
+                  <a:schemeClr val="tx1"/>
+                </a:solidFill>
+                <a:latin typeface="Calibri" panose="020F0502020204030204" pitchFamily="34" charset="0"/>
+              </a:defRPr>
+            </a:lvl2pPr>
+            <a:lvl3pPr marL="1143000" indent="-228600">
+              <a:defRPr>
+                <a:solidFill>
+                  <a:schemeClr val="tx1"/>
+                </a:solidFill>
+                <a:latin typeface="Calibri" panose="020F0502020204030204" pitchFamily="34" charset="0"/>
+              </a:defRPr>
+            </a:lvl3pPr>
+            <a:lvl4pPr marL="1600200" indent="-228600">
+              <a:defRPr>
+                <a:solidFill>
+                  <a:schemeClr val="tx1"/>
+                </a:solidFill>
+                <a:latin typeface="Calibri" panose="020F0502020204030204" pitchFamily="34" charset="0"/>
+              </a:defRPr>
+            </a:lvl4pPr>
+            <a:lvl5pPr marL="2057400" indent="-228600">
+              <a:defRPr>
+                <a:solidFill>
+                  <a:schemeClr val="tx1"/>
+                </a:solidFill>
+                <a:latin typeface="Calibri" panose="020F0502020204030204" pitchFamily="34" charset="0"/>
+              </a:defRPr>
+            </a:lvl5pPr>
+            <a:lvl6pPr marL="2514600" indent="-228600" eaLnBrk="0" fontAlgn="base" hangingPunct="0">
+              <a:spcBef>
+                <a:spcPct val="0"/>
+              </a:spcBef>
+              <a:spcAft>
+                <a:spcPct val="0"/>
+              </a:spcAft>
+              <a:defRPr>
+                <a:solidFill>
+                  <a:schemeClr val="tx1"/>
+                </a:solidFill>
+                <a:latin typeface="Calibri" panose="020F0502020204030204" pitchFamily="34" charset="0"/>
+              </a:defRPr>
+            </a:lvl6pPr>
+            <a:lvl7pPr marL="2971800" indent="-228600" eaLnBrk="0" fontAlgn="base" hangingPunct="0">
+              <a:spcBef>
+                <a:spcPct val="0"/>
+              </a:spcBef>
+              <a:spcAft>
+                <a:spcPct val="0"/>
+              </a:spcAft>
+              <a:defRPr>
+                <a:solidFill>
+                  <a:schemeClr val="tx1"/>
+                </a:solidFill>
+                <a:latin typeface="Calibri" panose="020F0502020204030204" pitchFamily="34" charset="0"/>
+              </a:defRPr>
+            </a:lvl7pPr>
+            <a:lvl8pPr marL="3429000" indent="-228600" eaLnBrk="0" fontAlgn="base" hangingPunct="0">
+              <a:spcBef>
+                <a:spcPct val="0"/>
+              </a:spcBef>
+              <a:spcAft>
+                <a:spcPct val="0"/>
+              </a:spcAft>
+              <a:defRPr>
+                <a:solidFill>
+                  <a:schemeClr val="tx1"/>
+                </a:solidFill>
+                <a:latin typeface="Calibri" panose="020F0502020204030204" pitchFamily="34" charset="0"/>
+              </a:defRPr>
+            </a:lvl8pPr>
+            <a:lvl9pPr marL="3886200" indent="-228600" eaLnBrk="0" fontAlgn="base" hangingPunct="0">
+              <a:spcBef>
+                <a:spcPct val="0"/>
+              </a:spcBef>
+              <a:spcAft>
+                <a:spcPct val="0"/>
+              </a:spcAft>
+              <a:defRPr>
+                <a:solidFill>
+                  <a:schemeClr val="tx1"/>
+                </a:solidFill>
+                <a:latin typeface="Calibri" panose="020F0502020204030204" pitchFamily="34" charset="0"/>
+              </a:defRPr>
+            </a:lvl9pPr>
+          </a:lstStyle>
+          <a:p>
+            <a:pPr algn="ctr" eaLnBrk="1" hangingPunct="1"/>
+            <a:r>
+              <a:rPr lang="en-US" altLang="en-US" sz="1200" dirty="0">
+                <a:latin typeface="Arial" panose="020B0604020202020204" pitchFamily="34" charset="0"/>
+                <a:ea typeface="Amazon Ember" panose="020B0603020204020204" pitchFamily="34" charset="0"/>
+                <a:cs typeface="Arial" panose="020B0604020202020204" pitchFamily="34" charset="0"/>
+              </a:rPr>
+              <a:t>AWS Lambda</a:t>
+            </a:r>
+          </a:p>
+        </p:txBody>
+      </p:sp>
+      <p:pic>
+        <p:nvPicPr>
+          <p:cNvPr id="66" name="Graphic 17">
+            <a:extLst>
+              <a:ext uri="{FF2B5EF4-FFF2-40B4-BE49-F238E27FC236}">
+                <a16:creationId xmlns:a16="http://schemas.microsoft.com/office/drawing/2014/main" id="{BC0300FC-E024-41BB-AFC6-FC2C4AA902C3}"/>
+              </a:ext>
+            </a:extLst>
+          </p:cNvPr>
+          <p:cNvPicPr>
+            <a:picLocks noChangeAspect="1" noChangeArrowheads="1"/>
+          </p:cNvPicPr>
+          <p:nvPr/>
+        </p:nvPicPr>
+        <p:blipFill>
+          <a:blip r:embed="rId20">
+            <a:extLst>
+              <a:ext uri="{28A0092B-C50C-407E-A947-70E740481C1C}">
+                <a14:useLocalDpi xmlns:a14="http://schemas.microsoft.com/office/drawing/2010/main" val="0"/>
+              </a:ext>
+            </a:extLst>
+          </a:blip>
+          <a:srcRect/>
+          <a:stretch>
+            <a:fillRect/>
+          </a:stretch>
+        </p:blipFill>
+        <p:spPr bwMode="auto">
+          <a:xfrm>
+            <a:off x="10464271" y="5004968"/>
+            <a:ext cx="762000" cy="762000"/>
+          </a:xfrm>
+          <a:prstGeom prst="rect">
+            <a:avLst/>
+          </a:prstGeom>
+          <a:noFill/>
+          <a:ln>
+            <a:noFill/>
+          </a:ln>
+          <a:extLst>
+            <a:ext uri="{909E8E84-426E-40DD-AFC4-6F175D3DCCD1}">
+              <a14:hiddenFill xmlns:a14="http://schemas.microsoft.com/office/drawing/2010/main">
+                <a:solidFill>
+                  <a:srgbClr val="FFFFFF"/>
+                </a:solidFill>
+              </a14:hiddenFill>
+            </a:ext>
+            <a:ext uri="{91240B29-F687-4F45-9708-019B960494DF}">
+              <a14:hiddenLine xmlns:a14="http://schemas.microsoft.com/office/drawing/2010/main" w="9525">
+                <a:solidFill>
+                  <a:srgbClr val="000000"/>
+                </a:solidFill>
+                <a:miter lim="800000"/>
+                <a:headEnd/>
+                <a:tailEnd/>
+              </a14:hiddenLine>
+            </a:ext>
+          </a:extLst>
+        </p:spPr>
+      </p:pic>
+      <p:sp>
+        <p:nvSpPr>
+          <p:cNvPr id="67" name="TextBox 11">
+            <a:extLst>
+              <a:ext uri="{FF2B5EF4-FFF2-40B4-BE49-F238E27FC236}">
+                <a16:creationId xmlns:a16="http://schemas.microsoft.com/office/drawing/2014/main" id="{FD1D347C-607E-4FB7-8D90-08EFA4B926DB}"/>
+              </a:ext>
+            </a:extLst>
+          </p:cNvPr>
+          <p:cNvSpPr txBox="1">
+            <a:spLocks noChangeArrowheads="1"/>
+          </p:cNvSpPr>
+          <p:nvPr/>
+        </p:nvSpPr>
+        <p:spPr bwMode="auto">
+          <a:xfrm>
+            <a:off x="9971511" y="5766968"/>
+            <a:ext cx="1747520" cy="276999"/>
+          </a:xfrm>
+          <a:prstGeom prst="rect">
+            <a:avLst/>
+          </a:prstGeom>
+          <a:noFill/>
+          <a:ln>
+            <a:noFill/>
+          </a:ln>
+          <a:extLst>
+            <a:ext uri="{909E8E84-426E-40DD-AFC4-6F175D3DCCD1}">
+              <a14:hiddenFill xmlns:a14="http://schemas.microsoft.com/office/drawing/2010/main">
+                <a:solidFill>
+                  <a:srgbClr val="FFFFFF"/>
+                </a:solidFill>
+              </a14:hiddenFill>
+            </a:ext>
+            <a:ext uri="{91240B29-F687-4F45-9708-019B960494DF}">
+              <a14:hiddenLine xmlns:a14="http://schemas.microsoft.com/office/drawing/2010/main" w="9525">
+                <a:solidFill>
+                  <a:srgbClr val="000000"/>
+                </a:solidFill>
+                <a:miter lim="800000"/>
+                <a:headEnd/>
+                <a:tailEnd/>
+              </a14:hiddenLine>
+            </a:ext>
+          </a:extLst>
+        </p:spPr>
+        <p:txBody>
+          <a:bodyPr wrap="square">
+            <a:spAutoFit/>
+          </a:bodyPr>
+          <a:lstStyle>
+            <a:lvl1pPr>
+              <a:defRPr>
+                <a:solidFill>
+                  <a:schemeClr val="tx1"/>
+                </a:solidFill>
+                <a:latin typeface="Calibri" panose="020F0502020204030204" pitchFamily="34" charset="0"/>
+              </a:defRPr>
+            </a:lvl1pPr>
+            <a:lvl2pPr marL="742950" indent="-285750">
+              <a:defRPr>
+                <a:solidFill>
+                  <a:schemeClr val="tx1"/>
+                </a:solidFill>
+                <a:latin typeface="Calibri" panose="020F0502020204030204" pitchFamily="34" charset="0"/>
+              </a:defRPr>
+            </a:lvl2pPr>
+            <a:lvl3pPr marL="1143000" indent="-228600">
+              <a:defRPr>
+                <a:solidFill>
+                  <a:schemeClr val="tx1"/>
+                </a:solidFill>
+                <a:latin typeface="Calibri" panose="020F0502020204030204" pitchFamily="34" charset="0"/>
+              </a:defRPr>
+            </a:lvl3pPr>
+            <a:lvl4pPr marL="1600200" indent="-228600">
+              <a:defRPr>
+                <a:solidFill>
+                  <a:schemeClr val="tx1"/>
+                </a:solidFill>
+                <a:latin typeface="Calibri" panose="020F0502020204030204" pitchFamily="34" charset="0"/>
+              </a:defRPr>
+            </a:lvl4pPr>
+            <a:lvl5pPr marL="2057400" indent="-228600">
+              <a:defRPr>
+                <a:solidFill>
+                  <a:schemeClr val="tx1"/>
+                </a:solidFill>
+                <a:latin typeface="Calibri" panose="020F0502020204030204" pitchFamily="34" charset="0"/>
+              </a:defRPr>
+            </a:lvl5pPr>
+            <a:lvl6pPr marL="2514600" indent="-228600" eaLnBrk="0" fontAlgn="base" hangingPunct="0">
+              <a:spcBef>
+                <a:spcPct val="0"/>
+              </a:spcBef>
+              <a:spcAft>
+                <a:spcPct val="0"/>
+              </a:spcAft>
+              <a:defRPr>
+                <a:solidFill>
+                  <a:schemeClr val="tx1"/>
+                </a:solidFill>
+                <a:latin typeface="Calibri" panose="020F0502020204030204" pitchFamily="34" charset="0"/>
+              </a:defRPr>
+            </a:lvl6pPr>
+            <a:lvl7pPr marL="2971800" indent="-228600" eaLnBrk="0" fontAlgn="base" hangingPunct="0">
+              <a:spcBef>
+                <a:spcPct val="0"/>
+              </a:spcBef>
+              <a:spcAft>
+                <a:spcPct val="0"/>
+              </a:spcAft>
+              <a:defRPr>
+                <a:solidFill>
+                  <a:schemeClr val="tx1"/>
+                </a:solidFill>
+                <a:latin typeface="Calibri" panose="020F0502020204030204" pitchFamily="34" charset="0"/>
+              </a:defRPr>
+            </a:lvl7pPr>
+            <a:lvl8pPr marL="3429000" indent="-228600" eaLnBrk="0" fontAlgn="base" hangingPunct="0">
+              <a:spcBef>
+                <a:spcPct val="0"/>
+              </a:spcBef>
+              <a:spcAft>
+                <a:spcPct val="0"/>
+              </a:spcAft>
+              <a:defRPr>
+                <a:solidFill>
+                  <a:schemeClr val="tx1"/>
+                </a:solidFill>
+                <a:latin typeface="Calibri" panose="020F0502020204030204" pitchFamily="34" charset="0"/>
+              </a:defRPr>
+            </a:lvl8pPr>
+            <a:lvl9pPr marL="3886200" indent="-228600" eaLnBrk="0" fontAlgn="base" hangingPunct="0">
+              <a:spcBef>
+                <a:spcPct val="0"/>
+              </a:spcBef>
+              <a:spcAft>
+                <a:spcPct val="0"/>
+              </a:spcAft>
+              <a:defRPr>
+                <a:solidFill>
+                  <a:schemeClr val="tx1"/>
+                </a:solidFill>
+                <a:latin typeface="Calibri" panose="020F0502020204030204" pitchFamily="34" charset="0"/>
+              </a:defRPr>
+            </a:lvl9pPr>
+          </a:lstStyle>
+          <a:p>
+            <a:pPr algn="ctr" eaLnBrk="1" hangingPunct="1"/>
+            <a:r>
+              <a:rPr lang="en-US" altLang="en-US" sz="1200" dirty="0">
+                <a:latin typeface="Arial" panose="020B0604020202020204" pitchFamily="34" charset="0"/>
+                <a:ea typeface="Amazon Ember" panose="020B0603020204020204" pitchFamily="34" charset="0"/>
+                <a:cs typeface="Arial" panose="020B0604020202020204" pitchFamily="34" charset="0"/>
+              </a:rPr>
+              <a:t>AWS Secrets Manager</a:t>
+            </a:r>
+          </a:p>
+        </p:txBody>
+      </p:sp>
+      <p:cxnSp>
+        <p:nvCxnSpPr>
+          <p:cNvPr id="68" name="Straight Arrow Connector 67">
+            <a:extLst>
+              <a:ext uri="{FF2B5EF4-FFF2-40B4-BE49-F238E27FC236}">
+                <a16:creationId xmlns:a16="http://schemas.microsoft.com/office/drawing/2014/main" id="{8E27ECE7-C235-47B5-9556-2FC9683FBDB1}"/>
+              </a:ext>
+            </a:extLst>
+          </p:cNvPr>
+          <p:cNvCxnSpPr>
+            <a:cxnSpLocks/>
+            <a:stCxn id="42" idx="3"/>
+            <a:endCxn id="62" idx="1"/>
+          </p:cNvCxnSpPr>
+          <p:nvPr/>
+        </p:nvCxnSpPr>
+        <p:spPr>
+          <a:xfrm>
+            <a:off x="7136237" y="1835188"/>
+            <a:ext cx="4775905" cy="0"/>
+          </a:xfrm>
+          <a:prstGeom prst="straightConnector1">
+            <a:avLst/>
+          </a:prstGeom>
+          <a:ln w="12700">
+            <a:solidFill>
+              <a:srgbClr val="545B64"/>
+            </a:solidFill>
+            <a:headEnd type="arrow" w="med" len="sm"/>
+            <a:tailEnd type="arrow" w="med" len="sm"/>
+          </a:ln>
+        </p:spPr>
+        <p:style>
+          <a:lnRef idx="1">
+            <a:schemeClr val="accent1"/>
+          </a:lnRef>
+          <a:fillRef idx="0">
+            <a:schemeClr val="accent1"/>
+          </a:fillRef>
+          <a:effectRef idx="0">
+            <a:schemeClr val="accent1"/>
+          </a:effectRef>
+          <a:fontRef idx="minor">
+            <a:schemeClr val="tx1"/>
+          </a:fontRef>
+        </p:style>
+      </p:cxnSp>
+      <p:sp>
+        <p:nvSpPr>
+          <p:cNvPr id="76" name="TextBox 29">
+            <a:extLst>
+              <a:ext uri="{FF2B5EF4-FFF2-40B4-BE49-F238E27FC236}">
+                <a16:creationId xmlns:a16="http://schemas.microsoft.com/office/drawing/2014/main" id="{A9F08960-A8C7-4B4B-8E61-ECFC757B1F2A}"/>
+              </a:ext>
+            </a:extLst>
+          </p:cNvPr>
+          <p:cNvSpPr txBox="1">
+            <a:spLocks noChangeArrowheads="1"/>
+          </p:cNvSpPr>
+          <p:nvPr/>
+        </p:nvSpPr>
+        <p:spPr bwMode="auto">
+          <a:xfrm>
+            <a:off x="7859272" y="7592037"/>
+            <a:ext cx="1321268" cy="276999"/>
+          </a:xfrm>
+          <a:prstGeom prst="rect">
+            <a:avLst/>
+          </a:prstGeom>
+          <a:noFill/>
+          <a:ln>
+            <a:noFill/>
+          </a:ln>
+          <a:extLst>
+            <a:ext uri="{909E8E84-426E-40DD-AFC4-6F175D3DCCD1}">
+              <a14:hiddenFill xmlns:a14="http://schemas.microsoft.com/office/drawing/2010/main">
+                <a:solidFill>
+                  <a:srgbClr val="FFFFFF"/>
+                </a:solidFill>
+              </a14:hiddenFill>
+            </a:ext>
+            <a:ext uri="{91240B29-F687-4F45-9708-019B960494DF}">
+              <a14:hiddenLine xmlns:a14="http://schemas.microsoft.com/office/drawing/2010/main" w="9525">
+                <a:solidFill>
+                  <a:srgbClr val="000000"/>
+                </a:solidFill>
+                <a:miter lim="800000"/>
+                <a:headEnd/>
+                <a:tailEnd/>
+              </a14:hiddenLine>
+            </a:ext>
+          </a:extLst>
+        </p:spPr>
+        <p:txBody>
+          <a:bodyPr wrap="square">
+            <a:spAutoFit/>
+          </a:bodyPr>
+          <a:lstStyle>
+            <a:lvl1pPr>
+              <a:defRPr>
+                <a:solidFill>
+                  <a:schemeClr val="tx1"/>
+                </a:solidFill>
+                <a:latin typeface="Calibri" panose="020F0502020204030204" pitchFamily="34" charset="0"/>
+              </a:defRPr>
+            </a:lvl1pPr>
+            <a:lvl2pPr marL="742950" indent="-285750">
+              <a:defRPr>
+                <a:solidFill>
+                  <a:schemeClr val="tx1"/>
+                </a:solidFill>
+                <a:latin typeface="Calibri" panose="020F0502020204030204" pitchFamily="34" charset="0"/>
+              </a:defRPr>
+            </a:lvl2pPr>
+            <a:lvl3pPr marL="1143000" indent="-228600">
+              <a:defRPr>
+                <a:solidFill>
+                  <a:schemeClr val="tx1"/>
+                </a:solidFill>
+                <a:latin typeface="Calibri" panose="020F0502020204030204" pitchFamily="34" charset="0"/>
+              </a:defRPr>
+            </a:lvl3pPr>
+            <a:lvl4pPr marL="1600200" indent="-228600">
+              <a:defRPr>
+                <a:solidFill>
+                  <a:schemeClr val="tx1"/>
+                </a:solidFill>
+                <a:latin typeface="Calibri" panose="020F0502020204030204" pitchFamily="34" charset="0"/>
+              </a:defRPr>
+            </a:lvl4pPr>
+            <a:lvl5pPr marL="2057400" indent="-228600">
+              <a:defRPr>
+                <a:solidFill>
+                  <a:schemeClr val="tx1"/>
+                </a:solidFill>
+                <a:latin typeface="Calibri" panose="020F0502020204030204" pitchFamily="34" charset="0"/>
+              </a:defRPr>
+            </a:lvl5pPr>
+            <a:lvl6pPr marL="2514600" indent="-228600" eaLnBrk="0" fontAlgn="base" hangingPunct="0">
+              <a:spcBef>
+                <a:spcPct val="0"/>
+              </a:spcBef>
+              <a:spcAft>
+                <a:spcPct val="0"/>
+              </a:spcAft>
+              <a:defRPr>
+                <a:solidFill>
+                  <a:schemeClr val="tx1"/>
+                </a:solidFill>
+                <a:latin typeface="Calibri" panose="020F0502020204030204" pitchFamily="34" charset="0"/>
+              </a:defRPr>
+            </a:lvl6pPr>
+            <a:lvl7pPr marL="2971800" indent="-228600" eaLnBrk="0" fontAlgn="base" hangingPunct="0">
+              <a:spcBef>
+                <a:spcPct val="0"/>
+              </a:spcBef>
+              <a:spcAft>
+                <a:spcPct val="0"/>
+              </a:spcAft>
+              <a:defRPr>
+                <a:solidFill>
+                  <a:schemeClr val="tx1"/>
+                </a:solidFill>
+                <a:latin typeface="Calibri" panose="020F0502020204030204" pitchFamily="34" charset="0"/>
+              </a:defRPr>
+            </a:lvl7pPr>
+            <a:lvl8pPr marL="3429000" indent="-228600" eaLnBrk="0" fontAlgn="base" hangingPunct="0">
+              <a:spcBef>
+                <a:spcPct val="0"/>
+              </a:spcBef>
+              <a:spcAft>
+                <a:spcPct val="0"/>
+              </a:spcAft>
+              <a:defRPr>
+                <a:solidFill>
+                  <a:schemeClr val="tx1"/>
+                </a:solidFill>
+                <a:latin typeface="Calibri" panose="020F0502020204030204" pitchFamily="34" charset="0"/>
+              </a:defRPr>
+            </a:lvl8pPr>
+            <a:lvl9pPr marL="3886200" indent="-228600" eaLnBrk="0" fontAlgn="base" hangingPunct="0">
+              <a:spcBef>
+                <a:spcPct val="0"/>
+              </a:spcBef>
+              <a:spcAft>
+                <a:spcPct val="0"/>
+              </a:spcAft>
+              <a:defRPr>
+                <a:solidFill>
+                  <a:schemeClr val="tx1"/>
+                </a:solidFill>
+                <a:latin typeface="Calibri" panose="020F0502020204030204" pitchFamily="34" charset="0"/>
+              </a:defRPr>
+            </a:lvl9pPr>
+          </a:lstStyle>
+          <a:p>
+            <a:pPr algn="ctr" eaLnBrk="1" hangingPunct="1"/>
+            <a:r>
+              <a:rPr lang="en-US" altLang="en-US" sz="1200" dirty="0">
+                <a:solidFill>
+                  <a:srgbClr val="000000"/>
+                </a:solidFill>
+                <a:latin typeface="Arial" panose="020B0604020202020204" pitchFamily="34" charset="0"/>
+                <a:cs typeface="Arial" panose="020B0604020202020204" pitchFamily="34" charset="0"/>
+              </a:rPr>
+              <a:t>Workload VPCs</a:t>
+            </a:r>
+          </a:p>
+        </p:txBody>
+      </p:sp>
+      <p:cxnSp>
+        <p:nvCxnSpPr>
+          <p:cNvPr id="77" name="Straight Arrow Connector 76">
+            <a:extLst>
+              <a:ext uri="{FF2B5EF4-FFF2-40B4-BE49-F238E27FC236}">
+                <a16:creationId xmlns:a16="http://schemas.microsoft.com/office/drawing/2014/main" id="{C77F8D2F-3BCA-4351-9177-3468D40430FB}"/>
+              </a:ext>
+            </a:extLst>
+          </p:cNvPr>
+          <p:cNvCxnSpPr>
+            <a:cxnSpLocks/>
+            <a:stCxn id="30" idx="2"/>
+            <a:endCxn id="76" idx="0"/>
+          </p:cNvCxnSpPr>
+          <p:nvPr/>
+        </p:nvCxnSpPr>
+        <p:spPr bwMode="auto">
+          <a:xfrm>
+            <a:off x="8517769" y="7118606"/>
+            <a:ext cx="2137" cy="473431"/>
+          </a:xfrm>
+          <a:prstGeom prst="straightConnector1">
+            <a:avLst/>
+          </a:prstGeom>
+          <a:ln w="12700">
+            <a:solidFill>
+              <a:srgbClr val="545B64"/>
+            </a:solidFill>
+            <a:headEnd type="arrow" w="med" len="sm"/>
+            <a:tailEnd type="arrow" w="med" len="sm"/>
+          </a:ln>
+        </p:spPr>
+        <p:style>
+          <a:lnRef idx="1">
+            <a:schemeClr val="accent1"/>
+          </a:lnRef>
+          <a:fillRef idx="0">
+            <a:schemeClr val="accent1"/>
+          </a:fillRef>
+          <a:effectRef idx="0">
+            <a:schemeClr val="accent1"/>
+          </a:effectRef>
+          <a:fontRef idx="minor">
+            <a:schemeClr val="tx1"/>
+          </a:fontRef>
+        </p:style>
+      </p:cxnSp>
+    </p:spTree>
+    <p:extLst>
+      <p:ext uri="{BB962C8B-B14F-4D97-AF65-F5344CB8AC3E}">
+        <p14:creationId xmlns:p14="http://schemas.microsoft.com/office/powerpoint/2010/main" val="2120207137"/>
       </p:ext>
     </p:extLst>
   </p:cSld>

--- a/docs/images/cisco-meraki-sd-wan-vmx-architecture-diagram.pptx
+++ b/docs/images/cisco-meraki-sd-wan-vmx-architecture-diagram.pptx
@@ -258,7 +258,7 @@
           <a:p>
             <a:fld id="{66A1C720-F646-4663-BA47-18BA1F80B731}" type="datetimeFigureOut">
               <a:rPr lang="en-US" smtClean="0"/>
-              <a:t>11/8/2021</a:t>
+              <a:t>11/9/2021</a:t>
             </a:fld>
             <a:endParaRPr lang="en-US"/>
           </a:p>
@@ -428,7 +428,7 @@
           <a:p>
             <a:fld id="{66A1C720-F646-4663-BA47-18BA1F80B731}" type="datetimeFigureOut">
               <a:rPr lang="en-US" smtClean="0"/>
-              <a:t>11/8/2021</a:t>
+              <a:t>11/9/2021</a:t>
             </a:fld>
             <a:endParaRPr lang="en-US"/>
           </a:p>
@@ -608,7 +608,7 @@
           <a:p>
             <a:fld id="{66A1C720-F646-4663-BA47-18BA1F80B731}" type="datetimeFigureOut">
               <a:rPr lang="en-US" smtClean="0"/>
-              <a:t>11/8/2021</a:t>
+              <a:t>11/9/2021</a:t>
             </a:fld>
             <a:endParaRPr lang="en-US"/>
           </a:p>
@@ -778,7 +778,7 @@
           <a:p>
             <a:fld id="{66A1C720-F646-4663-BA47-18BA1F80B731}" type="datetimeFigureOut">
               <a:rPr lang="en-US" smtClean="0"/>
-              <a:t>11/8/2021</a:t>
+              <a:t>11/9/2021</a:t>
             </a:fld>
             <a:endParaRPr lang="en-US"/>
           </a:p>
@@ -1022,7 +1022,7 @@
           <a:p>
             <a:fld id="{66A1C720-F646-4663-BA47-18BA1F80B731}" type="datetimeFigureOut">
               <a:rPr lang="en-US" smtClean="0"/>
-              <a:t>11/8/2021</a:t>
+              <a:t>11/9/2021</a:t>
             </a:fld>
             <a:endParaRPr lang="en-US"/>
           </a:p>
@@ -1254,7 +1254,7 @@
           <a:p>
             <a:fld id="{66A1C720-F646-4663-BA47-18BA1F80B731}" type="datetimeFigureOut">
               <a:rPr lang="en-US" smtClean="0"/>
-              <a:t>11/8/2021</a:t>
+              <a:t>11/9/2021</a:t>
             </a:fld>
             <a:endParaRPr lang="en-US"/>
           </a:p>
@@ -1621,7 +1621,7 @@
           <a:p>
             <a:fld id="{66A1C720-F646-4663-BA47-18BA1F80B731}" type="datetimeFigureOut">
               <a:rPr lang="en-US" smtClean="0"/>
-              <a:t>11/8/2021</a:t>
+              <a:t>11/9/2021</a:t>
             </a:fld>
             <a:endParaRPr lang="en-US"/>
           </a:p>
@@ -1739,7 +1739,7 @@
           <a:p>
             <a:fld id="{66A1C720-F646-4663-BA47-18BA1F80B731}" type="datetimeFigureOut">
               <a:rPr lang="en-US" smtClean="0"/>
-              <a:t>11/8/2021</a:t>
+              <a:t>11/9/2021</a:t>
             </a:fld>
             <a:endParaRPr lang="en-US"/>
           </a:p>
@@ -1834,7 +1834,7 @@
           <a:p>
             <a:fld id="{66A1C720-F646-4663-BA47-18BA1F80B731}" type="datetimeFigureOut">
               <a:rPr lang="en-US" smtClean="0"/>
-              <a:t>11/8/2021</a:t>
+              <a:t>11/9/2021</a:t>
             </a:fld>
             <a:endParaRPr lang="en-US"/>
           </a:p>
@@ -2111,7 +2111,7 @@
           <a:p>
             <a:fld id="{66A1C720-F646-4663-BA47-18BA1F80B731}" type="datetimeFigureOut">
               <a:rPr lang="en-US" smtClean="0"/>
-              <a:t>11/8/2021</a:t>
+              <a:t>11/9/2021</a:t>
             </a:fld>
             <a:endParaRPr lang="en-US"/>
           </a:p>
@@ -2368,7 +2368,7 @@
           <a:p>
             <a:fld id="{66A1C720-F646-4663-BA47-18BA1F80B731}" type="datetimeFigureOut">
               <a:rPr lang="en-US" smtClean="0"/>
-              <a:t>11/8/2021</a:t>
+              <a:t>11/9/2021</a:t>
             </a:fld>
             <a:endParaRPr lang="en-US"/>
           </a:p>
@@ -2581,7 +2581,7 @@
           <a:p>
             <a:fld id="{66A1C720-F646-4663-BA47-18BA1F80B731}" type="datetimeFigureOut">
               <a:rPr lang="en-US" smtClean="0"/>
-              <a:t>11/8/2021</a:t>
+              <a:t>11/9/2021</a:t>
             </a:fld>
             <a:endParaRPr lang="en-US"/>
           </a:p>
@@ -19714,7 +19714,7 @@
         </p:blipFill>
         <p:spPr bwMode="auto">
           <a:xfrm>
-            <a:off x="10464271" y="2639298"/>
+            <a:off x="10449886" y="3832178"/>
             <a:ext cx="762000" cy="762000"/>
           </a:xfrm>
           <a:prstGeom prst="rect">
@@ -19761,7 +19761,7 @@
         </p:nvSpPr>
         <p:spPr bwMode="auto">
           <a:xfrm>
-            <a:off x="10008372" y="3401298"/>
+            <a:off x="9993987" y="4594178"/>
             <a:ext cx="1673798" cy="276999"/>
           </a:xfrm>
           <a:prstGeom prst="rect">
@@ -19935,7 +19935,7 @@
         </p:blipFill>
         <p:spPr bwMode="auto">
           <a:xfrm>
-            <a:off x="10464271" y="3828908"/>
+            <a:off x="10449886" y="2660541"/>
             <a:ext cx="762000" cy="762000"/>
           </a:xfrm>
           <a:prstGeom prst="rect">
@@ -19982,7 +19982,7 @@
         </p:nvSpPr>
         <p:spPr bwMode="auto">
           <a:xfrm>
-            <a:off x="10246517" y="4590114"/>
+            <a:off x="10232132" y="3421747"/>
             <a:ext cx="1197509" cy="276999"/>
           </a:xfrm>
           <a:prstGeom prst="rect">
@@ -20156,7 +20156,7 @@
         </p:blipFill>
         <p:spPr bwMode="auto">
           <a:xfrm>
-            <a:off x="10464271" y="5004968"/>
+            <a:off x="10449886" y="4974319"/>
             <a:ext cx="762000" cy="762000"/>
           </a:xfrm>
           <a:prstGeom prst="rect">
@@ -20203,7 +20203,7 @@
         </p:nvSpPr>
         <p:spPr bwMode="auto">
           <a:xfrm>
-            <a:off x="9971511" y="5766968"/>
+            <a:off x="9957126" y="5736319"/>
             <a:ext cx="1747520" cy="276999"/>
           </a:xfrm>
           <a:prstGeom prst="rect">

--- a/docs/images/cisco-meraki-sd-wan-vmx-architecture-diagram.pptx
+++ b/docs/images/cisco-meraki-sd-wan-vmx-architecture-diagram.pptx
@@ -3807,7 +3807,7 @@
         <p:spPr bwMode="auto">
           <a:xfrm>
             <a:off x="4612866" y="5125416"/>
-            <a:ext cx="1342852" cy="430887"/>
+            <a:ext cx="1342852" cy="461665"/>
           </a:xfrm>
           <a:prstGeom prst="rect">
             <a:avLst/>
@@ -3941,7 +3941,7 @@
           <a:p>
             <a:pPr algn="ctr" eaLnBrk="1" hangingPunct="1"/>
             <a:r>
-              <a:rPr lang="en-US" altLang="en-US" sz="1100" dirty="0">
+              <a:rPr lang="en-US" altLang="en-US" sz="1200" dirty="0">
                 <a:latin typeface="Arial" panose="020B0604020202020204" pitchFamily="34" charset="0"/>
                 <a:ea typeface="Amazon Ember" panose="020B0603020204020204" pitchFamily="34" charset="0"/>
                 <a:cs typeface="Arial" panose="020B0604020202020204" pitchFamily="34" charset="0"/>
@@ -9367,7 +9367,7 @@
         <p:spPr bwMode="auto">
           <a:xfrm>
             <a:off x="7884631" y="5125416"/>
-            <a:ext cx="1342852" cy="430887"/>
+            <a:ext cx="1342852" cy="461665"/>
           </a:xfrm>
           <a:prstGeom prst="rect">
             <a:avLst/>
@@ -9501,7 +9501,7 @@
           <a:p>
             <a:pPr algn="ctr" eaLnBrk="1" hangingPunct="1"/>
             <a:r>
-              <a:rPr lang="en-US" altLang="en-US" sz="1100" dirty="0">
+              <a:rPr lang="en-US" altLang="en-US" sz="1200" dirty="0">
                 <a:latin typeface="Arial" panose="020B0604020202020204" pitchFamily="34" charset="0"/>
                 <a:ea typeface="Amazon Ember" panose="020B0603020204020204" pitchFamily="34" charset="0"/>
                 <a:cs typeface="Arial" panose="020B0604020202020204" pitchFamily="34" charset="0"/>

--- a/docs/images/cisco-meraki-sd-wan-vmx-architecture-diagram.pptx
+++ b/docs/images/cisco-meraki-sd-wan-vmx-architecture-diagram.pptx
@@ -8471,7 +8471,7 @@
         <p:spPr bwMode="auto">
           <a:xfrm>
             <a:off x="4612866" y="5125416"/>
-            <a:ext cx="1342852" cy="430887"/>
+            <a:ext cx="1342852" cy="461665"/>
           </a:xfrm>
           <a:prstGeom prst="rect">
             <a:avLst/>
@@ -8605,7 +8605,7 @@
           <a:p>
             <a:pPr algn="ctr" eaLnBrk="1" hangingPunct="1"/>
             <a:r>
-              <a:rPr lang="en-US" altLang="en-US" sz="1100" dirty="0">
+              <a:rPr lang="en-US" altLang="en-US" sz="1200" dirty="0">
                 <a:latin typeface="Arial" panose="020B0604020202020204" pitchFamily="34" charset="0"/>
                 <a:ea typeface="Amazon Ember" panose="020B0603020204020204" pitchFamily="34" charset="0"/>
                 <a:cs typeface="Arial" panose="020B0604020202020204" pitchFamily="34" charset="0"/>
